--- a/S3.6_RailsApplication.pptx
+++ b/S3.6_RailsApplication.pptx
@@ -6,30 +6,31 @@
     <p:sldMasterId id="2147483732" r:id="rId2"/>
   </p:sldMasterIdLst>
   <p:notesMasterIdLst>
-    <p:notesMasterId r:id="rId21"/>
+    <p:notesMasterId r:id="rId22"/>
   </p:notesMasterIdLst>
   <p:sldIdLst>
     <p:sldId id="335" r:id="rId3"/>
     <p:sldId id="338" r:id="rId4"/>
     <p:sldId id="339" r:id="rId5"/>
-    <p:sldId id="340" r:id="rId6"/>
-    <p:sldId id="341" r:id="rId7"/>
-    <p:sldId id="342" r:id="rId8"/>
-    <p:sldId id="343" r:id="rId9"/>
-    <p:sldId id="344" r:id="rId10"/>
-    <p:sldId id="345" r:id="rId11"/>
-    <p:sldId id="346" r:id="rId12"/>
-    <p:sldId id="347" r:id="rId13"/>
-    <p:sldId id="348" r:id="rId14"/>
-    <p:sldId id="349" r:id="rId15"/>
-    <p:sldId id="350" r:id="rId16"/>
-    <p:sldId id="351" r:id="rId17"/>
-    <p:sldId id="352" r:id="rId18"/>
-    <p:sldId id="353" r:id="rId19"/>
-    <p:sldId id="312" r:id="rId20"/>
+    <p:sldId id="354" r:id="rId6"/>
+    <p:sldId id="340" r:id="rId7"/>
+    <p:sldId id="341" r:id="rId8"/>
+    <p:sldId id="342" r:id="rId9"/>
+    <p:sldId id="343" r:id="rId10"/>
+    <p:sldId id="344" r:id="rId11"/>
+    <p:sldId id="345" r:id="rId12"/>
+    <p:sldId id="346" r:id="rId13"/>
+    <p:sldId id="347" r:id="rId14"/>
+    <p:sldId id="348" r:id="rId15"/>
+    <p:sldId id="349" r:id="rId16"/>
+    <p:sldId id="350" r:id="rId17"/>
+    <p:sldId id="351" r:id="rId18"/>
+    <p:sldId id="352" r:id="rId19"/>
+    <p:sldId id="353" r:id="rId20"/>
+    <p:sldId id="312" r:id="rId21"/>
   </p:sldIdLst>
   <p:sldSz cx="9144000" cy="6858000" type="screen4x3"/>
-  <p:notesSz cx="7077075" cy="9051925"/>
+  <p:notesSz cx="7072313" cy="9048750"/>
   <p:defaultTextStyle>
     <a:defPPr>
       <a:defRPr lang="en-US"/>
@@ -2737,15 +2738,15 @@
         </p:nvSpPr>
         <p:spPr>
           <a:xfrm>
-            <a:off x="0" y="0"/>
-            <a:ext cx="3066733" cy="452596"/>
+            <a:off x="1" y="0"/>
+            <a:ext cx="3064669" cy="452437"/>
           </a:xfrm>
           <a:prstGeom prst="rect">
             <a:avLst/>
           </a:prstGeom>
         </p:spPr>
         <p:txBody>
-          <a:bodyPr vert="horz" lIns="91440" tIns="45720" rIns="91440" bIns="45720" rtlCol="0"/>
+          <a:bodyPr vert="horz" lIns="91394" tIns="45697" rIns="91394" bIns="45697" rtlCol="0"/>
           <a:lstStyle>
             <a:lvl1pPr algn="l">
               <a:defRPr sz="1200"/>
@@ -2768,15 +2769,15 @@
         </p:nvSpPr>
         <p:spPr>
           <a:xfrm>
-            <a:off x="4008705" y="0"/>
-            <a:ext cx="3066733" cy="452596"/>
+            <a:off x="4006008" y="0"/>
+            <a:ext cx="3064669" cy="452437"/>
           </a:xfrm>
           <a:prstGeom prst="rect">
             <a:avLst/>
           </a:prstGeom>
         </p:spPr>
         <p:txBody>
-          <a:bodyPr vert="horz" lIns="91440" tIns="45720" rIns="91440" bIns="45720" rtlCol="0"/>
+          <a:bodyPr vert="horz" lIns="91394" tIns="45697" rIns="91394" bIns="45697" rtlCol="0"/>
           <a:lstStyle>
             <a:lvl1pPr algn="r">
               <a:defRPr sz="1200"/>
@@ -2803,8 +2804,8 @@
         </p:nvSpPr>
         <p:spPr>
           <a:xfrm>
-            <a:off x="1276350" y="679450"/>
-            <a:ext cx="4524375" cy="3394075"/>
+            <a:off x="1274763" y="679450"/>
+            <a:ext cx="4522787" cy="3392488"/>
           </a:xfrm>
           <a:prstGeom prst="rect">
             <a:avLst/>
@@ -2817,7 +2818,7 @@
           </a:ln>
         </p:spPr>
         <p:txBody>
-          <a:bodyPr vert="horz" lIns="91440" tIns="45720" rIns="91440" bIns="45720" rtlCol="0" anchor="ctr"/>
+          <a:bodyPr vert="horz" lIns="91394" tIns="45697" rIns="91394" bIns="45697" rtlCol="0" anchor="ctr"/>
           <a:lstStyle/>
           <a:p>
             <a:endParaRPr lang="en-US" dirty="0"/>
@@ -2836,15 +2837,15 @@
         </p:nvSpPr>
         <p:spPr>
           <a:xfrm>
-            <a:off x="707708" y="4299665"/>
-            <a:ext cx="5661660" cy="4073366"/>
+            <a:off x="707232" y="4298157"/>
+            <a:ext cx="5657850" cy="4071937"/>
           </a:xfrm>
           <a:prstGeom prst="rect">
             <a:avLst/>
           </a:prstGeom>
         </p:spPr>
         <p:txBody>
-          <a:bodyPr vert="horz" lIns="91440" tIns="45720" rIns="91440" bIns="45720" rtlCol="0"/>
+          <a:bodyPr vert="horz" lIns="91394" tIns="45697" rIns="91394" bIns="45697" rtlCol="0"/>
           <a:lstStyle/>
           <a:p>
             <a:pPr lvl="0"/>
@@ -2896,15 +2897,15 @@
         </p:nvSpPr>
         <p:spPr>
           <a:xfrm>
-            <a:off x="0" y="8597758"/>
-            <a:ext cx="3066733" cy="452596"/>
+            <a:off x="1" y="8594742"/>
+            <a:ext cx="3064669" cy="452437"/>
           </a:xfrm>
           <a:prstGeom prst="rect">
             <a:avLst/>
           </a:prstGeom>
         </p:spPr>
         <p:txBody>
-          <a:bodyPr vert="horz" lIns="91440" tIns="45720" rIns="91440" bIns="45720" rtlCol="0" anchor="b"/>
+          <a:bodyPr vert="horz" lIns="91394" tIns="45697" rIns="91394" bIns="45697" rtlCol="0" anchor="b"/>
           <a:lstStyle>
             <a:lvl1pPr algn="l">
               <a:defRPr sz="1200"/>
@@ -2927,15 +2928,15 @@
         </p:nvSpPr>
         <p:spPr>
           <a:xfrm>
-            <a:off x="4008705" y="8597758"/>
-            <a:ext cx="3066733" cy="452596"/>
+            <a:off x="4006008" y="8594742"/>
+            <a:ext cx="3064669" cy="452437"/>
           </a:xfrm>
           <a:prstGeom prst="rect">
             <a:avLst/>
           </a:prstGeom>
         </p:spPr>
         <p:txBody>
-          <a:bodyPr vert="horz" lIns="91440" tIns="45720" rIns="91440" bIns="45720" rtlCol="0" anchor="b"/>
+          <a:bodyPr vert="horz" lIns="91394" tIns="45697" rIns="91394" bIns="45697" rtlCol="0" anchor="b"/>
           <a:lstStyle>
             <a:lvl1pPr algn="r">
               <a:defRPr sz="1200"/>
@@ -3113,61 +3114,48 @@
           </a:bodyPr>
           <a:lstStyle/>
           <a:p>
-            <a:pPr marL="0" indent="0">
+            <a:pPr>
               <a:spcBef>
                 <a:spcPct val="0"/>
               </a:spcBef>
-              <a:buFont typeface="Wingdings"/>
-              <a:buNone/>
             </a:pPr>
             <a:r>
-              <a:rPr lang="en-US" sz="1600" dirty="0" smtClean="0"/>
-              <a:t>-- not too complex, but more to do than</a:t>
-            </a:r>
-            <a:r>
-              <a:rPr lang="en-US" sz="1600" baseline="0" dirty="0" smtClean="0"/>
-              <a:t> building a Ruby application </a:t>
-            </a:r>
-          </a:p>
-          <a:p>
-            <a:pPr marL="0" indent="0">
+              <a:rPr lang="en-US" sz="1600" dirty="0"/>
+              <a:t>-- not too complex, but more to do than building a Ruby application </a:t>
+            </a:r>
+          </a:p>
+          <a:p>
+            <a:pPr>
               <a:spcBef>
                 <a:spcPct val="0"/>
               </a:spcBef>
-              <a:buFont typeface="Wingdings"/>
-              <a:buNone/>
             </a:pPr>
             <a:r>
-              <a:rPr lang="en-US" sz="1600" baseline="0" dirty="0" smtClean="0"/>
+              <a:rPr lang="en-US" sz="1600" dirty="0"/>
               <a:t>-- Rails is a web application development platform</a:t>
             </a:r>
           </a:p>
           <a:p>
-            <a:pPr marL="0" indent="0">
+            <a:pPr>
               <a:spcBef>
                 <a:spcPct val="0"/>
               </a:spcBef>
-              <a:buFont typeface="Wingdings"/>
-              <a:buNone/>
             </a:pPr>
             <a:r>
-              <a:rPr lang="en-US" sz="1600" baseline="0" dirty="0" smtClean="0"/>
+              <a:rPr lang="en-US" sz="1600" dirty="0"/>
               <a:t>-- tries to make programming web applications simpler by making many assumptions about what the developer needs to get done</a:t>
             </a:r>
           </a:p>
           <a:p>
-            <a:pPr marL="0" indent="0">
+            <a:pPr>
               <a:spcBef>
                 <a:spcPct val="0"/>
               </a:spcBef>
-              <a:buFont typeface="Wingdings"/>
-              <a:buNone/>
             </a:pPr>
             <a:r>
-              <a:rPr lang="en-US" sz="1600" baseline="0" dirty="0" smtClean="0"/>
+              <a:rPr lang="en-US" sz="1600" dirty="0"/>
               <a:t>-- that can also drive you nuts! </a:t>
             </a:r>
-            <a:endParaRPr lang="en-US" sz="1600" dirty="0" smtClean="0"/>
           </a:p>
         </p:txBody>
       </p:sp>
@@ -3215,6 +3203,262 @@
         </p:txBody>
       </p:sp>
     </p:spTree>
+  </p:cSld>
+  <p:clrMapOvr>
+    <a:masterClrMapping/>
+  </p:clrMapOvr>
+</p:notes>
+</file>
+
+<file path=ppt/notesSlides/notesSlide10.xml><?xml version="1.0" encoding="utf-8"?>
+<p:notes xmlns:a="http://schemas.openxmlformats.org/drawingml/2006/main" xmlns:r="http://schemas.openxmlformats.org/officeDocument/2006/relationships" xmlns:p="http://schemas.openxmlformats.org/presentationml/2006/main">
+  <p:cSld>
+    <p:spTree>
+      <p:nvGrpSpPr>
+        <p:cNvPr id="1" name=""/>
+        <p:cNvGrpSpPr/>
+        <p:nvPr/>
+      </p:nvGrpSpPr>
+      <p:grpSpPr>
+        <a:xfrm>
+          <a:off x="0" y="0"/>
+          <a:ext cx="0" cy="0"/>
+          <a:chOff x="0" y="0"/>
+          <a:chExt cx="0" cy="0"/>
+        </a:xfrm>
+      </p:grpSpPr>
+      <p:sp>
+        <p:nvSpPr>
+          <p:cNvPr id="2" name="Slide Image Placeholder 1"/>
+          <p:cNvSpPr>
+            <a:spLocks noGrp="1" noRot="1" noChangeAspect="1"/>
+          </p:cNvSpPr>
+          <p:nvPr>
+            <p:ph type="sldImg"/>
+          </p:nvPr>
+        </p:nvSpPr>
+        <p:spPr/>
+      </p:sp>
+      <p:sp>
+        <p:nvSpPr>
+          <p:cNvPr id="3" name="Notes Placeholder 2"/>
+          <p:cNvSpPr>
+            <a:spLocks noGrp="1"/>
+          </p:cNvSpPr>
+          <p:nvPr>
+            <p:ph type="body" idx="1"/>
+          </p:nvPr>
+        </p:nvSpPr>
+        <p:spPr/>
+        <p:txBody>
+          <a:bodyPr/>
+          <a:lstStyle/>
+          <a:p>
+            <a:endParaRPr lang="en-US" dirty="0"/>
+          </a:p>
+        </p:txBody>
+      </p:sp>
+      <p:sp>
+        <p:nvSpPr>
+          <p:cNvPr id="4" name="Slide Number Placeholder 3"/>
+          <p:cNvSpPr>
+            <a:spLocks noGrp="1"/>
+          </p:cNvSpPr>
+          <p:nvPr>
+            <p:ph type="sldNum" sz="quarter" idx="10"/>
+          </p:nvPr>
+        </p:nvSpPr>
+        <p:spPr/>
+        <p:txBody>
+          <a:bodyPr/>
+          <a:lstStyle/>
+          <a:p>
+            <a:fld id="{86E298D3-FAEC-4429-BBB2-6E24FE792F56}" type="slidenum">
+              <a:rPr lang="en-US" smtClean="0"/>
+              <a:t>16</a:t>
+            </a:fld>
+            <a:endParaRPr lang="en-US" dirty="0"/>
+          </a:p>
+        </p:txBody>
+      </p:sp>
+    </p:spTree>
+    <p:extLst>
+      <p:ext uri="{BB962C8B-B14F-4D97-AF65-F5344CB8AC3E}">
+        <p14:creationId xmlns:p14="http://schemas.microsoft.com/office/powerpoint/2010/main" val="3691105629"/>
+      </p:ext>
+    </p:extLst>
+  </p:cSld>
+  <p:clrMapOvr>
+    <a:masterClrMapping/>
+  </p:clrMapOvr>
+</p:notes>
+</file>
+
+<file path=ppt/notesSlides/notesSlide11.xml><?xml version="1.0" encoding="utf-8"?>
+<p:notes xmlns:a="http://schemas.openxmlformats.org/drawingml/2006/main" xmlns:r="http://schemas.openxmlformats.org/officeDocument/2006/relationships" xmlns:p="http://schemas.openxmlformats.org/presentationml/2006/main">
+  <p:cSld>
+    <p:spTree>
+      <p:nvGrpSpPr>
+        <p:cNvPr id="1" name=""/>
+        <p:cNvGrpSpPr/>
+        <p:nvPr/>
+      </p:nvGrpSpPr>
+      <p:grpSpPr>
+        <a:xfrm>
+          <a:off x="0" y="0"/>
+          <a:ext cx="0" cy="0"/>
+          <a:chOff x="0" y="0"/>
+          <a:chExt cx="0" cy="0"/>
+        </a:xfrm>
+      </p:grpSpPr>
+      <p:sp>
+        <p:nvSpPr>
+          <p:cNvPr id="2" name="Slide Image Placeholder 1"/>
+          <p:cNvSpPr>
+            <a:spLocks noGrp="1" noRot="1" noChangeAspect="1"/>
+          </p:cNvSpPr>
+          <p:nvPr>
+            <p:ph type="sldImg"/>
+          </p:nvPr>
+        </p:nvSpPr>
+        <p:spPr/>
+      </p:sp>
+      <p:sp>
+        <p:nvSpPr>
+          <p:cNvPr id="3" name="Notes Placeholder 2"/>
+          <p:cNvSpPr>
+            <a:spLocks noGrp="1"/>
+          </p:cNvSpPr>
+          <p:nvPr>
+            <p:ph type="body" idx="1"/>
+          </p:nvPr>
+        </p:nvSpPr>
+        <p:spPr/>
+        <p:txBody>
+          <a:bodyPr/>
+          <a:lstStyle/>
+          <a:p>
+            <a:r>
+              <a:rPr lang="en-US" dirty="0" smtClean="0"/>
+              <a:t>-- time 25 minutes to here</a:t>
+            </a:r>
+            <a:endParaRPr lang="en-US" dirty="0"/>
+          </a:p>
+        </p:txBody>
+      </p:sp>
+      <p:sp>
+        <p:nvSpPr>
+          <p:cNvPr id="4" name="Slide Number Placeholder 3"/>
+          <p:cNvSpPr>
+            <a:spLocks noGrp="1"/>
+          </p:cNvSpPr>
+          <p:nvPr>
+            <p:ph type="sldNum" sz="quarter" idx="10"/>
+          </p:nvPr>
+        </p:nvSpPr>
+        <p:spPr/>
+        <p:txBody>
+          <a:bodyPr/>
+          <a:lstStyle/>
+          <a:p>
+            <a:fld id="{86E298D3-FAEC-4429-BBB2-6E24FE792F56}" type="slidenum">
+              <a:rPr lang="en-US" smtClean="0"/>
+              <a:t>17</a:t>
+            </a:fld>
+            <a:endParaRPr lang="en-US" dirty="0"/>
+          </a:p>
+        </p:txBody>
+      </p:sp>
+    </p:spTree>
+    <p:extLst>
+      <p:ext uri="{BB962C8B-B14F-4D97-AF65-F5344CB8AC3E}">
+        <p14:creationId xmlns:p14="http://schemas.microsoft.com/office/powerpoint/2010/main" val="3068941429"/>
+      </p:ext>
+    </p:extLst>
+  </p:cSld>
+  <p:clrMapOvr>
+    <a:masterClrMapping/>
+  </p:clrMapOvr>
+</p:notes>
+</file>
+
+<file path=ppt/notesSlides/notesSlide12.xml><?xml version="1.0" encoding="utf-8"?>
+<p:notes xmlns:a="http://schemas.openxmlformats.org/drawingml/2006/main" xmlns:r="http://schemas.openxmlformats.org/officeDocument/2006/relationships" xmlns:p="http://schemas.openxmlformats.org/presentationml/2006/main">
+  <p:cSld>
+    <p:spTree>
+      <p:nvGrpSpPr>
+        <p:cNvPr id="1" name=""/>
+        <p:cNvGrpSpPr/>
+        <p:nvPr/>
+      </p:nvGrpSpPr>
+      <p:grpSpPr>
+        <a:xfrm>
+          <a:off x="0" y="0"/>
+          <a:ext cx="0" cy="0"/>
+          <a:chOff x="0" y="0"/>
+          <a:chExt cx="0" cy="0"/>
+        </a:xfrm>
+      </p:grpSpPr>
+      <p:sp>
+        <p:nvSpPr>
+          <p:cNvPr id="2" name="Slide Image Placeholder 1"/>
+          <p:cNvSpPr>
+            <a:spLocks noGrp="1" noRot="1" noChangeAspect="1"/>
+          </p:cNvSpPr>
+          <p:nvPr>
+            <p:ph type="sldImg"/>
+          </p:nvPr>
+        </p:nvSpPr>
+        <p:spPr/>
+      </p:sp>
+      <p:sp>
+        <p:nvSpPr>
+          <p:cNvPr id="3" name="Notes Placeholder 2"/>
+          <p:cNvSpPr>
+            <a:spLocks noGrp="1"/>
+          </p:cNvSpPr>
+          <p:nvPr>
+            <p:ph type="body" idx="1"/>
+          </p:nvPr>
+        </p:nvSpPr>
+        <p:spPr/>
+        <p:txBody>
+          <a:bodyPr/>
+          <a:lstStyle/>
+          <a:p>
+            <a:endParaRPr lang="en-US" sz="1600" dirty="0"/>
+          </a:p>
+        </p:txBody>
+      </p:sp>
+      <p:sp>
+        <p:nvSpPr>
+          <p:cNvPr id="4" name="Slide Number Placeholder 3"/>
+          <p:cNvSpPr>
+            <a:spLocks noGrp="1"/>
+          </p:cNvSpPr>
+          <p:nvPr>
+            <p:ph type="sldNum" sz="quarter" idx="10"/>
+          </p:nvPr>
+        </p:nvSpPr>
+        <p:spPr/>
+        <p:txBody>
+          <a:bodyPr/>
+          <a:lstStyle/>
+          <a:p>
+            <a:fld id="{86E298D3-FAEC-4429-BBB2-6E24FE792F56}" type="slidenum">
+              <a:rPr lang="en-US" smtClean="0"/>
+              <a:t>19</a:t>
+            </a:fld>
+            <a:endParaRPr lang="en-US" dirty="0"/>
+          </a:p>
+        </p:txBody>
+      </p:sp>
+    </p:spTree>
+    <p:extLst>
+      <p:ext uri="{BB962C8B-B14F-4D97-AF65-F5344CB8AC3E}">
+        <p14:creationId xmlns:p14="http://schemas.microsoft.com/office/powerpoint/2010/main" val="2064080140"/>
+      </p:ext>
+    </p:extLst>
   </p:cSld>
   <p:clrMapOvr>
     <a:masterClrMapping/>
@@ -3266,29 +3510,7 @@
           <a:bodyPr/>
           <a:lstStyle/>
           <a:p>
-            <a:r>
-              <a:rPr lang="en-US" dirty="0" smtClean="0"/>
-              <a:t>--</a:t>
-            </a:r>
-            <a:r>
-              <a:rPr lang="en-US" baseline="0" dirty="0" smtClean="0"/>
-              <a:t> </a:t>
-            </a:r>
-            <a:r>
-              <a:rPr lang="en-US" baseline="0" dirty="0" err="1" smtClean="0"/>
-              <a:t>Rails.application.routes.draw</a:t>
-            </a:r>
-            <a:r>
-              <a:rPr lang="en-US" baseline="0" dirty="0" smtClean="0"/>
-              <a:t> tells Rails to build a route map of accepted routes.</a:t>
-            </a:r>
-          </a:p>
-          <a:p>
-            <a:r>
-              <a:rPr lang="en-US" baseline="0" dirty="0" smtClean="0"/>
-              <a:t>-- the get was added by Rails when we generated the ‘index’ page.</a:t>
-            </a:r>
-            <a:endParaRPr lang="en-US" dirty="0"/>
+            <a:endParaRPr lang="en-US"/>
           </a:p>
         </p:txBody>
       </p:sp>
@@ -3318,7 +3540,7 @@
     </p:spTree>
     <p:extLst>
       <p:ext uri="{BB962C8B-B14F-4D97-AF65-F5344CB8AC3E}">
-        <p14:creationId xmlns:p14="http://schemas.microsoft.com/office/powerpoint/2010/main" val="2137624712"/>
+        <p14:creationId xmlns:p14="http://schemas.microsoft.com/office/powerpoint/2010/main" val="1675629830"/>
       </p:ext>
     </p:extLst>
   </p:cSld>
@@ -3374,13 +3596,25 @@
           <a:p>
             <a:r>
               <a:rPr lang="en-US" dirty="0" smtClean="0"/>
-              <a:t>-- building a HTML form</a:t>
-            </a:r>
-          </a:p>
-          <a:p>
-            <a:r>
-              <a:rPr lang="en-US" dirty="0" smtClean="0"/>
-              <a:t>-- clicking the submit button will POST the contents of the form to ‘/translate/’ </a:t>
+              <a:t>--</a:t>
+            </a:r>
+            <a:r>
+              <a:rPr lang="en-US" baseline="0" dirty="0" smtClean="0"/>
+              <a:t> </a:t>
+            </a:r>
+            <a:r>
+              <a:rPr lang="en-US" baseline="0" dirty="0" err="1" smtClean="0"/>
+              <a:t>Rails.application.routes.draw</a:t>
+            </a:r>
+            <a:r>
+              <a:rPr lang="en-US" baseline="0" dirty="0" smtClean="0"/>
+              <a:t> tells Rails to build a route map of accepted routes.</a:t>
+            </a:r>
+          </a:p>
+          <a:p>
+            <a:r>
+              <a:rPr lang="en-US" baseline="0" dirty="0" smtClean="0"/>
+              <a:t>-- the get was added by Rails when we generated the ‘index’ page.</a:t>
             </a:r>
             <a:endParaRPr lang="en-US" dirty="0"/>
           </a:p>
@@ -3403,7 +3637,7 @@
           <a:p>
             <a:fld id="{86E298D3-FAEC-4429-BBB2-6E24FE792F56}" type="slidenum">
               <a:rPr lang="en-US" smtClean="0"/>
-              <a:t>7</a:t>
+              <a:t>5</a:t>
             </a:fld>
             <a:endParaRPr lang="en-US" dirty="0"/>
           </a:p>
@@ -3412,7 +3646,7 @@
     </p:spTree>
     <p:extLst>
       <p:ext uri="{BB962C8B-B14F-4D97-AF65-F5344CB8AC3E}">
-        <p14:creationId xmlns:p14="http://schemas.microsoft.com/office/powerpoint/2010/main" val="2184523302"/>
+        <p14:creationId xmlns:p14="http://schemas.microsoft.com/office/powerpoint/2010/main" val="2137624712"/>
       </p:ext>
     </p:extLst>
   </p:cSld>
@@ -3468,17 +3702,13 @@
           <a:p>
             <a:r>
               <a:rPr lang="en-US" dirty="0" smtClean="0"/>
-              <a:t>-- notice</a:t>
-            </a:r>
-            <a:r>
-              <a:rPr lang="en-US" baseline="0" dirty="0" smtClean="0"/>
-              <a:t> in the Routes map there is no </a:t>
-            </a:r>
-          </a:p>
-          <a:p>
-            <a:r>
-              <a:rPr lang="en-US" baseline="0" dirty="0" smtClean="0"/>
-              <a:t>---- POST /translate/ </a:t>
+              <a:t>-- building a HTML form</a:t>
+            </a:r>
+          </a:p>
+          <a:p>
+            <a:r>
+              <a:rPr lang="en-US" dirty="0" smtClean="0"/>
+              <a:t>-- clicking the submit button will POST the contents of the form to ‘/translate/’ </a:t>
             </a:r>
             <a:endParaRPr lang="en-US" dirty="0"/>
           </a:p>
@@ -3501,7 +3731,7 @@
           <a:p>
             <a:fld id="{86E298D3-FAEC-4429-BBB2-6E24FE792F56}" type="slidenum">
               <a:rPr lang="en-US" smtClean="0"/>
-              <a:t>9</a:t>
+              <a:t>8</a:t>
             </a:fld>
             <a:endParaRPr lang="en-US" dirty="0"/>
           </a:p>
@@ -3510,7 +3740,7 @@
     </p:spTree>
     <p:extLst>
       <p:ext uri="{BB962C8B-B14F-4D97-AF65-F5344CB8AC3E}">
-        <p14:creationId xmlns:p14="http://schemas.microsoft.com/office/powerpoint/2010/main" val="2695897964"/>
+        <p14:creationId xmlns:p14="http://schemas.microsoft.com/office/powerpoint/2010/main" val="2184523302"/>
       </p:ext>
     </p:extLst>
   </p:cSld>
@@ -3564,6 +3794,20 @@
           <a:bodyPr/>
           <a:lstStyle/>
           <a:p>
+            <a:r>
+              <a:rPr lang="en-US" dirty="0" smtClean="0"/>
+              <a:t>-- notice</a:t>
+            </a:r>
+            <a:r>
+              <a:rPr lang="en-US" baseline="0" dirty="0" smtClean="0"/>
+              <a:t> in the Routes map there is no </a:t>
+            </a:r>
+          </a:p>
+          <a:p>
+            <a:r>
+              <a:rPr lang="en-US" baseline="0" dirty="0" smtClean="0"/>
+              <a:t>---- POST /translate/ </a:t>
+            </a:r>
             <a:endParaRPr lang="en-US" dirty="0"/>
           </a:p>
         </p:txBody>
@@ -3594,7 +3838,7 @@
     </p:spTree>
     <p:extLst>
       <p:ext uri="{BB962C8B-B14F-4D97-AF65-F5344CB8AC3E}">
-        <p14:creationId xmlns:p14="http://schemas.microsoft.com/office/powerpoint/2010/main" val="1780436812"/>
+        <p14:creationId xmlns:p14="http://schemas.microsoft.com/office/powerpoint/2010/main" val="2695897964"/>
       </p:ext>
     </p:extLst>
   </p:cSld>
@@ -3648,34 +3892,6 @@
           <a:bodyPr/>
           <a:lstStyle/>
           <a:p>
-            <a:r>
-              <a:rPr lang="en-US" dirty="0" smtClean="0"/>
-              <a:t>-- the code to</a:t>
-            </a:r>
-            <a:r>
-              <a:rPr lang="en-US" baseline="0" dirty="0" smtClean="0"/>
-              <a:t> process the GETs is already in the file </a:t>
-            </a:r>
-          </a:p>
-          <a:p>
-            <a:r>
-              <a:rPr lang="en-US" baseline="0" dirty="0" smtClean="0"/>
-              <a:t>-- </a:t>
-            </a:r>
-            <a:r>
-              <a:rPr lang="en-US" baseline="0" dirty="0" err="1" smtClean="0"/>
-              <a:t>def</a:t>
-            </a:r>
-            <a:r>
-              <a:rPr lang="en-US" baseline="0" dirty="0" smtClean="0"/>
-              <a:t> create intercepts POSTs</a:t>
-            </a:r>
-          </a:p>
-          <a:p>
-            <a:r>
-              <a:rPr lang="en-US" baseline="0" dirty="0" smtClean="0"/>
-              <a:t>---- render inline: returns the HTML in quotes as the web page, ok for testing.</a:t>
-            </a:r>
             <a:endParaRPr lang="en-US" dirty="0"/>
           </a:p>
         </p:txBody>
@@ -3706,7 +3922,7 @@
     </p:spTree>
     <p:extLst>
       <p:ext uri="{BB962C8B-B14F-4D97-AF65-F5344CB8AC3E}">
-        <p14:creationId xmlns:p14="http://schemas.microsoft.com/office/powerpoint/2010/main" val="1259559974"/>
+        <p14:creationId xmlns:p14="http://schemas.microsoft.com/office/powerpoint/2010/main" val="1780436812"/>
       </p:ext>
     </p:extLst>
   </p:cSld>
@@ -3762,23 +3978,31 @@
           <a:p>
             <a:r>
               <a:rPr lang="en-US" dirty="0" smtClean="0"/>
-              <a:t>-- ~&gt; 1.0 asks</a:t>
+              <a:t>-- the code to</a:t>
             </a:r>
             <a:r>
               <a:rPr lang="en-US" baseline="0" dirty="0" smtClean="0"/>
-              <a:t> to load version 1.0 or higher</a:t>
+              <a:t> process the GETs is already in the file </a:t>
             </a:r>
           </a:p>
           <a:p>
             <a:r>
               <a:rPr lang="en-US" baseline="0" dirty="0" smtClean="0"/>
-              <a:t>-- the most recent version should load </a:t>
-            </a:r>
-          </a:p>
-          <a:p>
+              <a:t>-- </a:t>
+            </a:r>
+            <a:r>
+              <a:rPr lang="en-US" baseline="0" dirty="0" err="1" smtClean="0"/>
+              <a:t>def</a:t>
+            </a:r>
             <a:r>
               <a:rPr lang="en-US" baseline="0" dirty="0" smtClean="0"/>
-              <a:t>-- bundler is a gem installed with Rails </a:t>
+              <a:t> create intercepts POSTs</a:t>
+            </a:r>
+          </a:p>
+          <a:p>
+            <a:r>
+              <a:rPr lang="en-US" baseline="0" dirty="0" smtClean="0"/>
+              <a:t>---- render inline: returns the HTML in quotes as the web page, ok for testing.</a:t>
             </a:r>
             <a:endParaRPr lang="en-US" dirty="0"/>
           </a:p>
@@ -3801,7 +4025,7 @@
           <a:p>
             <a:fld id="{86E298D3-FAEC-4429-BBB2-6E24FE792F56}" type="slidenum">
               <a:rPr lang="en-US" smtClean="0"/>
-              <a:t>13</a:t>
+              <a:t>12</a:t>
             </a:fld>
             <a:endParaRPr lang="en-US" dirty="0"/>
           </a:p>
@@ -3810,7 +4034,7 @@
     </p:spTree>
     <p:extLst>
       <p:ext uri="{BB962C8B-B14F-4D97-AF65-F5344CB8AC3E}">
-        <p14:creationId xmlns:p14="http://schemas.microsoft.com/office/powerpoint/2010/main" val="2479553791"/>
+        <p14:creationId xmlns:p14="http://schemas.microsoft.com/office/powerpoint/2010/main" val="1259559974"/>
       </p:ext>
     </p:extLst>
   </p:cSld>
@@ -3866,29 +4090,23 @@
           <a:p>
             <a:r>
               <a:rPr lang="en-US" dirty="0" smtClean="0"/>
-              <a:t>-- grab the input</a:t>
+              <a:t>-- ~&gt; 1.0 asks</a:t>
             </a:r>
             <a:r>
               <a:rPr lang="en-US" baseline="0" dirty="0" smtClean="0"/>
-              <a:t> file from the parameter list </a:t>
+              <a:t> to load version 1.0 or higher</a:t>
             </a:r>
           </a:p>
           <a:p>
             <a:r>
               <a:rPr lang="en-US" baseline="0" dirty="0" smtClean="0"/>
-              <a:t>-- pass the file and other parameters to the mdTranslator gem </a:t>
+              <a:t>-- the most recent version should load </a:t>
             </a:r>
           </a:p>
           <a:p>
             <a:r>
               <a:rPr lang="en-US" baseline="0" dirty="0" smtClean="0"/>
-              <a:t>-- accept the returned hash</a:t>
-            </a:r>
-          </a:p>
-          <a:p>
-            <a:r>
-              <a:rPr lang="en-US" baseline="0" dirty="0" smtClean="0"/>
-              <a:t>-- render the metadata output as XML</a:t>
+              <a:t>-- bundler is a gem installed with Rails </a:t>
             </a:r>
             <a:endParaRPr lang="en-US" dirty="0"/>
           </a:p>
@@ -3920,7 +4138,7 @@
     </p:spTree>
     <p:extLst>
       <p:ext uri="{BB962C8B-B14F-4D97-AF65-F5344CB8AC3E}">
-        <p14:creationId xmlns:p14="http://schemas.microsoft.com/office/powerpoint/2010/main" val="230640163"/>
+        <p14:creationId xmlns:p14="http://schemas.microsoft.com/office/powerpoint/2010/main" val="2479553791"/>
       </p:ext>
     </p:extLst>
   </p:cSld>
@@ -3974,11 +4192,33 @@
           <a:bodyPr/>
           <a:lstStyle/>
           <a:p>
-            <a:pPr marL="0" indent="0">
-              <a:buFont typeface="Wingdings"/>
-              <a:buNone/>
-            </a:pPr>
-            <a:endParaRPr lang="en-US" sz="1600" dirty="0"/>
+            <a:r>
+              <a:rPr lang="en-US" dirty="0" smtClean="0"/>
+              <a:t>-- grab the input</a:t>
+            </a:r>
+            <a:r>
+              <a:rPr lang="en-US" baseline="0" dirty="0" smtClean="0"/>
+              <a:t> file from the parameter list </a:t>
+            </a:r>
+          </a:p>
+          <a:p>
+            <a:r>
+              <a:rPr lang="en-US" baseline="0" dirty="0" smtClean="0"/>
+              <a:t>-- pass the file and other parameters to the mdTranslator gem </a:t>
+            </a:r>
+          </a:p>
+          <a:p>
+            <a:r>
+              <a:rPr lang="en-US" baseline="0" dirty="0" smtClean="0"/>
+              <a:t>-- accept the returned hash</a:t>
+            </a:r>
+          </a:p>
+          <a:p>
+            <a:r>
+              <a:rPr lang="en-US" baseline="0" dirty="0" smtClean="0"/>
+              <a:t>-- render the metadata output as XML</a:t>
+            </a:r>
+            <a:endParaRPr lang="en-US" dirty="0"/>
           </a:p>
         </p:txBody>
       </p:sp>
@@ -3999,7 +4239,7 @@
           <a:p>
             <a:fld id="{86E298D3-FAEC-4429-BBB2-6E24FE792F56}" type="slidenum">
               <a:rPr lang="en-US" smtClean="0"/>
-              <a:t>18</a:t>
+              <a:t>15</a:t>
             </a:fld>
             <a:endParaRPr lang="en-US" dirty="0"/>
           </a:p>
@@ -4008,7 +4248,7 @@
     </p:spTree>
     <p:extLst>
       <p:ext uri="{BB962C8B-B14F-4D97-AF65-F5344CB8AC3E}">
-        <p14:creationId xmlns:p14="http://schemas.microsoft.com/office/powerpoint/2010/main" val="2064080140"/>
+        <p14:creationId xmlns:p14="http://schemas.microsoft.com/office/powerpoint/2010/main" val="230640163"/>
       </p:ext>
     </p:extLst>
   </p:cSld>
@@ -12219,23 +12459,6 @@
 <file path=ppt/slides/slide10.xml><?xml version="1.0" encoding="utf-8"?>
 <p:sld xmlns:a="http://schemas.openxmlformats.org/drawingml/2006/main" xmlns:r="http://schemas.openxmlformats.org/officeDocument/2006/relationships" xmlns:p="http://schemas.openxmlformats.org/presentationml/2006/main">
   <p:cSld>
-    <p:bg>
-      <p:bgPr>
-        <a:gradFill flip="none" rotWithShape="1">
-          <a:gsLst>
-            <a:gs pos="14000">
-              <a:srgbClr val="E7FAFC"/>
-            </a:gs>
-            <a:gs pos="38000">
-              <a:schemeClr val="bg1"/>
-            </a:gs>
-          </a:gsLst>
-          <a:lin ang="5400000" scaled="1"/>
-          <a:tileRect/>
-        </a:gradFill>
-        <a:effectLst/>
-      </p:bgPr>
-    </p:bg>
     <p:spTree>
       <p:nvGrpSpPr>
         <p:cNvPr id="1" name=""/>
@@ -12271,7 +12494,7 @@
             </a:r>
             <a:r>
               <a:rPr lang="en-US" dirty="0" smtClean="0"/>
-              <a:t>8</a:t>
+              <a:t>7</a:t>
             </a:r>
             <a:endParaRPr lang="en-US" dirty="0"/>
           </a:p>
@@ -12296,69 +12519,12 @@
           <a:p>
             <a:pPr marL="457200" indent="-457200">
               <a:buFont typeface="+mj-lt"/>
-              <a:buAutoNum type="arabicPeriod" startAt="12"/>
+              <a:buAutoNum type="arabicPeriod" startAt="11"/>
             </a:pPr>
             <a:r>
               <a:rPr lang="en-US" sz="1800" dirty="0"/>
-              <a:t>Rails only generated code in the router and controller to process the HTTP GET verb.  Add </a:t>
-            </a:r>
-            <a:r>
-              <a:rPr lang="en-US" sz="1800" dirty="0" smtClean="0"/>
-              <a:t>a ‘resources</a:t>
-            </a:r>
-            <a:r>
-              <a:rPr lang="en-US" sz="1800" dirty="0"/>
-              <a:t>’ </a:t>
-            </a:r>
-            <a:r>
-              <a:rPr lang="en-US" sz="1800" dirty="0" smtClean="0"/>
-              <a:t>statement to </a:t>
-            </a:r>
-            <a:br>
-              <a:rPr lang="en-US" sz="1800" dirty="0" smtClean="0"/>
-            </a:br>
-            <a:r>
-              <a:rPr lang="en-US" sz="1800" i="1" dirty="0" smtClean="0"/>
-              <a:t>…/</a:t>
-            </a:r>
-            <a:r>
-              <a:rPr lang="en-US" sz="1800" i="1" dirty="0" err="1"/>
-              <a:t>config</a:t>
-            </a:r>
-            <a:r>
-              <a:rPr lang="en-US" sz="1800" i="1" dirty="0"/>
-              <a:t>/</a:t>
-            </a:r>
-            <a:r>
-              <a:rPr lang="en-US" sz="1800" i="1" dirty="0" err="1"/>
-              <a:t>routes.rb</a:t>
-            </a:r>
-            <a:r>
-              <a:rPr lang="en-US" sz="1800" i="1" dirty="0"/>
-              <a:t> </a:t>
-            </a:r>
-            <a:r>
-              <a:rPr lang="en-US" sz="1800" dirty="0" smtClean="0"/>
-              <a:t/>
-            </a:r>
-            <a:br>
-              <a:rPr lang="en-US" sz="1800" dirty="0" smtClean="0"/>
-            </a:br>
-            <a:r>
-              <a:rPr lang="en-US" sz="1800" dirty="0" smtClean="0"/>
-              <a:t>to </a:t>
-            </a:r>
-            <a:r>
-              <a:rPr lang="en-US" sz="1800" dirty="0"/>
-              <a:t>have Rails automatically handle all HTTP verbs, including POST. </a:t>
-            </a:r>
-          </a:p>
-          <a:p>
-            <a:pPr marL="457200" indent="-457200">
-              <a:buFont typeface="+mj-lt"/>
-              <a:buAutoNum type="arabicPeriod" startAt="12"/>
-            </a:pPr>
-            <a:endParaRPr lang="en-US" sz="1800" dirty="0"/>
+              <a:t>Click ‘Submit’ and Rails shows a ‘Routing Error’.  We have not handled the HTTP POST in our routing or controller.  </a:t>
+            </a:r>
           </a:p>
         </p:txBody>
       </p:sp>
@@ -12479,271 +12645,47 @@
           </a:p>
         </p:txBody>
       </p:sp>
-      <p:sp>
-        <p:nvSpPr>
-          <p:cNvPr id="7" name="Rectangle 6"/>
-          <p:cNvSpPr/>
+      <p:pic>
+        <p:nvPicPr>
+          <p:cNvPr id="7" name="Picture 6"/>
+          <p:cNvPicPr/>
           <p:nvPr/>
-        </p:nvSpPr>
+        </p:nvPicPr>
+        <p:blipFill>
+          <a:blip r:embed="rId3"/>
+          <a:stretch>
+            <a:fillRect/>
+          </a:stretch>
+        </p:blipFill>
         <p:spPr>
           <a:xfrm>
-            <a:off x="1371600" y="2984337"/>
-            <a:ext cx="6400800" cy="1054263"/>
+            <a:off x="3581400" y="2362200"/>
+            <a:ext cx="4724400" cy="3691695"/>
           </a:xfrm>
           <a:prstGeom prst="rect">
             <a:avLst/>
           </a:prstGeom>
+          <a:ln>
+            <a:noFill/>
+          </a:ln>
+          <a:effectLst>
+            <a:outerShdw blurRad="292100" dist="139700" dir="2700000" algn="tl" rotWithShape="0">
+              <a:srgbClr val="333333">
+                <a:alpha val="65000"/>
+              </a:srgbClr>
+            </a:outerShdw>
+          </a:effectLst>
         </p:spPr>
-        <p:style>
-          <a:lnRef idx="2">
-            <a:schemeClr val="dk1">
-              <a:shade val="50000"/>
-            </a:schemeClr>
-          </a:lnRef>
-          <a:fillRef idx="1">
-            <a:schemeClr val="dk1"/>
-          </a:fillRef>
-          <a:effectRef idx="0">
-            <a:schemeClr val="dk1"/>
-          </a:effectRef>
-          <a:fontRef idx="minor">
-            <a:schemeClr val="lt1"/>
-          </a:fontRef>
-        </p:style>
-        <p:txBody>
-          <a:bodyPr wrap="square">
-            <a:spAutoFit/>
-          </a:bodyPr>
-          <a:lstStyle/>
-          <a:p>
-            <a:pPr>
-              <a:lnSpc>
-                <a:spcPct val="115000"/>
-              </a:lnSpc>
-            </a:pPr>
-            <a:r>
-              <a:rPr lang="en-US" sz="1100" dirty="0" err="1">
-                <a:solidFill>
-                  <a:srgbClr val="DA4939"/>
-                </a:solidFill>
-                <a:latin typeface="Lucida Console"/>
-                <a:ea typeface="Calibri"/>
-                <a:cs typeface="Courier New"/>
-              </a:rPr>
-              <a:t>Rails</a:t>
-            </a:r>
-            <a:r>
-              <a:rPr lang="en-US" sz="1100" dirty="0" err="1">
-                <a:solidFill>
-                  <a:srgbClr val="A9B7C6"/>
-                </a:solidFill>
-                <a:latin typeface="Lucida Console"/>
-                <a:ea typeface="Calibri"/>
-                <a:cs typeface="Courier New"/>
-              </a:rPr>
-              <a:t>.application.routes.draw</a:t>
-            </a:r>
-            <a:r>
-              <a:rPr lang="en-US" sz="1100" dirty="0">
-                <a:solidFill>
-                  <a:srgbClr val="A9B7C6"/>
-                </a:solidFill>
-                <a:latin typeface="Lucida Console"/>
-                <a:ea typeface="Calibri"/>
-                <a:cs typeface="Courier New"/>
-              </a:rPr>
-              <a:t> </a:t>
-            </a:r>
-            <a:r>
-              <a:rPr lang="en-US" sz="1100" dirty="0">
-                <a:solidFill>
-                  <a:srgbClr val="CC7833"/>
-                </a:solidFill>
-                <a:latin typeface="Lucida Console"/>
-                <a:ea typeface="Calibri"/>
-                <a:cs typeface="Courier New"/>
-              </a:rPr>
-              <a:t>do</a:t>
-            </a:r>
-            <a:br>
-              <a:rPr lang="en-US" sz="1100" dirty="0">
-                <a:solidFill>
-                  <a:srgbClr val="CC7833"/>
-                </a:solidFill>
-                <a:latin typeface="Lucida Console"/>
-                <a:ea typeface="Calibri"/>
-                <a:cs typeface="Courier New"/>
-              </a:rPr>
-            </a:br>
-            <a:r>
-              <a:rPr lang="en-US" sz="1100" dirty="0">
-                <a:solidFill>
-                  <a:srgbClr val="CC7833"/>
-                </a:solidFill>
-                <a:latin typeface="Lucida Console"/>
-                <a:ea typeface="Calibri"/>
-                <a:cs typeface="Courier New"/>
-              </a:rPr>
-              <a:t>    </a:t>
-            </a:r>
-            <a:r>
-              <a:rPr lang="en-US" sz="1100" i="1" dirty="0">
-                <a:solidFill>
-                  <a:srgbClr val="FFC66D"/>
-                </a:solidFill>
-                <a:latin typeface="Lucida Console"/>
-                <a:ea typeface="Calibri"/>
-                <a:cs typeface="Courier New"/>
-              </a:rPr>
-              <a:t>get </a:t>
-            </a:r>
-            <a:r>
-              <a:rPr lang="en-US" sz="1100" dirty="0">
-                <a:solidFill>
-                  <a:srgbClr val="A5C25C"/>
-                </a:solidFill>
-                <a:latin typeface="Lucida Console"/>
-                <a:ea typeface="Calibri"/>
-                <a:cs typeface="Courier New"/>
-              </a:rPr>
-              <a:t>'translate/index'</a:t>
-            </a:r>
-            <a:br>
-              <a:rPr lang="en-US" sz="1100" dirty="0">
-                <a:solidFill>
-                  <a:srgbClr val="A5C25C"/>
-                </a:solidFill>
-                <a:latin typeface="Lucida Console"/>
-                <a:ea typeface="Calibri"/>
-                <a:cs typeface="Courier New"/>
-              </a:rPr>
-            </a:br>
-            <a:r>
-              <a:rPr lang="en-US" sz="1100" dirty="0">
-                <a:solidFill>
-                  <a:srgbClr val="A5C25C"/>
-                </a:solidFill>
-                <a:latin typeface="Lucida Console"/>
-                <a:ea typeface="Calibri"/>
-                <a:cs typeface="Courier New"/>
-              </a:rPr>
-              <a:t>    </a:t>
-            </a:r>
-            <a:r>
-              <a:rPr lang="en-US" sz="1100" i="1" dirty="0">
-                <a:solidFill>
-                  <a:srgbClr val="FFC66D"/>
-                </a:solidFill>
-                <a:latin typeface="Lucida Console"/>
-                <a:ea typeface="Calibri"/>
-                <a:cs typeface="Courier New"/>
-              </a:rPr>
-              <a:t>root </a:t>
-            </a:r>
-            <a:r>
-              <a:rPr lang="en-US" sz="1100" dirty="0">
-                <a:solidFill>
-                  <a:srgbClr val="A5C25C"/>
-                </a:solidFill>
-                <a:latin typeface="Lucida Console"/>
-                <a:ea typeface="Calibri"/>
-                <a:cs typeface="Courier New"/>
-              </a:rPr>
-              <a:t>'</a:t>
-            </a:r>
-            <a:r>
-              <a:rPr lang="en-US" sz="1100" dirty="0" err="1">
-                <a:solidFill>
-                  <a:srgbClr val="A5C25C"/>
-                </a:solidFill>
-                <a:latin typeface="Lucida Console"/>
-                <a:ea typeface="Calibri"/>
-                <a:cs typeface="Courier New"/>
-              </a:rPr>
-              <a:t>translate#index</a:t>
-            </a:r>
-            <a:r>
-              <a:rPr lang="en-US" sz="1100" dirty="0">
-                <a:solidFill>
-                  <a:srgbClr val="A5C25C"/>
-                </a:solidFill>
-                <a:latin typeface="Lucida Console"/>
-                <a:ea typeface="Calibri"/>
-                <a:cs typeface="Courier New"/>
-              </a:rPr>
-              <a:t>'</a:t>
-            </a:r>
-            <a:br>
-              <a:rPr lang="en-US" sz="1100" dirty="0">
-                <a:solidFill>
-                  <a:srgbClr val="A5C25C"/>
-                </a:solidFill>
-                <a:latin typeface="Lucida Console"/>
-                <a:ea typeface="Calibri"/>
-                <a:cs typeface="Courier New"/>
-              </a:rPr>
-            </a:br>
-            <a:r>
-              <a:rPr lang="en-US" sz="1100" dirty="0">
-                <a:solidFill>
-                  <a:srgbClr val="A5C25C"/>
-                </a:solidFill>
-                <a:latin typeface="Lucida Console"/>
-                <a:ea typeface="Calibri"/>
-                <a:cs typeface="Courier New"/>
-              </a:rPr>
-              <a:t>    </a:t>
-            </a:r>
-            <a:r>
-              <a:rPr lang="en-US" sz="1100" i="1" dirty="0">
-                <a:solidFill>
-                  <a:srgbClr val="FFC66D"/>
-                </a:solidFill>
-                <a:latin typeface="Lucida Console"/>
-                <a:ea typeface="Calibri"/>
-                <a:cs typeface="Courier New"/>
-              </a:rPr>
-              <a:t>resources </a:t>
-            </a:r>
-            <a:r>
-              <a:rPr lang="en-US" sz="1100" dirty="0">
-                <a:solidFill>
-                  <a:srgbClr val="6E9CBE"/>
-                </a:solidFill>
-                <a:latin typeface="Lucida Console"/>
-                <a:ea typeface="Calibri"/>
-                <a:cs typeface="Courier New"/>
-              </a:rPr>
-              <a:t>:translate</a:t>
-            </a:r>
-            <a:br>
-              <a:rPr lang="en-US" sz="1100" dirty="0">
-                <a:solidFill>
-                  <a:srgbClr val="6E9CBE"/>
-                </a:solidFill>
-                <a:latin typeface="Lucida Console"/>
-                <a:ea typeface="Calibri"/>
-                <a:cs typeface="Courier New"/>
-              </a:rPr>
-            </a:br>
-            <a:endParaRPr lang="en-US" sz="1100" dirty="0">
-              <a:effectLst/>
-              <a:latin typeface="Calibri"/>
-              <a:ea typeface="Calibri"/>
-              <a:cs typeface="Times New Roman"/>
-            </a:endParaRPr>
-          </a:p>
-        </p:txBody>
-      </p:sp>
+      </p:pic>
     </p:spTree>
     <p:extLst>
       <p:ext uri="{BB962C8B-B14F-4D97-AF65-F5344CB8AC3E}">
-        <p14:creationId xmlns:p14="http://schemas.microsoft.com/office/powerpoint/2010/main" val="1323438609"/>
+        <p14:creationId xmlns:p14="http://schemas.microsoft.com/office/powerpoint/2010/main" val="949293451"/>
       </p:ext>
     </p:extLst>
   </p:cSld>
   <p:clrMapOvr>
-    <a:overrideClrMapping bg1="lt1" tx1="dk1" bg2="lt2" tx2="dk2" accent1="accent1" accent2="accent2" accent3="accent3" accent4="accent4" accent5="accent5" accent6="accent6" hlink="hlink" folHlink="folHlink"/>
+    <a:masterClrMapping/>
   </p:clrMapOvr>
   <p:timing>
     <p:tnLst>
@@ -12810,7 +12752,7 @@
             </a:r>
             <a:r>
               <a:rPr lang="en-US" dirty="0" smtClean="0"/>
-              <a:t>9</a:t>
+              <a:t>8</a:t>
             </a:r>
             <a:endParaRPr lang="en-US" dirty="0"/>
           </a:p>
@@ -12835,19 +12777,23 @@
           <a:p>
             <a:pPr marL="457200" indent="-457200">
               <a:buFont typeface="+mj-lt"/>
-              <a:buAutoNum type="arabicPeriod" startAt="13"/>
+              <a:buAutoNum type="arabicPeriod" startAt="12"/>
             </a:pPr>
             <a:r>
+              <a:rPr lang="en-US" sz="1800" dirty="0"/>
+              <a:t>Rails only generated code in the router and controller to process the HTTP GET verb.  Add </a:t>
+            </a:r>
+            <a:r>
               <a:rPr lang="en-US" sz="1800" dirty="0" smtClean="0"/>
-              <a:t>Add </a:t>
+              <a:t>a ‘resources</a:t>
             </a:r>
             <a:r>
               <a:rPr lang="en-US" sz="1800" dirty="0"/>
-              <a:t>code in the </a:t>
+              <a:t>’ </a:t>
             </a:r>
             <a:r>
               <a:rPr lang="en-US" sz="1800" dirty="0" smtClean="0"/>
-              <a:t/>
+              <a:t>statement to </a:t>
             </a:r>
             <a:br>
               <a:rPr lang="en-US" sz="1800" dirty="0" smtClean="0"/>
@@ -12857,12 +12803,16 @@
               <a:t>…/</a:t>
             </a:r>
             <a:r>
+              <a:rPr lang="en-US" sz="1800" i="1" dirty="0" err="1"/>
+              <a:t>config</a:t>
+            </a:r>
+            <a:r>
               <a:rPr lang="en-US" sz="1800" i="1" dirty="0"/>
-              <a:t>app/controllers/</a:t>
+              <a:t>/</a:t>
             </a:r>
             <a:r>
               <a:rPr lang="en-US" sz="1800" i="1" dirty="0" err="1"/>
-              <a:t>translate_controller.rb</a:t>
+              <a:t>routes.rb</a:t>
             </a:r>
             <a:r>
               <a:rPr lang="en-US" sz="1800" i="1" dirty="0"/>
@@ -12877,12 +12827,19 @@
             </a:br>
             <a:r>
               <a:rPr lang="en-US" sz="1800" dirty="0" smtClean="0"/>
-              <a:t>file intercept </a:t>
+              <a:t>to </a:t>
             </a:r>
             <a:r>
               <a:rPr lang="en-US" sz="1800" dirty="0"/>
-              <a:t>and process the HTTP POST request. </a:t>
-            </a:r>
+              <a:t>have Rails automatically handle all HTTP verbs, including POST. </a:t>
+            </a:r>
+          </a:p>
+          <a:p>
+            <a:pPr marL="457200" indent="-457200">
+              <a:buFont typeface="+mj-lt"/>
+              <a:buAutoNum type="arabicPeriod" startAt="12"/>
+            </a:pPr>
+            <a:endParaRPr lang="en-US" sz="1800" dirty="0"/>
           </a:p>
         </p:txBody>
       </p:sp>
@@ -12992,6 +12949,530 @@
                 <a:defRPr/>
               </a:pPr>
               <a:t>11</a:t>
+            </a:fld>
+            <a:endParaRPr lang="en-US" dirty="0">
+              <a:solidFill>
+                <a:srgbClr val="04617B">
+                  <a:shade val="90000"/>
+                </a:srgbClr>
+              </a:solidFill>
+            </a:endParaRPr>
+          </a:p>
+        </p:txBody>
+      </p:sp>
+      <p:sp>
+        <p:nvSpPr>
+          <p:cNvPr id="7" name="Rectangle 6"/>
+          <p:cNvSpPr/>
+          <p:nvPr/>
+        </p:nvSpPr>
+        <p:spPr>
+          <a:xfrm>
+            <a:off x="1371600" y="2984337"/>
+            <a:ext cx="6400800" cy="1054263"/>
+          </a:xfrm>
+          <a:prstGeom prst="rect">
+            <a:avLst/>
+          </a:prstGeom>
+        </p:spPr>
+        <p:style>
+          <a:lnRef idx="2">
+            <a:schemeClr val="dk1">
+              <a:shade val="50000"/>
+            </a:schemeClr>
+          </a:lnRef>
+          <a:fillRef idx="1">
+            <a:schemeClr val="dk1"/>
+          </a:fillRef>
+          <a:effectRef idx="0">
+            <a:schemeClr val="dk1"/>
+          </a:effectRef>
+          <a:fontRef idx="minor">
+            <a:schemeClr val="lt1"/>
+          </a:fontRef>
+        </p:style>
+        <p:txBody>
+          <a:bodyPr wrap="square">
+            <a:spAutoFit/>
+          </a:bodyPr>
+          <a:lstStyle/>
+          <a:p>
+            <a:pPr>
+              <a:lnSpc>
+                <a:spcPct val="115000"/>
+              </a:lnSpc>
+            </a:pPr>
+            <a:r>
+              <a:rPr lang="en-US" sz="1100" dirty="0" err="1">
+                <a:solidFill>
+                  <a:srgbClr val="DA4939"/>
+                </a:solidFill>
+                <a:latin typeface="Lucida Console"/>
+                <a:ea typeface="Calibri"/>
+                <a:cs typeface="Courier New"/>
+              </a:rPr>
+              <a:t>Rails</a:t>
+            </a:r>
+            <a:r>
+              <a:rPr lang="en-US" sz="1100" dirty="0" err="1">
+                <a:solidFill>
+                  <a:srgbClr val="A9B7C6"/>
+                </a:solidFill>
+                <a:latin typeface="Lucida Console"/>
+                <a:ea typeface="Calibri"/>
+                <a:cs typeface="Courier New"/>
+              </a:rPr>
+              <a:t>.application.routes.draw</a:t>
+            </a:r>
+            <a:r>
+              <a:rPr lang="en-US" sz="1100" dirty="0">
+                <a:solidFill>
+                  <a:srgbClr val="A9B7C6"/>
+                </a:solidFill>
+                <a:latin typeface="Lucida Console"/>
+                <a:ea typeface="Calibri"/>
+                <a:cs typeface="Courier New"/>
+              </a:rPr>
+              <a:t> </a:t>
+            </a:r>
+            <a:r>
+              <a:rPr lang="en-US" sz="1100" dirty="0">
+                <a:solidFill>
+                  <a:srgbClr val="CC7833"/>
+                </a:solidFill>
+                <a:latin typeface="Lucida Console"/>
+                <a:ea typeface="Calibri"/>
+                <a:cs typeface="Courier New"/>
+              </a:rPr>
+              <a:t>do</a:t>
+            </a:r>
+            <a:br>
+              <a:rPr lang="en-US" sz="1100" dirty="0">
+                <a:solidFill>
+                  <a:srgbClr val="CC7833"/>
+                </a:solidFill>
+                <a:latin typeface="Lucida Console"/>
+                <a:ea typeface="Calibri"/>
+                <a:cs typeface="Courier New"/>
+              </a:rPr>
+            </a:br>
+            <a:r>
+              <a:rPr lang="en-US" sz="1100" dirty="0">
+                <a:solidFill>
+                  <a:srgbClr val="CC7833"/>
+                </a:solidFill>
+                <a:latin typeface="Lucida Console"/>
+                <a:ea typeface="Calibri"/>
+                <a:cs typeface="Courier New"/>
+              </a:rPr>
+              <a:t>    </a:t>
+            </a:r>
+            <a:r>
+              <a:rPr lang="en-US" sz="1100" i="1" dirty="0">
+                <a:solidFill>
+                  <a:srgbClr val="FFC66D"/>
+                </a:solidFill>
+                <a:latin typeface="Lucida Console"/>
+                <a:ea typeface="Calibri"/>
+                <a:cs typeface="Courier New"/>
+              </a:rPr>
+              <a:t>get </a:t>
+            </a:r>
+            <a:r>
+              <a:rPr lang="en-US" sz="1100" dirty="0">
+                <a:solidFill>
+                  <a:srgbClr val="A5C25C"/>
+                </a:solidFill>
+                <a:latin typeface="Lucida Console"/>
+                <a:ea typeface="Calibri"/>
+                <a:cs typeface="Courier New"/>
+              </a:rPr>
+              <a:t>'translate/index'</a:t>
+            </a:r>
+            <a:br>
+              <a:rPr lang="en-US" sz="1100" dirty="0">
+                <a:solidFill>
+                  <a:srgbClr val="A5C25C"/>
+                </a:solidFill>
+                <a:latin typeface="Lucida Console"/>
+                <a:ea typeface="Calibri"/>
+                <a:cs typeface="Courier New"/>
+              </a:rPr>
+            </a:br>
+            <a:r>
+              <a:rPr lang="en-US" sz="1100" dirty="0">
+                <a:solidFill>
+                  <a:srgbClr val="A5C25C"/>
+                </a:solidFill>
+                <a:latin typeface="Lucida Console"/>
+                <a:ea typeface="Calibri"/>
+                <a:cs typeface="Courier New"/>
+              </a:rPr>
+              <a:t>    </a:t>
+            </a:r>
+            <a:r>
+              <a:rPr lang="en-US" sz="1100" i="1" dirty="0">
+                <a:solidFill>
+                  <a:srgbClr val="FFC66D"/>
+                </a:solidFill>
+                <a:latin typeface="Lucida Console"/>
+                <a:ea typeface="Calibri"/>
+                <a:cs typeface="Courier New"/>
+              </a:rPr>
+              <a:t>root </a:t>
+            </a:r>
+            <a:r>
+              <a:rPr lang="en-US" sz="1100" dirty="0">
+                <a:solidFill>
+                  <a:srgbClr val="A5C25C"/>
+                </a:solidFill>
+                <a:latin typeface="Lucida Console"/>
+                <a:ea typeface="Calibri"/>
+                <a:cs typeface="Courier New"/>
+              </a:rPr>
+              <a:t>'</a:t>
+            </a:r>
+            <a:r>
+              <a:rPr lang="en-US" sz="1100" dirty="0" err="1">
+                <a:solidFill>
+                  <a:srgbClr val="A5C25C"/>
+                </a:solidFill>
+                <a:latin typeface="Lucida Console"/>
+                <a:ea typeface="Calibri"/>
+                <a:cs typeface="Courier New"/>
+              </a:rPr>
+              <a:t>translate#index</a:t>
+            </a:r>
+            <a:r>
+              <a:rPr lang="en-US" sz="1100" dirty="0">
+                <a:solidFill>
+                  <a:srgbClr val="A5C25C"/>
+                </a:solidFill>
+                <a:latin typeface="Lucida Console"/>
+                <a:ea typeface="Calibri"/>
+                <a:cs typeface="Courier New"/>
+              </a:rPr>
+              <a:t>'</a:t>
+            </a:r>
+            <a:br>
+              <a:rPr lang="en-US" sz="1100" dirty="0">
+                <a:solidFill>
+                  <a:srgbClr val="A5C25C"/>
+                </a:solidFill>
+                <a:latin typeface="Lucida Console"/>
+                <a:ea typeface="Calibri"/>
+                <a:cs typeface="Courier New"/>
+              </a:rPr>
+            </a:br>
+            <a:r>
+              <a:rPr lang="en-US" sz="1100" dirty="0">
+                <a:solidFill>
+                  <a:srgbClr val="A5C25C"/>
+                </a:solidFill>
+                <a:latin typeface="Lucida Console"/>
+                <a:ea typeface="Calibri"/>
+                <a:cs typeface="Courier New"/>
+              </a:rPr>
+              <a:t>    </a:t>
+            </a:r>
+            <a:r>
+              <a:rPr lang="en-US" sz="1100" i="1" dirty="0">
+                <a:solidFill>
+                  <a:srgbClr val="FFC66D"/>
+                </a:solidFill>
+                <a:latin typeface="Lucida Console"/>
+                <a:ea typeface="Calibri"/>
+                <a:cs typeface="Courier New"/>
+              </a:rPr>
+              <a:t>resources </a:t>
+            </a:r>
+            <a:r>
+              <a:rPr lang="en-US" sz="1100" dirty="0">
+                <a:solidFill>
+                  <a:srgbClr val="6E9CBE"/>
+                </a:solidFill>
+                <a:latin typeface="Lucida Console"/>
+                <a:ea typeface="Calibri"/>
+                <a:cs typeface="Courier New"/>
+              </a:rPr>
+              <a:t>:translate</a:t>
+            </a:r>
+            <a:br>
+              <a:rPr lang="en-US" sz="1100" dirty="0">
+                <a:solidFill>
+                  <a:srgbClr val="6E9CBE"/>
+                </a:solidFill>
+                <a:latin typeface="Lucida Console"/>
+                <a:ea typeface="Calibri"/>
+                <a:cs typeface="Courier New"/>
+              </a:rPr>
+            </a:br>
+            <a:endParaRPr lang="en-US" sz="1100" dirty="0">
+              <a:effectLst/>
+              <a:latin typeface="Calibri"/>
+              <a:ea typeface="Calibri"/>
+              <a:cs typeface="Times New Roman"/>
+            </a:endParaRPr>
+          </a:p>
+        </p:txBody>
+      </p:sp>
+    </p:spTree>
+    <p:extLst>
+      <p:ext uri="{BB962C8B-B14F-4D97-AF65-F5344CB8AC3E}">
+        <p14:creationId xmlns:p14="http://schemas.microsoft.com/office/powerpoint/2010/main" val="1323438609"/>
+      </p:ext>
+    </p:extLst>
+  </p:cSld>
+  <p:clrMapOvr>
+    <a:overrideClrMapping bg1="lt1" tx1="dk1" bg2="lt2" tx2="dk2" accent1="accent1" accent2="accent2" accent3="accent3" accent4="accent4" accent5="accent5" accent6="accent6" hlink="hlink" folHlink="folHlink"/>
+  </p:clrMapOvr>
+  <p:timing>
+    <p:tnLst>
+      <p:par>
+        <p:cTn id="1" dur="indefinite" restart="never" nodeType="tmRoot"/>
+      </p:par>
+    </p:tnLst>
+  </p:timing>
+</p:sld>
+</file>
+
+<file path=ppt/slides/slide12.xml><?xml version="1.0" encoding="utf-8"?>
+<p:sld xmlns:a="http://schemas.openxmlformats.org/drawingml/2006/main" xmlns:r="http://schemas.openxmlformats.org/officeDocument/2006/relationships" xmlns:p="http://schemas.openxmlformats.org/presentationml/2006/main">
+  <p:cSld>
+    <p:bg>
+      <p:bgPr>
+        <a:gradFill flip="none" rotWithShape="1">
+          <a:gsLst>
+            <a:gs pos="14000">
+              <a:srgbClr val="E7FAFC"/>
+            </a:gs>
+            <a:gs pos="38000">
+              <a:schemeClr val="bg1"/>
+            </a:gs>
+          </a:gsLst>
+          <a:lin ang="5400000" scaled="1"/>
+          <a:tileRect/>
+        </a:gradFill>
+        <a:effectLst/>
+      </p:bgPr>
+    </p:bg>
+    <p:spTree>
+      <p:nvGrpSpPr>
+        <p:cNvPr id="1" name=""/>
+        <p:cNvGrpSpPr/>
+        <p:nvPr/>
+      </p:nvGrpSpPr>
+      <p:grpSpPr>
+        <a:xfrm>
+          <a:off x="0" y="0"/>
+          <a:ext cx="0" cy="0"/>
+          <a:chOff x="0" y="0"/>
+          <a:chExt cx="0" cy="0"/>
+        </a:xfrm>
+      </p:grpSpPr>
+      <p:sp>
+        <p:nvSpPr>
+          <p:cNvPr id="2" name="Title 1"/>
+          <p:cNvSpPr>
+            <a:spLocks noGrp="1"/>
+          </p:cNvSpPr>
+          <p:nvPr>
+            <p:ph type="title"/>
+          </p:nvPr>
+        </p:nvSpPr>
+        <p:spPr/>
+        <p:txBody>
+          <a:bodyPr/>
+          <a:lstStyle/>
+          <a:p>
+            <a:r>
+              <a:rPr lang="en-US" dirty="0"/>
+              <a:t>mdTranslator on Rails </a:t>
+            </a:r>
+            <a:r>
+              <a:rPr lang="en-US" dirty="0" smtClean="0"/>
+              <a:t>9</a:t>
+            </a:r>
+            <a:endParaRPr lang="en-US" dirty="0"/>
+          </a:p>
+        </p:txBody>
+      </p:sp>
+      <p:sp>
+        <p:nvSpPr>
+          <p:cNvPr id="3" name="Content Placeholder 2"/>
+          <p:cNvSpPr>
+            <a:spLocks noGrp="1"/>
+          </p:cNvSpPr>
+          <p:nvPr>
+            <p:ph idx="1"/>
+          </p:nvPr>
+        </p:nvSpPr>
+        <p:spPr/>
+        <p:txBody>
+          <a:bodyPr vert="horz" lIns="91440" tIns="45720" rIns="91440" bIns="45720" rtlCol="0">
+            <a:normAutofit/>
+          </a:bodyPr>
+          <a:lstStyle/>
+          <a:p>
+            <a:pPr marL="457200" indent="-457200">
+              <a:buFont typeface="+mj-lt"/>
+              <a:buAutoNum type="arabicPeriod" startAt="13"/>
+            </a:pPr>
+            <a:r>
+              <a:rPr lang="en-US" sz="1800" dirty="0" smtClean="0"/>
+              <a:t>Add </a:t>
+            </a:r>
+            <a:r>
+              <a:rPr lang="en-US" sz="1800" dirty="0"/>
+              <a:t>code in the </a:t>
+            </a:r>
+            <a:r>
+              <a:rPr lang="en-US" sz="1800" dirty="0" smtClean="0"/>
+              <a:t/>
+            </a:r>
+            <a:br>
+              <a:rPr lang="en-US" sz="1800" dirty="0" smtClean="0"/>
+            </a:br>
+            <a:r>
+              <a:rPr lang="en-US" sz="1800" i="1" dirty="0" smtClean="0"/>
+              <a:t>…/</a:t>
+            </a:r>
+            <a:r>
+              <a:rPr lang="en-US" sz="1800" i="1" dirty="0"/>
+              <a:t>app/controllers/</a:t>
+            </a:r>
+            <a:r>
+              <a:rPr lang="en-US" sz="1800" i="1" dirty="0" err="1"/>
+              <a:t>translate_controller.rb</a:t>
+            </a:r>
+            <a:r>
+              <a:rPr lang="en-US" sz="1800" i="1" dirty="0"/>
+              <a:t> </a:t>
+            </a:r>
+            <a:r>
+              <a:rPr lang="en-US" sz="1800" dirty="0" smtClean="0"/>
+              <a:t/>
+            </a:r>
+            <a:br>
+              <a:rPr lang="en-US" sz="1800" dirty="0" smtClean="0"/>
+            </a:br>
+            <a:r>
+              <a:rPr lang="en-US" sz="1800" dirty="0" smtClean="0"/>
+              <a:t>file intercept </a:t>
+            </a:r>
+            <a:r>
+              <a:rPr lang="en-US" sz="1800" dirty="0"/>
+              <a:t>and process the HTTP POST request. </a:t>
+            </a:r>
+          </a:p>
+        </p:txBody>
+      </p:sp>
+      <p:sp>
+        <p:nvSpPr>
+          <p:cNvPr id="4" name="Date Placeholder 3"/>
+          <p:cNvSpPr>
+            <a:spLocks noGrp="1"/>
+          </p:cNvSpPr>
+          <p:nvPr>
+            <p:ph type="dt" sz="half" idx="10"/>
+          </p:nvPr>
+        </p:nvSpPr>
+        <p:spPr/>
+        <p:txBody>
+          <a:bodyPr/>
+          <a:lstStyle/>
+          <a:p>
+            <a:pPr>
+              <a:defRPr/>
+            </a:pPr>
+            <a:fld id="{6C3DD7D0-7E54-4926-8269-92427B4182BC}" type="datetime1">
+              <a:rPr lang="en-US" smtClean="0">
+                <a:solidFill>
+                  <a:srgbClr val="04617B">
+                    <a:shade val="90000"/>
+                  </a:srgbClr>
+                </a:solidFill>
+              </a:rPr>
+              <a:t>5/8/2015</a:t>
+            </a:fld>
+            <a:endParaRPr lang="en-US" dirty="0">
+              <a:solidFill>
+                <a:srgbClr val="04617B">
+                  <a:shade val="90000"/>
+                </a:srgbClr>
+              </a:solidFill>
+            </a:endParaRPr>
+          </a:p>
+        </p:txBody>
+      </p:sp>
+      <p:sp>
+        <p:nvSpPr>
+          <p:cNvPr id="5" name="Footer Placeholder 4"/>
+          <p:cNvSpPr>
+            <a:spLocks noGrp="1"/>
+          </p:cNvSpPr>
+          <p:nvPr>
+            <p:ph type="ftr" sz="quarter" idx="11"/>
+          </p:nvPr>
+        </p:nvSpPr>
+        <p:spPr/>
+        <p:txBody>
+          <a:bodyPr/>
+          <a:lstStyle/>
+          <a:p>
+            <a:pPr>
+              <a:defRPr/>
+            </a:pPr>
+            <a:r>
+              <a:rPr lang="en-US" smtClean="0">
+                <a:solidFill>
+                  <a:srgbClr val="04617B">
+                    <a:shade val="90000"/>
+                  </a:srgbClr>
+                </a:solidFill>
+              </a:rPr>
+              <a:t>www.adiwg.org</a:t>
+            </a:r>
+            <a:endParaRPr lang="en-US" dirty="0" smtClean="0">
+              <a:solidFill>
+                <a:srgbClr val="04617B">
+                  <a:shade val="90000"/>
+                </a:srgbClr>
+              </a:solidFill>
+            </a:endParaRPr>
+          </a:p>
+        </p:txBody>
+      </p:sp>
+      <p:sp>
+        <p:nvSpPr>
+          <p:cNvPr id="6" name="Slide Number Placeholder 5"/>
+          <p:cNvSpPr>
+            <a:spLocks noGrp="1"/>
+          </p:cNvSpPr>
+          <p:nvPr>
+            <p:ph type="sldNum" sz="quarter" idx="12"/>
+          </p:nvPr>
+        </p:nvSpPr>
+        <p:spPr/>
+        <p:txBody>
+          <a:bodyPr/>
+          <a:lstStyle/>
+          <a:p>
+            <a:pPr>
+              <a:defRPr/>
+            </a:pPr>
+            <a:fld id="{D96B19B3-FA35-4262-952F-7D873B09162D}" type="slidenum">
+              <a:rPr lang="en-US" smtClean="0">
+                <a:solidFill>
+                  <a:srgbClr val="04617B">
+                    <a:shade val="90000"/>
+                  </a:srgbClr>
+                </a:solidFill>
+              </a:rPr>
+              <a:pPr>
+                <a:defRPr/>
+              </a:pPr>
+              <a:t>12</a:t>
             </a:fld>
             <a:endParaRPr lang="en-US" dirty="0">
               <a:solidFill>
@@ -13524,7 +14005,7 @@
 </p:sld>
 </file>
 
-<file path=ppt/slides/slide12.xml><?xml version="1.0" encoding="utf-8"?>
+<file path=ppt/slides/slide13.xml><?xml version="1.0" encoding="utf-8"?>
 <p:sld xmlns:a="http://schemas.openxmlformats.org/drawingml/2006/main" xmlns:r="http://schemas.openxmlformats.org/officeDocument/2006/relationships" xmlns:p="http://schemas.openxmlformats.org/presentationml/2006/main">
   <p:cSld>
     <p:spTree>
@@ -13721,7 +14202,7 @@
               <a:pPr>
                 <a:defRPr/>
               </a:pPr>
-              <a:t>12</a:t>
+              <a:t>13</a:t>
             </a:fld>
             <a:endParaRPr lang="en-US" dirty="0">
               <a:solidFill>
@@ -13784,7 +14265,7 @@
 </p:sld>
 </file>
 
-<file path=ppt/slides/slide13.xml><?xml version="1.0" encoding="utf-8"?>
+<file path=ppt/slides/slide14.xml><?xml version="1.0" encoding="utf-8"?>
 <p:sld xmlns:a="http://schemas.openxmlformats.org/drawingml/2006/main" xmlns:r="http://schemas.openxmlformats.org/officeDocument/2006/relationships" xmlns:p="http://schemas.openxmlformats.org/presentationml/2006/main">
   <p:cSld>
     <p:spTree>
@@ -14076,7 +14557,7 @@
               <a:pPr>
                 <a:defRPr/>
               </a:pPr>
-              <a:t>13</a:t>
+              <a:t>14</a:t>
             </a:fld>
             <a:endParaRPr lang="en-US" dirty="0">
               <a:solidFill>
@@ -14219,1137 +14700,6 @@
     <p:extLst>
       <p:ext uri="{BB962C8B-B14F-4D97-AF65-F5344CB8AC3E}">
         <p14:creationId xmlns:p14="http://schemas.microsoft.com/office/powerpoint/2010/main" val="4289849112"/>
-      </p:ext>
-    </p:extLst>
-  </p:cSld>
-  <p:clrMapOvr>
-    <a:masterClrMapping/>
-  </p:clrMapOvr>
-  <p:timing>
-    <p:tnLst>
-      <p:par>
-        <p:cTn id="1" dur="indefinite" restart="never" nodeType="tmRoot"/>
-      </p:par>
-    </p:tnLst>
-  </p:timing>
-</p:sld>
-</file>
-
-<file path=ppt/slides/slide14.xml><?xml version="1.0" encoding="utf-8"?>
-<p:sld xmlns:a="http://schemas.openxmlformats.org/drawingml/2006/main" xmlns:r="http://schemas.openxmlformats.org/officeDocument/2006/relationships" xmlns:p="http://schemas.openxmlformats.org/presentationml/2006/main">
-  <p:cSld>
-    <p:spTree>
-      <p:nvGrpSpPr>
-        <p:cNvPr id="1" name=""/>
-        <p:cNvGrpSpPr/>
-        <p:nvPr/>
-      </p:nvGrpSpPr>
-      <p:grpSpPr>
-        <a:xfrm>
-          <a:off x="0" y="0"/>
-          <a:ext cx="0" cy="0"/>
-          <a:chOff x="0" y="0"/>
-          <a:chExt cx="0" cy="0"/>
-        </a:xfrm>
-      </p:grpSpPr>
-      <p:sp>
-        <p:nvSpPr>
-          <p:cNvPr id="2" name="Title 1"/>
-          <p:cNvSpPr>
-            <a:spLocks noGrp="1"/>
-          </p:cNvSpPr>
-          <p:nvPr>
-            <p:ph type="title"/>
-          </p:nvPr>
-        </p:nvSpPr>
-        <p:spPr/>
-        <p:txBody>
-          <a:bodyPr/>
-          <a:lstStyle/>
-          <a:p>
-            <a:r>
-              <a:rPr lang="en-US" dirty="0"/>
-              <a:t>mdTranslator on Rails </a:t>
-            </a:r>
-            <a:r>
-              <a:rPr lang="en-US" dirty="0" smtClean="0"/>
-              <a:t>12</a:t>
-            </a:r>
-            <a:endParaRPr lang="en-US" dirty="0"/>
-          </a:p>
-        </p:txBody>
-      </p:sp>
-      <p:sp>
-        <p:nvSpPr>
-          <p:cNvPr id="3" name="Content Placeholder 2"/>
-          <p:cNvSpPr>
-            <a:spLocks noGrp="1"/>
-          </p:cNvSpPr>
-          <p:nvPr>
-            <p:ph idx="1"/>
-          </p:nvPr>
-        </p:nvSpPr>
-        <p:spPr/>
-        <p:txBody>
-          <a:bodyPr vert="horz" lIns="91440" tIns="45720" rIns="91440" bIns="45720" rtlCol="0">
-            <a:normAutofit/>
-          </a:bodyPr>
-          <a:lstStyle/>
-          <a:p>
-            <a:pPr marL="457200" indent="-457200">
-              <a:buFont typeface="+mj-lt"/>
-              <a:buAutoNum type="arabicPeriod" startAt="18"/>
-            </a:pPr>
-            <a:r>
-              <a:rPr lang="en-US" sz="1800" dirty="0"/>
-              <a:t>Now we need to write a simple script to process the HTTP POST.  </a:t>
-            </a:r>
-            <a:r>
-              <a:rPr lang="en-US" sz="1800" dirty="0" smtClean="0"/>
-              <a:t>In the ../app/controllers/</a:t>
-            </a:r>
-            <a:r>
-              <a:rPr lang="en-US" sz="1800" dirty="0" err="1" smtClean="0"/>
-              <a:t>translate_controller.rb</a:t>
-            </a:r>
-            <a:r>
-              <a:rPr lang="en-US" sz="1800" dirty="0" smtClean="0"/>
-              <a:t> </a:t>
-            </a:r>
-            <a:br>
-              <a:rPr lang="en-US" sz="1800" dirty="0" smtClean="0"/>
-            </a:br>
-            <a:r>
-              <a:rPr lang="en-US" sz="1800" dirty="0" smtClean="0"/>
-              <a:t>file replace </a:t>
-            </a:r>
-            <a:r>
-              <a:rPr lang="en-US" sz="1800" dirty="0"/>
-              <a:t>the ‘render inline:’ statement we </a:t>
-            </a:r>
-            <a:r>
-              <a:rPr lang="en-US" sz="1800" dirty="0" smtClean="0"/>
-              <a:t>entered to </a:t>
-            </a:r>
-            <a:r>
-              <a:rPr lang="en-US" sz="1800" dirty="0"/>
-              <a:t>test the connection and routing with something like this…</a:t>
-            </a:r>
-          </a:p>
-          <a:p>
-            <a:pPr marL="457200" indent="-457200">
-              <a:buFont typeface="+mj-lt"/>
-              <a:buAutoNum type="arabicPeriod" startAt="18"/>
-            </a:pPr>
-            <a:endParaRPr lang="en-US" sz="1800" dirty="0"/>
-          </a:p>
-        </p:txBody>
-      </p:sp>
-      <p:sp>
-        <p:nvSpPr>
-          <p:cNvPr id="4" name="Date Placeholder 3"/>
-          <p:cNvSpPr>
-            <a:spLocks noGrp="1"/>
-          </p:cNvSpPr>
-          <p:nvPr>
-            <p:ph type="dt" sz="half" idx="10"/>
-          </p:nvPr>
-        </p:nvSpPr>
-        <p:spPr/>
-        <p:txBody>
-          <a:bodyPr/>
-          <a:lstStyle/>
-          <a:p>
-            <a:pPr>
-              <a:defRPr/>
-            </a:pPr>
-            <a:fld id="{6C3DD7D0-7E54-4926-8269-92427B4182BC}" type="datetime1">
-              <a:rPr lang="en-US" smtClean="0">
-                <a:solidFill>
-                  <a:srgbClr val="04617B">
-                    <a:shade val="90000"/>
-                  </a:srgbClr>
-                </a:solidFill>
-              </a:rPr>
-              <a:t>5/8/2015</a:t>
-            </a:fld>
-            <a:endParaRPr lang="en-US" dirty="0">
-              <a:solidFill>
-                <a:srgbClr val="04617B">
-                  <a:shade val="90000"/>
-                </a:srgbClr>
-              </a:solidFill>
-            </a:endParaRPr>
-          </a:p>
-        </p:txBody>
-      </p:sp>
-      <p:sp>
-        <p:nvSpPr>
-          <p:cNvPr id="5" name="Footer Placeholder 4"/>
-          <p:cNvSpPr>
-            <a:spLocks noGrp="1"/>
-          </p:cNvSpPr>
-          <p:nvPr>
-            <p:ph type="ftr" sz="quarter" idx="11"/>
-          </p:nvPr>
-        </p:nvSpPr>
-        <p:spPr/>
-        <p:txBody>
-          <a:bodyPr/>
-          <a:lstStyle/>
-          <a:p>
-            <a:pPr>
-              <a:defRPr/>
-            </a:pPr>
-            <a:r>
-              <a:rPr lang="en-US" smtClean="0">
-                <a:solidFill>
-                  <a:srgbClr val="04617B">
-                    <a:shade val="90000"/>
-                  </a:srgbClr>
-                </a:solidFill>
-              </a:rPr>
-              <a:t>www.adiwg.org</a:t>
-            </a:r>
-            <a:endParaRPr lang="en-US" dirty="0" smtClean="0">
-              <a:solidFill>
-                <a:srgbClr val="04617B">
-                  <a:shade val="90000"/>
-                </a:srgbClr>
-              </a:solidFill>
-            </a:endParaRPr>
-          </a:p>
-        </p:txBody>
-      </p:sp>
-      <p:sp>
-        <p:nvSpPr>
-          <p:cNvPr id="6" name="Slide Number Placeholder 5"/>
-          <p:cNvSpPr>
-            <a:spLocks noGrp="1"/>
-          </p:cNvSpPr>
-          <p:nvPr>
-            <p:ph type="sldNum" sz="quarter" idx="12"/>
-          </p:nvPr>
-        </p:nvSpPr>
-        <p:spPr/>
-        <p:txBody>
-          <a:bodyPr/>
-          <a:lstStyle/>
-          <a:p>
-            <a:pPr>
-              <a:defRPr/>
-            </a:pPr>
-            <a:fld id="{D96B19B3-FA35-4262-952F-7D873B09162D}" type="slidenum">
-              <a:rPr lang="en-US" smtClean="0">
-                <a:solidFill>
-                  <a:srgbClr val="04617B">
-                    <a:shade val="90000"/>
-                  </a:srgbClr>
-                </a:solidFill>
-              </a:rPr>
-              <a:pPr>
-                <a:defRPr/>
-              </a:pPr>
-              <a:t>14</a:t>
-            </a:fld>
-            <a:endParaRPr lang="en-US" dirty="0">
-              <a:solidFill>
-                <a:srgbClr val="04617B">
-                  <a:shade val="90000"/>
-                </a:srgbClr>
-              </a:solidFill>
-            </a:endParaRPr>
-          </a:p>
-        </p:txBody>
-      </p:sp>
-      <p:sp>
-        <p:nvSpPr>
-          <p:cNvPr id="7" name="Rectangle 6"/>
-          <p:cNvSpPr/>
-          <p:nvPr/>
-        </p:nvSpPr>
-        <p:spPr>
-          <a:xfrm>
-            <a:off x="1371600" y="3020168"/>
-            <a:ext cx="6400800" cy="2559227"/>
-          </a:xfrm>
-          <a:prstGeom prst="rect">
-            <a:avLst/>
-          </a:prstGeom>
-        </p:spPr>
-        <p:style>
-          <a:lnRef idx="2">
-            <a:schemeClr val="dk1">
-              <a:shade val="50000"/>
-            </a:schemeClr>
-          </a:lnRef>
-          <a:fillRef idx="1">
-            <a:schemeClr val="dk1"/>
-          </a:fillRef>
-          <a:effectRef idx="0">
-            <a:schemeClr val="dk1"/>
-          </a:effectRef>
-          <a:fontRef idx="minor">
-            <a:schemeClr val="lt1"/>
-          </a:fontRef>
-        </p:style>
-        <p:txBody>
-          <a:bodyPr wrap="square">
-            <a:spAutoFit/>
-          </a:bodyPr>
-          <a:lstStyle/>
-          <a:p>
-            <a:pPr>
-              <a:lnSpc>
-                <a:spcPct val="115000"/>
-              </a:lnSpc>
-            </a:pPr>
-            <a:r>
-              <a:rPr lang="en-US" sz="1000" i="1" dirty="0">
-                <a:solidFill>
-                  <a:srgbClr val="BC9458"/>
-                </a:solidFill>
-                <a:latin typeface="Lucida Console"/>
-                <a:ea typeface="Calibri"/>
-                <a:cs typeface="Courier New"/>
-              </a:rPr>
-              <a:t># process POSTs</a:t>
-            </a:r>
-            <a:br>
-              <a:rPr lang="en-US" sz="1000" i="1" dirty="0">
-                <a:solidFill>
-                  <a:srgbClr val="BC9458"/>
-                </a:solidFill>
-                <a:latin typeface="Lucida Console"/>
-                <a:ea typeface="Calibri"/>
-                <a:cs typeface="Courier New"/>
-              </a:rPr>
-            </a:br>
-            <a:r>
-              <a:rPr lang="en-US" sz="1000" dirty="0" err="1">
-                <a:solidFill>
-                  <a:srgbClr val="CC7833"/>
-                </a:solidFill>
-                <a:latin typeface="Lucida Console"/>
-                <a:ea typeface="Calibri"/>
-                <a:cs typeface="Courier New"/>
-              </a:rPr>
-              <a:t>def</a:t>
-            </a:r>
-            <a:r>
-              <a:rPr lang="en-US" sz="1000" dirty="0">
-                <a:solidFill>
-                  <a:srgbClr val="CC7833"/>
-                </a:solidFill>
-                <a:latin typeface="Lucida Console"/>
-                <a:ea typeface="Calibri"/>
-                <a:cs typeface="Courier New"/>
-              </a:rPr>
-              <a:t> </a:t>
-            </a:r>
-            <a:r>
-              <a:rPr lang="en-US" sz="1000" dirty="0">
-                <a:solidFill>
-                  <a:srgbClr val="FFC66D"/>
-                </a:solidFill>
-                <a:latin typeface="Lucida Console"/>
-                <a:ea typeface="Calibri"/>
-                <a:cs typeface="Courier New"/>
-              </a:rPr>
-              <a:t>create</a:t>
-            </a:r>
-            <a:br>
-              <a:rPr lang="en-US" sz="1000" dirty="0">
-                <a:solidFill>
-                  <a:srgbClr val="FFC66D"/>
-                </a:solidFill>
-                <a:latin typeface="Lucida Console"/>
-                <a:ea typeface="Calibri"/>
-                <a:cs typeface="Courier New"/>
-              </a:rPr>
-            </a:br>
-            <a:r>
-              <a:rPr lang="en-US" sz="1000" dirty="0">
-                <a:solidFill>
-                  <a:srgbClr val="FFC66D"/>
-                </a:solidFill>
-                <a:latin typeface="Lucida Console"/>
-                <a:ea typeface="Calibri"/>
-                <a:cs typeface="Courier New"/>
-              </a:rPr>
-              <a:t/>
-            </a:r>
-            <a:br>
-              <a:rPr lang="en-US" sz="1000" dirty="0">
-                <a:solidFill>
-                  <a:srgbClr val="FFC66D"/>
-                </a:solidFill>
-                <a:latin typeface="Lucida Console"/>
-                <a:ea typeface="Calibri"/>
-                <a:cs typeface="Courier New"/>
-              </a:rPr>
-            </a:br>
-            <a:r>
-              <a:rPr lang="en-US" sz="1000" dirty="0">
-                <a:solidFill>
-                  <a:srgbClr val="FFC66D"/>
-                </a:solidFill>
-                <a:latin typeface="Lucida Console"/>
-                <a:ea typeface="Calibri"/>
-                <a:cs typeface="Courier New"/>
-              </a:rPr>
-              <a:t>    </a:t>
-            </a:r>
-            <a:r>
-              <a:rPr lang="en-US" sz="1000" i="1" dirty="0">
-                <a:solidFill>
-                  <a:srgbClr val="BC9458"/>
-                </a:solidFill>
-                <a:latin typeface="Lucida Console"/>
-                <a:ea typeface="Calibri"/>
-                <a:cs typeface="Courier New"/>
-              </a:rPr>
-              <a:t># load file and parameter from POST</a:t>
-            </a:r>
-            <a:br>
-              <a:rPr lang="en-US" sz="1000" i="1" dirty="0">
-                <a:solidFill>
-                  <a:srgbClr val="BC9458"/>
-                </a:solidFill>
-                <a:latin typeface="Lucida Console"/>
-                <a:ea typeface="Calibri"/>
-                <a:cs typeface="Courier New"/>
-              </a:rPr>
-            </a:br>
-            <a:r>
-              <a:rPr lang="en-US" sz="1000" i="1" dirty="0">
-                <a:solidFill>
-                  <a:srgbClr val="BC9458"/>
-                </a:solidFill>
-                <a:latin typeface="Lucida Console"/>
-                <a:ea typeface="Calibri"/>
-                <a:cs typeface="Courier New"/>
-              </a:rPr>
-              <a:t>    </a:t>
-            </a:r>
-            <a:r>
-              <a:rPr lang="en-US" sz="1000" b="1" dirty="0" err="1">
-                <a:solidFill>
-                  <a:srgbClr val="0096DF"/>
-                </a:solidFill>
-                <a:latin typeface="Lucida Console"/>
-                <a:ea typeface="Calibri"/>
-                <a:cs typeface="Courier New"/>
-              </a:rPr>
-              <a:t>fileObj</a:t>
-            </a:r>
-            <a:r>
-              <a:rPr lang="en-US" sz="1000" b="1" dirty="0">
-                <a:solidFill>
-                  <a:srgbClr val="0096DF"/>
-                </a:solidFill>
-                <a:latin typeface="Lucida Console"/>
-                <a:ea typeface="Calibri"/>
-                <a:cs typeface="Courier New"/>
-              </a:rPr>
-              <a:t> </a:t>
-            </a:r>
-            <a:r>
-              <a:rPr lang="en-US" sz="1000" dirty="0">
-                <a:solidFill>
-                  <a:srgbClr val="CC7833"/>
-                </a:solidFill>
-                <a:latin typeface="Lucida Console"/>
-                <a:ea typeface="Calibri"/>
-                <a:cs typeface="Courier New"/>
-              </a:rPr>
-              <a:t>= </a:t>
-            </a:r>
-            <a:r>
-              <a:rPr lang="en-US" sz="1000" dirty="0" err="1">
-                <a:solidFill>
-                  <a:srgbClr val="A9B7C6"/>
-                </a:solidFill>
-                <a:latin typeface="Lucida Console"/>
-                <a:ea typeface="Calibri"/>
-                <a:cs typeface="Courier New"/>
-              </a:rPr>
-              <a:t>params</a:t>
-            </a:r>
-            <a:r>
-              <a:rPr lang="en-US" sz="1000" dirty="0">
-                <a:solidFill>
-                  <a:srgbClr val="A9B7C6"/>
-                </a:solidFill>
-                <a:latin typeface="Lucida Console"/>
-                <a:ea typeface="Calibri"/>
-                <a:cs typeface="Courier New"/>
-              </a:rPr>
-              <a:t>[</a:t>
-            </a:r>
-            <a:r>
-              <a:rPr lang="en-US" sz="1000" dirty="0">
-                <a:solidFill>
-                  <a:srgbClr val="6E9CBE"/>
-                </a:solidFill>
-                <a:latin typeface="Lucida Console"/>
-                <a:ea typeface="Calibri"/>
-                <a:cs typeface="Courier New"/>
-              </a:rPr>
-              <a:t>:file</a:t>
-            </a:r>
-            <a:r>
-              <a:rPr lang="en-US" sz="1000" dirty="0">
-                <a:solidFill>
-                  <a:srgbClr val="A9B7C6"/>
-                </a:solidFill>
-                <a:latin typeface="Lucida Console"/>
-                <a:ea typeface="Calibri"/>
-                <a:cs typeface="Courier New"/>
-              </a:rPr>
-              <a:t>]</a:t>
-            </a:r>
-            <a:br>
-              <a:rPr lang="en-US" sz="1000" dirty="0">
-                <a:solidFill>
-                  <a:srgbClr val="A9B7C6"/>
-                </a:solidFill>
-                <a:latin typeface="Lucida Console"/>
-                <a:ea typeface="Calibri"/>
-                <a:cs typeface="Courier New"/>
-              </a:rPr>
-            </a:br>
-            <a:r>
-              <a:rPr lang="en-US" sz="1000" dirty="0">
-                <a:solidFill>
-                  <a:srgbClr val="A9B7C6"/>
-                </a:solidFill>
-                <a:latin typeface="Lucida Console"/>
-                <a:ea typeface="Calibri"/>
-                <a:cs typeface="Courier New"/>
-              </a:rPr>
-              <a:t/>
-            </a:r>
-            <a:br>
-              <a:rPr lang="en-US" sz="1000" dirty="0">
-                <a:solidFill>
-                  <a:srgbClr val="A9B7C6"/>
-                </a:solidFill>
-                <a:latin typeface="Lucida Console"/>
-                <a:ea typeface="Calibri"/>
-                <a:cs typeface="Courier New"/>
-              </a:rPr>
-            </a:br>
-            <a:r>
-              <a:rPr lang="en-US" sz="1000" dirty="0">
-                <a:solidFill>
-                  <a:srgbClr val="A9B7C6"/>
-                </a:solidFill>
-                <a:latin typeface="Lucida Console"/>
-                <a:ea typeface="Calibri"/>
-                <a:cs typeface="Courier New"/>
-              </a:rPr>
-              <a:t>    </a:t>
-            </a:r>
-            <a:r>
-              <a:rPr lang="en-US" sz="1000" i="1" dirty="0">
-                <a:solidFill>
-                  <a:srgbClr val="BC9458"/>
-                </a:solidFill>
-                <a:latin typeface="Lucida Console"/>
-                <a:ea typeface="Calibri"/>
-                <a:cs typeface="Courier New"/>
-              </a:rPr>
-              <a:t># call the ADIwg metadata translator</a:t>
-            </a:r>
-            <a:br>
-              <a:rPr lang="en-US" sz="1000" i="1" dirty="0">
-                <a:solidFill>
-                  <a:srgbClr val="BC9458"/>
-                </a:solidFill>
-                <a:latin typeface="Lucida Console"/>
-                <a:ea typeface="Calibri"/>
-                <a:cs typeface="Courier New"/>
-              </a:rPr>
-            </a:br>
-            <a:r>
-              <a:rPr lang="en-US" sz="1000" i="1" dirty="0">
-                <a:solidFill>
-                  <a:srgbClr val="BC9458"/>
-                </a:solidFill>
-                <a:latin typeface="Lucida Console"/>
-                <a:ea typeface="Calibri"/>
-                <a:cs typeface="Courier New"/>
-              </a:rPr>
-              <a:t>    </a:t>
-            </a:r>
-            <a:r>
-              <a:rPr lang="en-US" sz="1000" dirty="0">
-                <a:solidFill>
-                  <a:srgbClr val="D0D0FF"/>
-                </a:solidFill>
-                <a:latin typeface="Lucida Console"/>
-                <a:ea typeface="Calibri"/>
-                <a:cs typeface="Courier New"/>
-              </a:rPr>
-              <a:t>@</a:t>
-            </a:r>
-            <a:r>
-              <a:rPr lang="en-US" sz="1000" dirty="0" err="1">
-                <a:solidFill>
-                  <a:srgbClr val="D0D0FF"/>
-                </a:solidFill>
-                <a:latin typeface="Lucida Console"/>
-                <a:ea typeface="Calibri"/>
-                <a:cs typeface="Courier New"/>
-              </a:rPr>
-              <a:t>mdReturn</a:t>
-            </a:r>
-            <a:r>
-              <a:rPr lang="en-US" sz="1000" dirty="0">
-                <a:solidFill>
-                  <a:srgbClr val="D0D0FF"/>
-                </a:solidFill>
-                <a:latin typeface="Lucida Console"/>
-                <a:ea typeface="Calibri"/>
-                <a:cs typeface="Courier New"/>
-              </a:rPr>
-              <a:t> </a:t>
-            </a:r>
-            <a:r>
-              <a:rPr lang="en-US" sz="1000" dirty="0">
-                <a:solidFill>
-                  <a:srgbClr val="CC7833"/>
-                </a:solidFill>
-                <a:latin typeface="Lucida Console"/>
-                <a:ea typeface="Calibri"/>
-                <a:cs typeface="Courier New"/>
-              </a:rPr>
-              <a:t>= </a:t>
-            </a:r>
-            <a:r>
-              <a:rPr lang="en-US" sz="1000" dirty="0">
-                <a:solidFill>
-                  <a:srgbClr val="DA4939"/>
-                </a:solidFill>
-                <a:latin typeface="Lucida Console"/>
-                <a:ea typeface="Calibri"/>
-                <a:cs typeface="Courier New"/>
-              </a:rPr>
-              <a:t>ADIWG</a:t>
-            </a:r>
-            <a:r>
-              <a:rPr lang="en-US" sz="1000" dirty="0">
-                <a:solidFill>
-                  <a:srgbClr val="A9B7C6"/>
-                </a:solidFill>
-                <a:latin typeface="Lucida Console"/>
-                <a:ea typeface="Calibri"/>
-                <a:cs typeface="Courier New"/>
-              </a:rPr>
-              <a:t>::</a:t>
-            </a:r>
-            <a:r>
-              <a:rPr lang="en-US" sz="1000" dirty="0" err="1">
-                <a:solidFill>
-                  <a:srgbClr val="DA4939"/>
-                </a:solidFill>
-                <a:latin typeface="Lucida Console"/>
-                <a:ea typeface="Calibri"/>
-                <a:cs typeface="Courier New"/>
-              </a:rPr>
-              <a:t>Mdtranslator</a:t>
-            </a:r>
-            <a:r>
-              <a:rPr lang="en-US" sz="1000" dirty="0" err="1">
-                <a:solidFill>
-                  <a:srgbClr val="A9B7C6"/>
-                </a:solidFill>
-                <a:latin typeface="Lucida Console"/>
-                <a:ea typeface="Calibri"/>
-                <a:cs typeface="Courier New"/>
-              </a:rPr>
-              <a:t>.</a:t>
-            </a:r>
-            <a:r>
-              <a:rPr lang="en-US" sz="1000" dirty="0" err="1">
-                <a:solidFill>
-                  <a:srgbClr val="DA4939"/>
-                </a:solidFill>
-                <a:latin typeface="Lucida Console"/>
-                <a:ea typeface="Calibri"/>
-                <a:cs typeface="Courier New"/>
-              </a:rPr>
-              <a:t>translate</a:t>
-            </a:r>
-            <a:r>
-              <a:rPr lang="en-US" sz="1000" dirty="0">
-                <a:solidFill>
-                  <a:srgbClr val="A9B7C6"/>
-                </a:solidFill>
-                <a:latin typeface="Lucida Console"/>
-                <a:ea typeface="Calibri"/>
-                <a:cs typeface="Courier New"/>
-              </a:rPr>
-              <a:t>(</a:t>
-            </a:r>
-            <a:br>
-              <a:rPr lang="en-US" sz="1000" dirty="0">
-                <a:solidFill>
-                  <a:srgbClr val="A9B7C6"/>
-                </a:solidFill>
-                <a:latin typeface="Lucida Console"/>
-                <a:ea typeface="Calibri"/>
-                <a:cs typeface="Courier New"/>
-              </a:rPr>
-            </a:br>
-            <a:r>
-              <a:rPr lang="en-US" sz="1000" dirty="0">
-                <a:solidFill>
-                  <a:srgbClr val="A9B7C6"/>
-                </a:solidFill>
-                <a:latin typeface="Lucida Console"/>
-                <a:ea typeface="Calibri"/>
-                <a:cs typeface="Courier New"/>
-              </a:rPr>
-              <a:t>        </a:t>
-            </a:r>
-            <a:r>
-              <a:rPr lang="en-US" sz="1000" dirty="0">
-                <a:solidFill>
-                  <a:srgbClr val="6E9CBE"/>
-                </a:solidFill>
-                <a:latin typeface="Lucida Console"/>
-                <a:ea typeface="Calibri"/>
-                <a:cs typeface="Courier New"/>
-              </a:rPr>
-              <a:t>file</a:t>
-            </a:r>
-            <a:r>
-              <a:rPr lang="en-US" sz="1000" dirty="0">
-                <a:solidFill>
-                  <a:srgbClr val="A9B7C6"/>
-                </a:solidFill>
-                <a:latin typeface="Lucida Console"/>
-                <a:ea typeface="Calibri"/>
-                <a:cs typeface="Courier New"/>
-              </a:rPr>
-              <a:t>: </a:t>
-            </a:r>
-            <a:r>
-              <a:rPr lang="en-US" sz="1000" b="1" dirty="0" err="1">
-                <a:solidFill>
-                  <a:srgbClr val="0096DF"/>
-                </a:solidFill>
-                <a:latin typeface="Lucida Console"/>
-                <a:ea typeface="Calibri"/>
-                <a:cs typeface="Courier New"/>
-              </a:rPr>
-              <a:t>fileObj</a:t>
-            </a:r>
-            <a:r>
-              <a:rPr lang="en-US" sz="1000" dirty="0">
-                <a:solidFill>
-                  <a:srgbClr val="CC7832"/>
-                </a:solidFill>
-                <a:latin typeface="Lucida Console"/>
-                <a:ea typeface="Calibri"/>
-                <a:cs typeface="Courier New"/>
-              </a:rPr>
-              <a:t>, </a:t>
-            </a:r>
-            <a:r>
-              <a:rPr lang="en-US" sz="1000" dirty="0">
-                <a:solidFill>
-                  <a:srgbClr val="6E9CBE"/>
-                </a:solidFill>
-                <a:latin typeface="Lucida Console"/>
-                <a:ea typeface="Calibri"/>
-                <a:cs typeface="Courier New"/>
-              </a:rPr>
-              <a:t>reader</a:t>
-            </a:r>
-            <a:r>
-              <a:rPr lang="en-US" sz="1000" dirty="0">
-                <a:solidFill>
-                  <a:srgbClr val="A9B7C6"/>
-                </a:solidFill>
-                <a:latin typeface="Lucida Console"/>
-                <a:ea typeface="Calibri"/>
-                <a:cs typeface="Courier New"/>
-              </a:rPr>
-              <a:t>: </a:t>
-            </a:r>
-            <a:r>
-              <a:rPr lang="en-US" sz="1000" dirty="0">
-                <a:solidFill>
-                  <a:srgbClr val="A5C25C"/>
-                </a:solidFill>
-                <a:latin typeface="Lucida Console"/>
-                <a:ea typeface="Calibri"/>
-                <a:cs typeface="Courier New"/>
-              </a:rPr>
-              <a:t>'mdJson'</a:t>
-            </a:r>
-            <a:r>
-              <a:rPr lang="en-US" sz="1000" dirty="0">
-                <a:solidFill>
-                  <a:srgbClr val="CC7832"/>
-                </a:solidFill>
-                <a:latin typeface="Lucida Console"/>
-                <a:ea typeface="Calibri"/>
-                <a:cs typeface="Courier New"/>
-              </a:rPr>
-              <a:t>, </a:t>
-            </a:r>
-            <a:r>
-              <a:rPr lang="en-US" sz="1000" dirty="0">
-                <a:solidFill>
-                  <a:srgbClr val="6E9CBE"/>
-                </a:solidFill>
-                <a:latin typeface="Lucida Console"/>
-                <a:ea typeface="Calibri"/>
-                <a:cs typeface="Courier New"/>
-              </a:rPr>
-              <a:t>validate</a:t>
-            </a:r>
-            <a:r>
-              <a:rPr lang="en-US" sz="1000" dirty="0">
-                <a:solidFill>
-                  <a:srgbClr val="A9B7C6"/>
-                </a:solidFill>
-                <a:latin typeface="Lucida Console"/>
-                <a:ea typeface="Calibri"/>
-                <a:cs typeface="Courier New"/>
-              </a:rPr>
-              <a:t>: </a:t>
-            </a:r>
-            <a:r>
-              <a:rPr lang="en-US" sz="1000" dirty="0">
-                <a:solidFill>
-                  <a:srgbClr val="A5C25C"/>
-                </a:solidFill>
-                <a:latin typeface="Lucida Console"/>
-                <a:ea typeface="Calibri"/>
-                <a:cs typeface="Courier New"/>
-              </a:rPr>
-              <a:t>'normal'</a:t>
-            </a:r>
-            <a:r>
-              <a:rPr lang="en-US" sz="1000" dirty="0">
-                <a:solidFill>
-                  <a:srgbClr val="CC7832"/>
-                </a:solidFill>
-                <a:latin typeface="Lucida Console"/>
-                <a:ea typeface="Calibri"/>
-                <a:cs typeface="Courier New"/>
-              </a:rPr>
-              <a:t>,</a:t>
-            </a:r>
-            <a:br>
-              <a:rPr lang="en-US" sz="1000" dirty="0">
-                <a:solidFill>
-                  <a:srgbClr val="CC7832"/>
-                </a:solidFill>
-                <a:latin typeface="Lucida Console"/>
-                <a:ea typeface="Calibri"/>
-                <a:cs typeface="Courier New"/>
-              </a:rPr>
-            </a:br>
-            <a:r>
-              <a:rPr lang="en-US" sz="1000" dirty="0">
-                <a:solidFill>
-                  <a:srgbClr val="CC7832"/>
-                </a:solidFill>
-                <a:latin typeface="Lucida Console"/>
-                <a:ea typeface="Calibri"/>
-                <a:cs typeface="Courier New"/>
-              </a:rPr>
-              <a:t>        </a:t>
-            </a:r>
-            <a:r>
-              <a:rPr lang="en-US" sz="1000" dirty="0">
-                <a:solidFill>
-                  <a:srgbClr val="6E9CBE"/>
-                </a:solidFill>
-                <a:latin typeface="Lucida Console"/>
-                <a:ea typeface="Calibri"/>
-                <a:cs typeface="Courier New"/>
-              </a:rPr>
-              <a:t>writer</a:t>
-            </a:r>
-            <a:r>
-              <a:rPr lang="en-US" sz="1000" dirty="0">
-                <a:solidFill>
-                  <a:srgbClr val="A9B7C6"/>
-                </a:solidFill>
-                <a:latin typeface="Lucida Console"/>
-                <a:ea typeface="Calibri"/>
-                <a:cs typeface="Courier New"/>
-              </a:rPr>
-              <a:t>: </a:t>
-            </a:r>
-            <a:r>
-              <a:rPr lang="en-US" sz="1000" dirty="0">
-                <a:solidFill>
-                  <a:srgbClr val="A5C25C"/>
-                </a:solidFill>
-                <a:latin typeface="Lucida Console"/>
-                <a:ea typeface="Calibri"/>
-                <a:cs typeface="Courier New"/>
-              </a:rPr>
-              <a:t>'iso19115_2'</a:t>
-            </a:r>
-            <a:r>
-              <a:rPr lang="en-US" sz="1000" dirty="0">
-                <a:solidFill>
-                  <a:srgbClr val="CC7832"/>
-                </a:solidFill>
-                <a:latin typeface="Lucida Console"/>
-                <a:ea typeface="Calibri"/>
-                <a:cs typeface="Courier New"/>
-              </a:rPr>
-              <a:t>, </a:t>
-            </a:r>
-            <a:r>
-              <a:rPr lang="en-US" sz="1000" dirty="0" err="1">
-                <a:solidFill>
-                  <a:srgbClr val="6E9CBE"/>
-                </a:solidFill>
-                <a:latin typeface="Lucida Console"/>
-                <a:ea typeface="Calibri"/>
-                <a:cs typeface="Courier New"/>
-              </a:rPr>
-              <a:t>showAllTags</a:t>
-            </a:r>
-            <a:r>
-              <a:rPr lang="en-US" sz="1000" dirty="0">
-                <a:solidFill>
-                  <a:srgbClr val="A9B7C6"/>
-                </a:solidFill>
-                <a:latin typeface="Lucida Console"/>
-                <a:ea typeface="Calibri"/>
-                <a:cs typeface="Courier New"/>
-              </a:rPr>
-              <a:t>: </a:t>
-            </a:r>
-            <a:r>
-              <a:rPr lang="en-US" sz="1000" dirty="0">
-                <a:solidFill>
-                  <a:srgbClr val="CC7833"/>
-                </a:solidFill>
-                <a:latin typeface="Lucida Console"/>
-                <a:ea typeface="Calibri"/>
-                <a:cs typeface="Courier New"/>
-              </a:rPr>
-              <a:t>false</a:t>
-            </a:r>
-            <a:r>
-              <a:rPr lang="en-US" sz="1000" dirty="0">
-                <a:solidFill>
-                  <a:srgbClr val="A9B7C6"/>
-                </a:solidFill>
-                <a:latin typeface="Lucida Console"/>
-                <a:ea typeface="Calibri"/>
-                <a:cs typeface="Courier New"/>
-              </a:rPr>
-              <a:t>)</a:t>
-            </a:r>
-            <a:br>
-              <a:rPr lang="en-US" sz="1000" dirty="0">
-                <a:solidFill>
-                  <a:srgbClr val="A9B7C6"/>
-                </a:solidFill>
-                <a:latin typeface="Lucida Console"/>
-                <a:ea typeface="Calibri"/>
-                <a:cs typeface="Courier New"/>
-              </a:rPr>
-            </a:br>
-            <a:r>
-              <a:rPr lang="en-US" sz="1000" dirty="0">
-                <a:solidFill>
-                  <a:srgbClr val="A9B7C6"/>
-                </a:solidFill>
-                <a:latin typeface="Lucida Console"/>
-                <a:ea typeface="Calibri"/>
-                <a:cs typeface="Courier New"/>
-              </a:rPr>
-              <a:t/>
-            </a:r>
-            <a:br>
-              <a:rPr lang="en-US" sz="1000" dirty="0">
-                <a:solidFill>
-                  <a:srgbClr val="A9B7C6"/>
-                </a:solidFill>
-                <a:latin typeface="Lucida Console"/>
-                <a:ea typeface="Calibri"/>
-                <a:cs typeface="Courier New"/>
-              </a:rPr>
-            </a:br>
-            <a:r>
-              <a:rPr lang="en-US" sz="1000" dirty="0">
-                <a:solidFill>
-                  <a:srgbClr val="A9B7C6"/>
-                </a:solidFill>
-                <a:latin typeface="Lucida Console"/>
-                <a:ea typeface="Calibri"/>
-                <a:cs typeface="Courier New"/>
-              </a:rPr>
-              <a:t>    </a:t>
-            </a:r>
-            <a:r>
-              <a:rPr lang="en-US" sz="1000" dirty="0">
-                <a:solidFill>
-                  <a:srgbClr val="DA4939"/>
-                </a:solidFill>
-                <a:latin typeface="Lucida Console"/>
-                <a:ea typeface="Calibri"/>
-                <a:cs typeface="Courier New"/>
-              </a:rPr>
-              <a:t>render </a:t>
-            </a:r>
-            <a:r>
-              <a:rPr lang="en-US" sz="1000" dirty="0">
-                <a:solidFill>
-                  <a:srgbClr val="6E9CBE"/>
-                </a:solidFill>
-                <a:latin typeface="Lucida Console"/>
-                <a:ea typeface="Calibri"/>
-                <a:cs typeface="Courier New"/>
-              </a:rPr>
-              <a:t>xml</a:t>
-            </a:r>
-            <a:r>
-              <a:rPr lang="en-US" sz="1000" dirty="0">
-                <a:solidFill>
-                  <a:srgbClr val="A9B7C6"/>
-                </a:solidFill>
-                <a:latin typeface="Lucida Console"/>
-                <a:ea typeface="Calibri"/>
-                <a:cs typeface="Courier New"/>
-              </a:rPr>
-              <a:t>: </a:t>
-            </a:r>
-            <a:r>
-              <a:rPr lang="en-US" sz="1000" dirty="0">
-                <a:solidFill>
-                  <a:srgbClr val="D0D0FF"/>
-                </a:solidFill>
-                <a:latin typeface="Lucida Console"/>
-                <a:ea typeface="Calibri"/>
-                <a:cs typeface="Courier New"/>
-              </a:rPr>
-              <a:t>@</a:t>
-            </a:r>
-            <a:r>
-              <a:rPr lang="en-US" sz="1000" dirty="0" err="1">
-                <a:solidFill>
-                  <a:srgbClr val="D0D0FF"/>
-                </a:solidFill>
-                <a:latin typeface="Lucida Console"/>
-                <a:ea typeface="Calibri"/>
-                <a:cs typeface="Courier New"/>
-              </a:rPr>
-              <a:t>mdReturn</a:t>
-            </a:r>
-            <a:r>
-              <a:rPr lang="en-US" sz="1000" dirty="0">
-                <a:solidFill>
-                  <a:srgbClr val="A9B7C6"/>
-                </a:solidFill>
-                <a:latin typeface="Lucida Console"/>
-                <a:ea typeface="Calibri"/>
-                <a:cs typeface="Courier New"/>
-              </a:rPr>
-              <a:t>[</a:t>
-            </a:r>
-            <a:r>
-              <a:rPr lang="en-US" sz="1000" dirty="0">
-                <a:solidFill>
-                  <a:srgbClr val="6E9CBE"/>
-                </a:solidFill>
-                <a:latin typeface="Lucida Console"/>
-                <a:ea typeface="Calibri"/>
-                <a:cs typeface="Courier New"/>
-              </a:rPr>
-              <a:t>:</a:t>
-            </a:r>
-            <a:r>
-              <a:rPr lang="en-US" sz="1000" dirty="0" err="1">
-                <a:solidFill>
-                  <a:srgbClr val="6E9CBE"/>
-                </a:solidFill>
-                <a:latin typeface="Lucida Console"/>
-                <a:ea typeface="Calibri"/>
-                <a:cs typeface="Courier New"/>
-              </a:rPr>
-              <a:t>writerOutput</a:t>
-            </a:r>
-            <a:r>
-              <a:rPr lang="en-US" sz="1000" dirty="0">
-                <a:solidFill>
-                  <a:srgbClr val="A9B7C6"/>
-                </a:solidFill>
-                <a:latin typeface="Lucida Console"/>
-                <a:ea typeface="Calibri"/>
-                <a:cs typeface="Courier New"/>
-              </a:rPr>
-              <a:t>]</a:t>
-            </a:r>
-            <a:br>
-              <a:rPr lang="en-US" sz="1000" dirty="0">
-                <a:solidFill>
-                  <a:srgbClr val="A9B7C6"/>
-                </a:solidFill>
-                <a:latin typeface="Lucida Console"/>
-                <a:ea typeface="Calibri"/>
-                <a:cs typeface="Courier New"/>
-              </a:rPr>
-            </a:br>
-            <a:r>
-              <a:rPr lang="en-US" sz="1000" dirty="0">
-                <a:solidFill>
-                  <a:srgbClr val="A9B7C6"/>
-                </a:solidFill>
-                <a:latin typeface="Lucida Console"/>
-                <a:ea typeface="Calibri"/>
-                <a:cs typeface="Courier New"/>
-              </a:rPr>
-              <a:t/>
-            </a:r>
-            <a:br>
-              <a:rPr lang="en-US" sz="1000" dirty="0">
-                <a:solidFill>
-                  <a:srgbClr val="A9B7C6"/>
-                </a:solidFill>
-                <a:latin typeface="Lucida Console"/>
-                <a:ea typeface="Calibri"/>
-                <a:cs typeface="Courier New"/>
-              </a:rPr>
-            </a:br>
-            <a:r>
-              <a:rPr lang="en-US" sz="1000" dirty="0" smtClean="0">
-                <a:solidFill>
-                  <a:srgbClr val="CC7833"/>
-                </a:solidFill>
-                <a:latin typeface="Lucida Console"/>
-                <a:ea typeface="Calibri"/>
-                <a:cs typeface="Courier New"/>
-              </a:rPr>
-              <a:t>end</a:t>
-            </a:r>
-            <a:endParaRPr lang="en-US" sz="1000" dirty="0">
-              <a:latin typeface="Calibri"/>
-              <a:ea typeface="Calibri"/>
-              <a:cs typeface="Times New Roman"/>
-            </a:endParaRPr>
-          </a:p>
-        </p:txBody>
-      </p:sp>
-    </p:spTree>
-    <p:extLst>
-      <p:ext uri="{BB962C8B-B14F-4D97-AF65-F5344CB8AC3E}">
-        <p14:creationId xmlns:p14="http://schemas.microsoft.com/office/powerpoint/2010/main" val="2562207676"/>
       </p:ext>
     </p:extLst>
   </p:cSld>
@@ -15404,7 +14754,7 @@
             </a:r>
             <a:r>
               <a:rPr lang="en-US" dirty="0" smtClean="0"/>
-              <a:t>13</a:t>
+              <a:t>12</a:t>
             </a:r>
             <a:endParaRPr lang="en-US" dirty="0"/>
           </a:p>
@@ -15420,12 +14770,7 @@
             <p:ph idx="1"/>
           </p:nvPr>
         </p:nvSpPr>
-        <p:spPr>
-          <a:xfrm>
-            <a:off x="457200" y="1600201"/>
-            <a:ext cx="2819400" cy="3886200"/>
-          </a:xfrm>
-        </p:spPr>
+        <p:spPr/>
         <p:txBody>
           <a:bodyPr vert="horz" lIns="91440" tIns="45720" rIns="91440" bIns="45720" rtlCol="0">
             <a:normAutofit/>
@@ -15438,67 +14783,38 @@
             </a:pPr>
             <a:r>
               <a:rPr lang="en-US" sz="1800" dirty="0"/>
-              <a:t>After the server </a:t>
+              <a:t>Now we need to write a simple script to process the HTTP POST.  </a:t>
             </a:r>
             <a:r>
               <a:rPr lang="en-US" sz="1800" dirty="0" smtClean="0"/>
-              <a:t/>
+              <a:t>In the ../app/controllers/</a:t>
+            </a:r>
+            <a:r>
+              <a:rPr lang="en-US" sz="1800" dirty="0" err="1" smtClean="0"/>
+              <a:t>translate_controller.rb</a:t>
+            </a:r>
+            <a:r>
+              <a:rPr lang="en-US" sz="1800" dirty="0" smtClean="0"/>
+              <a:t> </a:t>
             </a:r>
             <a:br>
               <a:rPr lang="en-US" sz="1800" dirty="0" smtClean="0"/>
             </a:br>
             <a:r>
               <a:rPr lang="en-US" sz="1800" dirty="0" smtClean="0"/>
-              <a:t>restarts, </a:t>
+              <a:t>file replace </a:t>
             </a:r>
             <a:r>
               <a:rPr lang="en-US" sz="1800" dirty="0"/>
-              <a:t>navigate </a:t>
+              <a:t>the ‘render inline:’ statement we </a:t>
             </a:r>
             <a:r>
               <a:rPr lang="en-US" sz="1800" dirty="0" smtClean="0"/>
-              <a:t/>
-            </a:r>
-            <a:br>
-              <a:rPr lang="en-US" sz="1800" dirty="0" smtClean="0"/>
-            </a:br>
-            <a:r>
-              <a:rPr lang="en-US" sz="1800" dirty="0" smtClean="0"/>
-              <a:t>to </a:t>
+              <a:t>entered to </a:t>
             </a:r>
             <a:r>
               <a:rPr lang="en-US" sz="1800" dirty="0"/>
-              <a:t>the website root </a:t>
-            </a:r>
-            <a:r>
-              <a:rPr lang="en-US" sz="1800" dirty="0" smtClean="0"/>
-              <a:t/>
-            </a:r>
-            <a:br>
-              <a:rPr lang="en-US" sz="1800" dirty="0" smtClean="0"/>
-            </a:br>
-            <a:r>
-              <a:rPr lang="en-US" sz="1800" dirty="0" smtClean="0"/>
-              <a:t>and </a:t>
-            </a:r>
-            <a:r>
-              <a:rPr lang="en-US" sz="1800" dirty="0"/>
-              <a:t>enter some </a:t>
-            </a:r>
-            <a:r>
-              <a:rPr lang="en-US" sz="1800" dirty="0" smtClean="0"/>
-              <a:t/>
-            </a:r>
-            <a:br>
-              <a:rPr lang="en-US" sz="1800" dirty="0" smtClean="0"/>
-            </a:br>
-            <a:r>
-              <a:rPr lang="en-US" sz="1800" dirty="0" smtClean="0"/>
-              <a:t>valid </a:t>
-            </a:r>
-            <a:r>
-              <a:rPr lang="en-US" sz="1800" dirty="0"/>
-              <a:t>mdJson. </a:t>
+              <a:t>test the connection and routing with something like this…</a:t>
             </a:r>
           </a:p>
           <a:p>
@@ -15627,6 +14943,1171 @@
           </a:p>
         </p:txBody>
       </p:sp>
+      <p:sp>
+        <p:nvSpPr>
+          <p:cNvPr id="7" name="Rectangle 6"/>
+          <p:cNvSpPr/>
+          <p:nvPr/>
+        </p:nvSpPr>
+        <p:spPr>
+          <a:xfrm>
+            <a:off x="1371600" y="3020168"/>
+            <a:ext cx="6400800" cy="2559227"/>
+          </a:xfrm>
+          <a:prstGeom prst="rect">
+            <a:avLst/>
+          </a:prstGeom>
+        </p:spPr>
+        <p:style>
+          <a:lnRef idx="2">
+            <a:schemeClr val="dk1">
+              <a:shade val="50000"/>
+            </a:schemeClr>
+          </a:lnRef>
+          <a:fillRef idx="1">
+            <a:schemeClr val="dk1"/>
+          </a:fillRef>
+          <a:effectRef idx="0">
+            <a:schemeClr val="dk1"/>
+          </a:effectRef>
+          <a:fontRef idx="minor">
+            <a:schemeClr val="lt1"/>
+          </a:fontRef>
+        </p:style>
+        <p:txBody>
+          <a:bodyPr wrap="square">
+            <a:spAutoFit/>
+          </a:bodyPr>
+          <a:lstStyle/>
+          <a:p>
+            <a:pPr>
+              <a:lnSpc>
+                <a:spcPct val="115000"/>
+              </a:lnSpc>
+            </a:pPr>
+            <a:r>
+              <a:rPr lang="en-US" sz="1000" i="1" dirty="0">
+                <a:solidFill>
+                  <a:srgbClr val="BC9458"/>
+                </a:solidFill>
+                <a:latin typeface="Lucida Console"/>
+                <a:ea typeface="Calibri"/>
+                <a:cs typeface="Courier New"/>
+              </a:rPr>
+              <a:t># process POSTs</a:t>
+            </a:r>
+            <a:br>
+              <a:rPr lang="en-US" sz="1000" i="1" dirty="0">
+                <a:solidFill>
+                  <a:srgbClr val="BC9458"/>
+                </a:solidFill>
+                <a:latin typeface="Lucida Console"/>
+                <a:ea typeface="Calibri"/>
+                <a:cs typeface="Courier New"/>
+              </a:rPr>
+            </a:br>
+            <a:r>
+              <a:rPr lang="en-US" sz="1000" dirty="0" err="1">
+                <a:solidFill>
+                  <a:srgbClr val="CC7833"/>
+                </a:solidFill>
+                <a:latin typeface="Lucida Console"/>
+                <a:ea typeface="Calibri"/>
+                <a:cs typeface="Courier New"/>
+              </a:rPr>
+              <a:t>def</a:t>
+            </a:r>
+            <a:r>
+              <a:rPr lang="en-US" sz="1000" dirty="0">
+                <a:solidFill>
+                  <a:srgbClr val="CC7833"/>
+                </a:solidFill>
+                <a:latin typeface="Lucida Console"/>
+                <a:ea typeface="Calibri"/>
+                <a:cs typeface="Courier New"/>
+              </a:rPr>
+              <a:t> </a:t>
+            </a:r>
+            <a:r>
+              <a:rPr lang="en-US" sz="1000" dirty="0">
+                <a:solidFill>
+                  <a:srgbClr val="FFC66D"/>
+                </a:solidFill>
+                <a:latin typeface="Lucida Console"/>
+                <a:ea typeface="Calibri"/>
+                <a:cs typeface="Courier New"/>
+              </a:rPr>
+              <a:t>create</a:t>
+            </a:r>
+            <a:br>
+              <a:rPr lang="en-US" sz="1000" dirty="0">
+                <a:solidFill>
+                  <a:srgbClr val="FFC66D"/>
+                </a:solidFill>
+                <a:latin typeface="Lucida Console"/>
+                <a:ea typeface="Calibri"/>
+                <a:cs typeface="Courier New"/>
+              </a:rPr>
+            </a:br>
+            <a:r>
+              <a:rPr lang="en-US" sz="1000" dirty="0">
+                <a:solidFill>
+                  <a:srgbClr val="FFC66D"/>
+                </a:solidFill>
+                <a:latin typeface="Lucida Console"/>
+                <a:ea typeface="Calibri"/>
+                <a:cs typeface="Courier New"/>
+              </a:rPr>
+              <a:t/>
+            </a:r>
+            <a:br>
+              <a:rPr lang="en-US" sz="1000" dirty="0">
+                <a:solidFill>
+                  <a:srgbClr val="FFC66D"/>
+                </a:solidFill>
+                <a:latin typeface="Lucida Console"/>
+                <a:ea typeface="Calibri"/>
+                <a:cs typeface="Courier New"/>
+              </a:rPr>
+            </a:br>
+            <a:r>
+              <a:rPr lang="en-US" sz="1000" dirty="0">
+                <a:solidFill>
+                  <a:srgbClr val="FFC66D"/>
+                </a:solidFill>
+                <a:latin typeface="Lucida Console"/>
+                <a:ea typeface="Calibri"/>
+                <a:cs typeface="Courier New"/>
+              </a:rPr>
+              <a:t>    </a:t>
+            </a:r>
+            <a:r>
+              <a:rPr lang="en-US" sz="1000" i="1" dirty="0">
+                <a:solidFill>
+                  <a:srgbClr val="BC9458"/>
+                </a:solidFill>
+                <a:latin typeface="Lucida Console"/>
+                <a:ea typeface="Calibri"/>
+                <a:cs typeface="Courier New"/>
+              </a:rPr>
+              <a:t># load file and parameter from POST</a:t>
+            </a:r>
+            <a:br>
+              <a:rPr lang="en-US" sz="1000" i="1" dirty="0">
+                <a:solidFill>
+                  <a:srgbClr val="BC9458"/>
+                </a:solidFill>
+                <a:latin typeface="Lucida Console"/>
+                <a:ea typeface="Calibri"/>
+                <a:cs typeface="Courier New"/>
+              </a:rPr>
+            </a:br>
+            <a:r>
+              <a:rPr lang="en-US" sz="1000" i="1" dirty="0">
+                <a:solidFill>
+                  <a:srgbClr val="BC9458"/>
+                </a:solidFill>
+                <a:latin typeface="Lucida Console"/>
+                <a:ea typeface="Calibri"/>
+                <a:cs typeface="Courier New"/>
+              </a:rPr>
+              <a:t>    </a:t>
+            </a:r>
+            <a:r>
+              <a:rPr lang="en-US" sz="1000" b="1" dirty="0" err="1">
+                <a:solidFill>
+                  <a:srgbClr val="0096DF"/>
+                </a:solidFill>
+                <a:latin typeface="Lucida Console"/>
+                <a:ea typeface="Calibri"/>
+                <a:cs typeface="Courier New"/>
+              </a:rPr>
+              <a:t>fileObj</a:t>
+            </a:r>
+            <a:r>
+              <a:rPr lang="en-US" sz="1000" b="1" dirty="0">
+                <a:solidFill>
+                  <a:srgbClr val="0096DF"/>
+                </a:solidFill>
+                <a:latin typeface="Lucida Console"/>
+                <a:ea typeface="Calibri"/>
+                <a:cs typeface="Courier New"/>
+              </a:rPr>
+              <a:t> </a:t>
+            </a:r>
+            <a:r>
+              <a:rPr lang="en-US" sz="1000" dirty="0">
+                <a:solidFill>
+                  <a:srgbClr val="CC7833"/>
+                </a:solidFill>
+                <a:latin typeface="Lucida Console"/>
+                <a:ea typeface="Calibri"/>
+                <a:cs typeface="Courier New"/>
+              </a:rPr>
+              <a:t>= </a:t>
+            </a:r>
+            <a:r>
+              <a:rPr lang="en-US" sz="1000" dirty="0" err="1">
+                <a:solidFill>
+                  <a:srgbClr val="A9B7C6"/>
+                </a:solidFill>
+                <a:latin typeface="Lucida Console"/>
+                <a:ea typeface="Calibri"/>
+                <a:cs typeface="Courier New"/>
+              </a:rPr>
+              <a:t>params</a:t>
+            </a:r>
+            <a:r>
+              <a:rPr lang="en-US" sz="1000" dirty="0">
+                <a:solidFill>
+                  <a:srgbClr val="A9B7C6"/>
+                </a:solidFill>
+                <a:latin typeface="Lucida Console"/>
+                <a:ea typeface="Calibri"/>
+                <a:cs typeface="Courier New"/>
+              </a:rPr>
+              <a:t>[</a:t>
+            </a:r>
+            <a:r>
+              <a:rPr lang="en-US" sz="1000" dirty="0">
+                <a:solidFill>
+                  <a:srgbClr val="6E9CBE"/>
+                </a:solidFill>
+                <a:latin typeface="Lucida Console"/>
+                <a:ea typeface="Calibri"/>
+                <a:cs typeface="Courier New"/>
+              </a:rPr>
+              <a:t>:file</a:t>
+            </a:r>
+            <a:r>
+              <a:rPr lang="en-US" sz="1000" dirty="0">
+                <a:solidFill>
+                  <a:srgbClr val="A9B7C6"/>
+                </a:solidFill>
+                <a:latin typeface="Lucida Console"/>
+                <a:ea typeface="Calibri"/>
+                <a:cs typeface="Courier New"/>
+              </a:rPr>
+              <a:t>]</a:t>
+            </a:r>
+            <a:br>
+              <a:rPr lang="en-US" sz="1000" dirty="0">
+                <a:solidFill>
+                  <a:srgbClr val="A9B7C6"/>
+                </a:solidFill>
+                <a:latin typeface="Lucida Console"/>
+                <a:ea typeface="Calibri"/>
+                <a:cs typeface="Courier New"/>
+              </a:rPr>
+            </a:br>
+            <a:r>
+              <a:rPr lang="en-US" sz="1000" dirty="0">
+                <a:solidFill>
+                  <a:srgbClr val="A9B7C6"/>
+                </a:solidFill>
+                <a:latin typeface="Lucida Console"/>
+                <a:ea typeface="Calibri"/>
+                <a:cs typeface="Courier New"/>
+              </a:rPr>
+              <a:t/>
+            </a:r>
+            <a:br>
+              <a:rPr lang="en-US" sz="1000" dirty="0">
+                <a:solidFill>
+                  <a:srgbClr val="A9B7C6"/>
+                </a:solidFill>
+                <a:latin typeface="Lucida Console"/>
+                <a:ea typeface="Calibri"/>
+                <a:cs typeface="Courier New"/>
+              </a:rPr>
+            </a:br>
+            <a:r>
+              <a:rPr lang="en-US" sz="1000" dirty="0">
+                <a:solidFill>
+                  <a:srgbClr val="A9B7C6"/>
+                </a:solidFill>
+                <a:latin typeface="Lucida Console"/>
+                <a:ea typeface="Calibri"/>
+                <a:cs typeface="Courier New"/>
+              </a:rPr>
+              <a:t>    </a:t>
+            </a:r>
+            <a:r>
+              <a:rPr lang="en-US" sz="1000" i="1" dirty="0">
+                <a:solidFill>
+                  <a:srgbClr val="BC9458"/>
+                </a:solidFill>
+                <a:latin typeface="Lucida Console"/>
+                <a:ea typeface="Calibri"/>
+                <a:cs typeface="Courier New"/>
+              </a:rPr>
+              <a:t># call the ADIwg metadata translator</a:t>
+            </a:r>
+            <a:br>
+              <a:rPr lang="en-US" sz="1000" i="1" dirty="0">
+                <a:solidFill>
+                  <a:srgbClr val="BC9458"/>
+                </a:solidFill>
+                <a:latin typeface="Lucida Console"/>
+                <a:ea typeface="Calibri"/>
+                <a:cs typeface="Courier New"/>
+              </a:rPr>
+            </a:br>
+            <a:r>
+              <a:rPr lang="en-US" sz="1000" i="1" dirty="0">
+                <a:solidFill>
+                  <a:srgbClr val="BC9458"/>
+                </a:solidFill>
+                <a:latin typeface="Lucida Console"/>
+                <a:ea typeface="Calibri"/>
+                <a:cs typeface="Courier New"/>
+              </a:rPr>
+              <a:t>    </a:t>
+            </a:r>
+            <a:r>
+              <a:rPr lang="en-US" sz="1000" dirty="0">
+                <a:solidFill>
+                  <a:srgbClr val="D0D0FF"/>
+                </a:solidFill>
+                <a:latin typeface="Lucida Console"/>
+                <a:ea typeface="Calibri"/>
+                <a:cs typeface="Courier New"/>
+              </a:rPr>
+              <a:t>@</a:t>
+            </a:r>
+            <a:r>
+              <a:rPr lang="en-US" sz="1000" dirty="0" err="1">
+                <a:solidFill>
+                  <a:srgbClr val="D0D0FF"/>
+                </a:solidFill>
+                <a:latin typeface="Lucida Console"/>
+                <a:ea typeface="Calibri"/>
+                <a:cs typeface="Courier New"/>
+              </a:rPr>
+              <a:t>mdReturn</a:t>
+            </a:r>
+            <a:r>
+              <a:rPr lang="en-US" sz="1000" dirty="0">
+                <a:solidFill>
+                  <a:srgbClr val="D0D0FF"/>
+                </a:solidFill>
+                <a:latin typeface="Lucida Console"/>
+                <a:ea typeface="Calibri"/>
+                <a:cs typeface="Courier New"/>
+              </a:rPr>
+              <a:t> </a:t>
+            </a:r>
+            <a:r>
+              <a:rPr lang="en-US" sz="1000" dirty="0">
+                <a:solidFill>
+                  <a:srgbClr val="CC7833"/>
+                </a:solidFill>
+                <a:latin typeface="Lucida Console"/>
+                <a:ea typeface="Calibri"/>
+                <a:cs typeface="Courier New"/>
+              </a:rPr>
+              <a:t>= </a:t>
+            </a:r>
+            <a:r>
+              <a:rPr lang="en-US" sz="1000" dirty="0">
+                <a:solidFill>
+                  <a:srgbClr val="DA4939"/>
+                </a:solidFill>
+                <a:latin typeface="Lucida Console"/>
+                <a:ea typeface="Calibri"/>
+                <a:cs typeface="Courier New"/>
+              </a:rPr>
+              <a:t>ADIWG</a:t>
+            </a:r>
+            <a:r>
+              <a:rPr lang="en-US" sz="1000" dirty="0">
+                <a:solidFill>
+                  <a:srgbClr val="A9B7C6"/>
+                </a:solidFill>
+                <a:latin typeface="Lucida Console"/>
+                <a:ea typeface="Calibri"/>
+                <a:cs typeface="Courier New"/>
+              </a:rPr>
+              <a:t>::</a:t>
+            </a:r>
+            <a:r>
+              <a:rPr lang="en-US" sz="1000" dirty="0" err="1">
+                <a:solidFill>
+                  <a:srgbClr val="DA4939"/>
+                </a:solidFill>
+                <a:latin typeface="Lucida Console"/>
+                <a:ea typeface="Calibri"/>
+                <a:cs typeface="Courier New"/>
+              </a:rPr>
+              <a:t>Mdtranslator</a:t>
+            </a:r>
+            <a:r>
+              <a:rPr lang="en-US" sz="1000" dirty="0" err="1">
+                <a:solidFill>
+                  <a:srgbClr val="A9B7C6"/>
+                </a:solidFill>
+                <a:latin typeface="Lucida Console"/>
+                <a:ea typeface="Calibri"/>
+                <a:cs typeface="Courier New"/>
+              </a:rPr>
+              <a:t>.</a:t>
+            </a:r>
+            <a:r>
+              <a:rPr lang="en-US" sz="1000" dirty="0" err="1">
+                <a:solidFill>
+                  <a:srgbClr val="DA4939"/>
+                </a:solidFill>
+                <a:latin typeface="Lucida Console"/>
+                <a:ea typeface="Calibri"/>
+                <a:cs typeface="Courier New"/>
+              </a:rPr>
+              <a:t>translate</a:t>
+            </a:r>
+            <a:r>
+              <a:rPr lang="en-US" sz="1000" dirty="0">
+                <a:solidFill>
+                  <a:srgbClr val="A9B7C6"/>
+                </a:solidFill>
+                <a:latin typeface="Lucida Console"/>
+                <a:ea typeface="Calibri"/>
+                <a:cs typeface="Courier New"/>
+              </a:rPr>
+              <a:t>(</a:t>
+            </a:r>
+            <a:br>
+              <a:rPr lang="en-US" sz="1000" dirty="0">
+                <a:solidFill>
+                  <a:srgbClr val="A9B7C6"/>
+                </a:solidFill>
+                <a:latin typeface="Lucida Console"/>
+                <a:ea typeface="Calibri"/>
+                <a:cs typeface="Courier New"/>
+              </a:rPr>
+            </a:br>
+            <a:r>
+              <a:rPr lang="en-US" sz="1000" dirty="0">
+                <a:solidFill>
+                  <a:srgbClr val="A9B7C6"/>
+                </a:solidFill>
+                <a:latin typeface="Lucida Console"/>
+                <a:ea typeface="Calibri"/>
+                <a:cs typeface="Courier New"/>
+              </a:rPr>
+              <a:t>        </a:t>
+            </a:r>
+            <a:r>
+              <a:rPr lang="en-US" sz="1000" dirty="0">
+                <a:solidFill>
+                  <a:srgbClr val="6E9CBE"/>
+                </a:solidFill>
+                <a:latin typeface="Lucida Console"/>
+                <a:ea typeface="Calibri"/>
+                <a:cs typeface="Courier New"/>
+              </a:rPr>
+              <a:t>file</a:t>
+            </a:r>
+            <a:r>
+              <a:rPr lang="en-US" sz="1000" dirty="0">
+                <a:solidFill>
+                  <a:srgbClr val="A9B7C6"/>
+                </a:solidFill>
+                <a:latin typeface="Lucida Console"/>
+                <a:ea typeface="Calibri"/>
+                <a:cs typeface="Courier New"/>
+              </a:rPr>
+              <a:t>: </a:t>
+            </a:r>
+            <a:r>
+              <a:rPr lang="en-US" sz="1000" b="1" dirty="0" err="1">
+                <a:solidFill>
+                  <a:srgbClr val="0096DF"/>
+                </a:solidFill>
+                <a:latin typeface="Lucida Console"/>
+                <a:ea typeface="Calibri"/>
+                <a:cs typeface="Courier New"/>
+              </a:rPr>
+              <a:t>fileObj</a:t>
+            </a:r>
+            <a:r>
+              <a:rPr lang="en-US" sz="1000" dirty="0">
+                <a:solidFill>
+                  <a:srgbClr val="CC7832"/>
+                </a:solidFill>
+                <a:latin typeface="Lucida Console"/>
+                <a:ea typeface="Calibri"/>
+                <a:cs typeface="Courier New"/>
+              </a:rPr>
+              <a:t>, </a:t>
+            </a:r>
+            <a:r>
+              <a:rPr lang="en-US" sz="1000" dirty="0">
+                <a:solidFill>
+                  <a:srgbClr val="6E9CBE"/>
+                </a:solidFill>
+                <a:latin typeface="Lucida Console"/>
+                <a:ea typeface="Calibri"/>
+                <a:cs typeface="Courier New"/>
+              </a:rPr>
+              <a:t>reader</a:t>
+            </a:r>
+            <a:r>
+              <a:rPr lang="en-US" sz="1000" dirty="0">
+                <a:solidFill>
+                  <a:srgbClr val="A9B7C6"/>
+                </a:solidFill>
+                <a:latin typeface="Lucida Console"/>
+                <a:ea typeface="Calibri"/>
+                <a:cs typeface="Courier New"/>
+              </a:rPr>
+              <a:t>: </a:t>
+            </a:r>
+            <a:r>
+              <a:rPr lang="en-US" sz="1000" dirty="0">
+                <a:solidFill>
+                  <a:srgbClr val="A5C25C"/>
+                </a:solidFill>
+                <a:latin typeface="Lucida Console"/>
+                <a:ea typeface="Calibri"/>
+                <a:cs typeface="Courier New"/>
+              </a:rPr>
+              <a:t>'mdJson'</a:t>
+            </a:r>
+            <a:r>
+              <a:rPr lang="en-US" sz="1000" dirty="0">
+                <a:solidFill>
+                  <a:srgbClr val="CC7832"/>
+                </a:solidFill>
+                <a:latin typeface="Lucida Console"/>
+                <a:ea typeface="Calibri"/>
+                <a:cs typeface="Courier New"/>
+              </a:rPr>
+              <a:t>, </a:t>
+            </a:r>
+            <a:r>
+              <a:rPr lang="en-US" sz="1000" dirty="0">
+                <a:solidFill>
+                  <a:srgbClr val="6E9CBE"/>
+                </a:solidFill>
+                <a:latin typeface="Lucida Console"/>
+                <a:ea typeface="Calibri"/>
+                <a:cs typeface="Courier New"/>
+              </a:rPr>
+              <a:t>validate</a:t>
+            </a:r>
+            <a:r>
+              <a:rPr lang="en-US" sz="1000" dirty="0">
+                <a:solidFill>
+                  <a:srgbClr val="A9B7C6"/>
+                </a:solidFill>
+                <a:latin typeface="Lucida Console"/>
+                <a:ea typeface="Calibri"/>
+                <a:cs typeface="Courier New"/>
+              </a:rPr>
+              <a:t>: </a:t>
+            </a:r>
+            <a:r>
+              <a:rPr lang="en-US" sz="1000" dirty="0">
+                <a:solidFill>
+                  <a:srgbClr val="A5C25C"/>
+                </a:solidFill>
+                <a:latin typeface="Lucida Console"/>
+                <a:ea typeface="Calibri"/>
+                <a:cs typeface="Courier New"/>
+              </a:rPr>
+              <a:t>'normal'</a:t>
+            </a:r>
+            <a:r>
+              <a:rPr lang="en-US" sz="1000" dirty="0">
+                <a:solidFill>
+                  <a:srgbClr val="CC7832"/>
+                </a:solidFill>
+                <a:latin typeface="Lucida Console"/>
+                <a:ea typeface="Calibri"/>
+                <a:cs typeface="Courier New"/>
+              </a:rPr>
+              <a:t>,</a:t>
+            </a:r>
+            <a:br>
+              <a:rPr lang="en-US" sz="1000" dirty="0">
+                <a:solidFill>
+                  <a:srgbClr val="CC7832"/>
+                </a:solidFill>
+                <a:latin typeface="Lucida Console"/>
+                <a:ea typeface="Calibri"/>
+                <a:cs typeface="Courier New"/>
+              </a:rPr>
+            </a:br>
+            <a:r>
+              <a:rPr lang="en-US" sz="1000" dirty="0">
+                <a:solidFill>
+                  <a:srgbClr val="CC7832"/>
+                </a:solidFill>
+                <a:latin typeface="Lucida Console"/>
+                <a:ea typeface="Calibri"/>
+                <a:cs typeface="Courier New"/>
+              </a:rPr>
+              <a:t>        </a:t>
+            </a:r>
+            <a:r>
+              <a:rPr lang="en-US" sz="1000" dirty="0">
+                <a:solidFill>
+                  <a:srgbClr val="6E9CBE"/>
+                </a:solidFill>
+                <a:latin typeface="Lucida Console"/>
+                <a:ea typeface="Calibri"/>
+                <a:cs typeface="Courier New"/>
+              </a:rPr>
+              <a:t>writer</a:t>
+            </a:r>
+            <a:r>
+              <a:rPr lang="en-US" sz="1000" dirty="0">
+                <a:solidFill>
+                  <a:srgbClr val="A9B7C6"/>
+                </a:solidFill>
+                <a:latin typeface="Lucida Console"/>
+                <a:ea typeface="Calibri"/>
+                <a:cs typeface="Courier New"/>
+              </a:rPr>
+              <a:t>: </a:t>
+            </a:r>
+            <a:r>
+              <a:rPr lang="en-US" sz="1000" dirty="0">
+                <a:solidFill>
+                  <a:srgbClr val="A5C25C"/>
+                </a:solidFill>
+                <a:latin typeface="Lucida Console"/>
+                <a:ea typeface="Calibri"/>
+                <a:cs typeface="Courier New"/>
+              </a:rPr>
+              <a:t>'iso19115_2'</a:t>
+            </a:r>
+            <a:r>
+              <a:rPr lang="en-US" sz="1000" dirty="0">
+                <a:solidFill>
+                  <a:srgbClr val="CC7832"/>
+                </a:solidFill>
+                <a:latin typeface="Lucida Console"/>
+                <a:ea typeface="Calibri"/>
+                <a:cs typeface="Courier New"/>
+              </a:rPr>
+              <a:t>, </a:t>
+            </a:r>
+            <a:r>
+              <a:rPr lang="en-US" sz="1000" dirty="0" err="1">
+                <a:solidFill>
+                  <a:srgbClr val="6E9CBE"/>
+                </a:solidFill>
+                <a:latin typeface="Lucida Console"/>
+                <a:ea typeface="Calibri"/>
+                <a:cs typeface="Courier New"/>
+              </a:rPr>
+              <a:t>showAllTags</a:t>
+            </a:r>
+            <a:r>
+              <a:rPr lang="en-US" sz="1000" dirty="0">
+                <a:solidFill>
+                  <a:srgbClr val="A9B7C6"/>
+                </a:solidFill>
+                <a:latin typeface="Lucida Console"/>
+                <a:ea typeface="Calibri"/>
+                <a:cs typeface="Courier New"/>
+              </a:rPr>
+              <a:t>: </a:t>
+            </a:r>
+            <a:r>
+              <a:rPr lang="en-US" sz="1000" dirty="0">
+                <a:solidFill>
+                  <a:srgbClr val="CC7833"/>
+                </a:solidFill>
+                <a:latin typeface="Lucida Console"/>
+                <a:ea typeface="Calibri"/>
+                <a:cs typeface="Courier New"/>
+              </a:rPr>
+              <a:t>false</a:t>
+            </a:r>
+            <a:r>
+              <a:rPr lang="en-US" sz="1000" dirty="0">
+                <a:solidFill>
+                  <a:srgbClr val="A9B7C6"/>
+                </a:solidFill>
+                <a:latin typeface="Lucida Console"/>
+                <a:ea typeface="Calibri"/>
+                <a:cs typeface="Courier New"/>
+              </a:rPr>
+              <a:t>)</a:t>
+            </a:r>
+            <a:br>
+              <a:rPr lang="en-US" sz="1000" dirty="0">
+                <a:solidFill>
+                  <a:srgbClr val="A9B7C6"/>
+                </a:solidFill>
+                <a:latin typeface="Lucida Console"/>
+                <a:ea typeface="Calibri"/>
+                <a:cs typeface="Courier New"/>
+              </a:rPr>
+            </a:br>
+            <a:r>
+              <a:rPr lang="en-US" sz="1000" dirty="0">
+                <a:solidFill>
+                  <a:srgbClr val="A9B7C6"/>
+                </a:solidFill>
+                <a:latin typeface="Lucida Console"/>
+                <a:ea typeface="Calibri"/>
+                <a:cs typeface="Courier New"/>
+              </a:rPr>
+              <a:t/>
+            </a:r>
+            <a:br>
+              <a:rPr lang="en-US" sz="1000" dirty="0">
+                <a:solidFill>
+                  <a:srgbClr val="A9B7C6"/>
+                </a:solidFill>
+                <a:latin typeface="Lucida Console"/>
+                <a:ea typeface="Calibri"/>
+                <a:cs typeface="Courier New"/>
+              </a:rPr>
+            </a:br>
+            <a:r>
+              <a:rPr lang="en-US" sz="1000" dirty="0">
+                <a:solidFill>
+                  <a:srgbClr val="A9B7C6"/>
+                </a:solidFill>
+                <a:latin typeface="Lucida Console"/>
+                <a:ea typeface="Calibri"/>
+                <a:cs typeface="Courier New"/>
+              </a:rPr>
+              <a:t>    </a:t>
+            </a:r>
+            <a:r>
+              <a:rPr lang="en-US" sz="1000" dirty="0">
+                <a:solidFill>
+                  <a:srgbClr val="DA4939"/>
+                </a:solidFill>
+                <a:latin typeface="Lucida Console"/>
+                <a:ea typeface="Calibri"/>
+                <a:cs typeface="Courier New"/>
+              </a:rPr>
+              <a:t>render </a:t>
+            </a:r>
+            <a:r>
+              <a:rPr lang="en-US" sz="1000" dirty="0">
+                <a:solidFill>
+                  <a:srgbClr val="6E9CBE"/>
+                </a:solidFill>
+                <a:latin typeface="Lucida Console"/>
+                <a:ea typeface="Calibri"/>
+                <a:cs typeface="Courier New"/>
+              </a:rPr>
+              <a:t>xml</a:t>
+            </a:r>
+            <a:r>
+              <a:rPr lang="en-US" sz="1000" dirty="0">
+                <a:solidFill>
+                  <a:srgbClr val="A9B7C6"/>
+                </a:solidFill>
+                <a:latin typeface="Lucida Console"/>
+                <a:ea typeface="Calibri"/>
+                <a:cs typeface="Courier New"/>
+              </a:rPr>
+              <a:t>: </a:t>
+            </a:r>
+            <a:r>
+              <a:rPr lang="en-US" sz="1000" dirty="0">
+                <a:solidFill>
+                  <a:srgbClr val="D0D0FF"/>
+                </a:solidFill>
+                <a:latin typeface="Lucida Console"/>
+                <a:ea typeface="Calibri"/>
+                <a:cs typeface="Courier New"/>
+              </a:rPr>
+              <a:t>@</a:t>
+            </a:r>
+            <a:r>
+              <a:rPr lang="en-US" sz="1000" dirty="0" err="1">
+                <a:solidFill>
+                  <a:srgbClr val="D0D0FF"/>
+                </a:solidFill>
+                <a:latin typeface="Lucida Console"/>
+                <a:ea typeface="Calibri"/>
+                <a:cs typeface="Courier New"/>
+              </a:rPr>
+              <a:t>mdReturn</a:t>
+            </a:r>
+            <a:r>
+              <a:rPr lang="en-US" sz="1000" dirty="0">
+                <a:solidFill>
+                  <a:srgbClr val="A9B7C6"/>
+                </a:solidFill>
+                <a:latin typeface="Lucida Console"/>
+                <a:ea typeface="Calibri"/>
+                <a:cs typeface="Courier New"/>
+              </a:rPr>
+              <a:t>[</a:t>
+            </a:r>
+            <a:r>
+              <a:rPr lang="en-US" sz="1000" dirty="0">
+                <a:solidFill>
+                  <a:srgbClr val="6E9CBE"/>
+                </a:solidFill>
+                <a:latin typeface="Lucida Console"/>
+                <a:ea typeface="Calibri"/>
+                <a:cs typeface="Courier New"/>
+              </a:rPr>
+              <a:t>:</a:t>
+            </a:r>
+            <a:r>
+              <a:rPr lang="en-US" sz="1000" dirty="0" err="1">
+                <a:solidFill>
+                  <a:srgbClr val="6E9CBE"/>
+                </a:solidFill>
+                <a:latin typeface="Lucida Console"/>
+                <a:ea typeface="Calibri"/>
+                <a:cs typeface="Courier New"/>
+              </a:rPr>
+              <a:t>writerOutput</a:t>
+            </a:r>
+            <a:r>
+              <a:rPr lang="en-US" sz="1000" dirty="0">
+                <a:solidFill>
+                  <a:srgbClr val="A9B7C6"/>
+                </a:solidFill>
+                <a:latin typeface="Lucida Console"/>
+                <a:ea typeface="Calibri"/>
+                <a:cs typeface="Courier New"/>
+              </a:rPr>
+              <a:t>]</a:t>
+            </a:r>
+            <a:br>
+              <a:rPr lang="en-US" sz="1000" dirty="0">
+                <a:solidFill>
+                  <a:srgbClr val="A9B7C6"/>
+                </a:solidFill>
+                <a:latin typeface="Lucida Console"/>
+                <a:ea typeface="Calibri"/>
+                <a:cs typeface="Courier New"/>
+              </a:rPr>
+            </a:br>
+            <a:r>
+              <a:rPr lang="en-US" sz="1000" dirty="0">
+                <a:solidFill>
+                  <a:srgbClr val="A9B7C6"/>
+                </a:solidFill>
+                <a:latin typeface="Lucida Console"/>
+                <a:ea typeface="Calibri"/>
+                <a:cs typeface="Courier New"/>
+              </a:rPr>
+              <a:t/>
+            </a:r>
+            <a:br>
+              <a:rPr lang="en-US" sz="1000" dirty="0">
+                <a:solidFill>
+                  <a:srgbClr val="A9B7C6"/>
+                </a:solidFill>
+                <a:latin typeface="Lucida Console"/>
+                <a:ea typeface="Calibri"/>
+                <a:cs typeface="Courier New"/>
+              </a:rPr>
+            </a:br>
+            <a:r>
+              <a:rPr lang="en-US" sz="1000" dirty="0" smtClean="0">
+                <a:solidFill>
+                  <a:srgbClr val="CC7833"/>
+                </a:solidFill>
+                <a:latin typeface="Lucida Console"/>
+                <a:ea typeface="Calibri"/>
+                <a:cs typeface="Courier New"/>
+              </a:rPr>
+              <a:t>end</a:t>
+            </a:r>
+            <a:endParaRPr lang="en-US" sz="1000" dirty="0">
+              <a:latin typeface="Calibri"/>
+              <a:ea typeface="Calibri"/>
+              <a:cs typeface="Times New Roman"/>
+            </a:endParaRPr>
+          </a:p>
+        </p:txBody>
+      </p:sp>
+    </p:spTree>
+    <p:extLst>
+      <p:ext uri="{BB962C8B-B14F-4D97-AF65-F5344CB8AC3E}">
+        <p14:creationId xmlns:p14="http://schemas.microsoft.com/office/powerpoint/2010/main" val="2562207676"/>
+      </p:ext>
+    </p:extLst>
+  </p:cSld>
+  <p:clrMapOvr>
+    <a:masterClrMapping/>
+  </p:clrMapOvr>
+  <p:timing>
+    <p:tnLst>
+      <p:par>
+        <p:cTn id="1" dur="indefinite" restart="never" nodeType="tmRoot"/>
+      </p:par>
+    </p:tnLst>
+  </p:timing>
+</p:sld>
+</file>
+
+<file path=ppt/slides/slide16.xml><?xml version="1.0" encoding="utf-8"?>
+<p:sld xmlns:a="http://schemas.openxmlformats.org/drawingml/2006/main" xmlns:r="http://schemas.openxmlformats.org/officeDocument/2006/relationships" xmlns:p="http://schemas.openxmlformats.org/presentationml/2006/main">
+  <p:cSld>
+    <p:spTree>
+      <p:nvGrpSpPr>
+        <p:cNvPr id="1" name=""/>
+        <p:cNvGrpSpPr/>
+        <p:nvPr/>
+      </p:nvGrpSpPr>
+      <p:grpSpPr>
+        <a:xfrm>
+          <a:off x="0" y="0"/>
+          <a:ext cx="0" cy="0"/>
+          <a:chOff x="0" y="0"/>
+          <a:chExt cx="0" cy="0"/>
+        </a:xfrm>
+      </p:grpSpPr>
+      <p:sp>
+        <p:nvSpPr>
+          <p:cNvPr id="2" name="Title 1"/>
+          <p:cNvSpPr>
+            <a:spLocks noGrp="1"/>
+          </p:cNvSpPr>
+          <p:nvPr>
+            <p:ph type="title"/>
+          </p:nvPr>
+        </p:nvSpPr>
+        <p:spPr/>
+        <p:txBody>
+          <a:bodyPr/>
+          <a:lstStyle/>
+          <a:p>
+            <a:r>
+              <a:rPr lang="en-US" dirty="0"/>
+              <a:t>mdTranslator on Rails </a:t>
+            </a:r>
+            <a:r>
+              <a:rPr lang="en-US" dirty="0" smtClean="0"/>
+              <a:t>13</a:t>
+            </a:r>
+            <a:endParaRPr lang="en-US" dirty="0"/>
+          </a:p>
+        </p:txBody>
+      </p:sp>
+      <p:sp>
+        <p:nvSpPr>
+          <p:cNvPr id="3" name="Content Placeholder 2"/>
+          <p:cNvSpPr>
+            <a:spLocks noGrp="1"/>
+          </p:cNvSpPr>
+          <p:nvPr>
+            <p:ph idx="1"/>
+          </p:nvPr>
+        </p:nvSpPr>
+        <p:spPr>
+          <a:xfrm>
+            <a:off x="457200" y="1600201"/>
+            <a:ext cx="2819400" cy="3886200"/>
+          </a:xfrm>
+        </p:spPr>
+        <p:txBody>
+          <a:bodyPr vert="horz" lIns="91440" tIns="45720" rIns="91440" bIns="45720" rtlCol="0">
+            <a:normAutofit/>
+          </a:bodyPr>
+          <a:lstStyle/>
+          <a:p>
+            <a:pPr marL="457200" indent="-457200">
+              <a:buFont typeface="+mj-lt"/>
+              <a:buAutoNum type="arabicPeriod" startAt="18"/>
+            </a:pPr>
+            <a:r>
+              <a:rPr lang="en-US" sz="1800" dirty="0"/>
+              <a:t>After the server </a:t>
+            </a:r>
+            <a:r>
+              <a:rPr lang="en-US" sz="1800" dirty="0" smtClean="0"/>
+              <a:t/>
+            </a:r>
+            <a:br>
+              <a:rPr lang="en-US" sz="1800" dirty="0" smtClean="0"/>
+            </a:br>
+            <a:r>
+              <a:rPr lang="en-US" sz="1800" dirty="0" smtClean="0"/>
+              <a:t>restarts, </a:t>
+            </a:r>
+            <a:r>
+              <a:rPr lang="en-US" sz="1800" dirty="0"/>
+              <a:t>navigate </a:t>
+            </a:r>
+            <a:r>
+              <a:rPr lang="en-US" sz="1800" dirty="0" smtClean="0"/>
+              <a:t/>
+            </a:r>
+            <a:br>
+              <a:rPr lang="en-US" sz="1800" dirty="0" smtClean="0"/>
+            </a:br>
+            <a:r>
+              <a:rPr lang="en-US" sz="1800" dirty="0" smtClean="0"/>
+              <a:t>to </a:t>
+            </a:r>
+            <a:r>
+              <a:rPr lang="en-US" sz="1800" dirty="0"/>
+              <a:t>the website root </a:t>
+            </a:r>
+            <a:r>
+              <a:rPr lang="en-US" sz="1800" dirty="0" smtClean="0"/>
+              <a:t/>
+            </a:r>
+            <a:br>
+              <a:rPr lang="en-US" sz="1800" dirty="0" smtClean="0"/>
+            </a:br>
+            <a:r>
+              <a:rPr lang="en-US" sz="1800" dirty="0" smtClean="0"/>
+              <a:t>and </a:t>
+            </a:r>
+            <a:r>
+              <a:rPr lang="en-US" sz="1800" dirty="0"/>
+              <a:t>enter some </a:t>
+            </a:r>
+            <a:r>
+              <a:rPr lang="en-US" sz="1800" dirty="0" smtClean="0"/>
+              <a:t/>
+            </a:r>
+            <a:br>
+              <a:rPr lang="en-US" sz="1800" dirty="0" smtClean="0"/>
+            </a:br>
+            <a:r>
+              <a:rPr lang="en-US" sz="1800" dirty="0" smtClean="0"/>
+              <a:t>valid </a:t>
+            </a:r>
+            <a:r>
+              <a:rPr lang="en-US" sz="1800" dirty="0"/>
+              <a:t>mdJson. </a:t>
+            </a:r>
+          </a:p>
+          <a:p>
+            <a:pPr marL="457200" indent="-457200">
+              <a:buFont typeface="+mj-lt"/>
+              <a:buAutoNum type="arabicPeriod" startAt="18"/>
+            </a:pPr>
+            <a:endParaRPr lang="en-US" sz="1800" dirty="0"/>
+          </a:p>
+        </p:txBody>
+      </p:sp>
+      <p:sp>
+        <p:nvSpPr>
+          <p:cNvPr id="4" name="Date Placeholder 3"/>
+          <p:cNvSpPr>
+            <a:spLocks noGrp="1"/>
+          </p:cNvSpPr>
+          <p:nvPr>
+            <p:ph type="dt" sz="half" idx="10"/>
+          </p:nvPr>
+        </p:nvSpPr>
+        <p:spPr/>
+        <p:txBody>
+          <a:bodyPr/>
+          <a:lstStyle/>
+          <a:p>
+            <a:pPr>
+              <a:defRPr/>
+            </a:pPr>
+            <a:fld id="{6C3DD7D0-7E54-4926-8269-92427B4182BC}" type="datetime1">
+              <a:rPr lang="en-US" smtClean="0">
+                <a:solidFill>
+                  <a:srgbClr val="04617B">
+                    <a:shade val="90000"/>
+                  </a:srgbClr>
+                </a:solidFill>
+              </a:rPr>
+              <a:t>5/8/2015</a:t>
+            </a:fld>
+            <a:endParaRPr lang="en-US" dirty="0">
+              <a:solidFill>
+                <a:srgbClr val="04617B">
+                  <a:shade val="90000"/>
+                </a:srgbClr>
+              </a:solidFill>
+            </a:endParaRPr>
+          </a:p>
+        </p:txBody>
+      </p:sp>
+      <p:sp>
+        <p:nvSpPr>
+          <p:cNvPr id="5" name="Footer Placeholder 4"/>
+          <p:cNvSpPr>
+            <a:spLocks noGrp="1"/>
+          </p:cNvSpPr>
+          <p:nvPr>
+            <p:ph type="ftr" sz="quarter" idx="11"/>
+          </p:nvPr>
+        </p:nvSpPr>
+        <p:spPr/>
+        <p:txBody>
+          <a:bodyPr/>
+          <a:lstStyle/>
+          <a:p>
+            <a:pPr>
+              <a:defRPr/>
+            </a:pPr>
+            <a:r>
+              <a:rPr lang="en-US" smtClean="0">
+                <a:solidFill>
+                  <a:srgbClr val="04617B">
+                    <a:shade val="90000"/>
+                  </a:srgbClr>
+                </a:solidFill>
+              </a:rPr>
+              <a:t>www.adiwg.org</a:t>
+            </a:r>
+            <a:endParaRPr lang="en-US" dirty="0" smtClean="0">
+              <a:solidFill>
+                <a:srgbClr val="04617B">
+                  <a:shade val="90000"/>
+                </a:srgbClr>
+              </a:solidFill>
+            </a:endParaRPr>
+          </a:p>
+        </p:txBody>
+      </p:sp>
+      <p:sp>
+        <p:nvSpPr>
+          <p:cNvPr id="6" name="Slide Number Placeholder 5"/>
+          <p:cNvSpPr>
+            <a:spLocks noGrp="1"/>
+          </p:cNvSpPr>
+          <p:nvPr>
+            <p:ph type="sldNum" sz="quarter" idx="12"/>
+          </p:nvPr>
+        </p:nvSpPr>
+        <p:spPr/>
+        <p:txBody>
+          <a:bodyPr/>
+          <a:lstStyle/>
+          <a:p>
+            <a:pPr>
+              <a:defRPr/>
+            </a:pPr>
+            <a:fld id="{D96B19B3-FA35-4262-952F-7D873B09162D}" type="slidenum">
+              <a:rPr lang="en-US" smtClean="0">
+                <a:solidFill>
+                  <a:srgbClr val="04617B">
+                    <a:shade val="90000"/>
+                  </a:srgbClr>
+                </a:solidFill>
+              </a:rPr>
+              <a:pPr>
+                <a:defRPr/>
+              </a:pPr>
+              <a:t>16</a:t>
+            </a:fld>
+            <a:endParaRPr lang="en-US" dirty="0">
+              <a:solidFill>
+                <a:srgbClr val="04617B">
+                  <a:shade val="90000"/>
+                </a:srgbClr>
+              </a:solidFill>
+            </a:endParaRPr>
+          </a:p>
+        </p:txBody>
+      </p:sp>
       <p:pic>
         <p:nvPicPr>
           <p:cNvPr id="7" name="Picture 6"/>
@@ -15634,7 +16115,7 @@
           <p:nvPr/>
         </p:nvPicPr>
         <p:blipFill>
-          <a:blip r:embed="rId2"/>
+          <a:blip r:embed="rId3"/>
           <a:stretch>
             <a:fillRect/>
           </a:stretch>
@@ -15679,7 +16160,7 @@
 </p:sld>
 </file>
 
-<file path=ppt/slides/slide16.xml><?xml version="1.0" encoding="utf-8"?>
+<file path=ppt/slides/slide17.xml><?xml version="1.0" encoding="utf-8"?>
 <p:sld xmlns:a="http://schemas.openxmlformats.org/drawingml/2006/main" xmlns:r="http://schemas.openxmlformats.org/officeDocument/2006/relationships" xmlns:p="http://schemas.openxmlformats.org/presentationml/2006/main">
   <p:cSld>
     <p:spTree>
@@ -15861,7 +16342,7 @@
               <a:pPr>
                 <a:defRPr/>
               </a:pPr>
-              <a:t>16</a:t>
+              <a:t>17</a:t>
             </a:fld>
             <a:endParaRPr lang="en-US" dirty="0">
               <a:solidFill>
@@ -15880,7 +16361,7 @@
           <p:nvPr/>
         </p:nvPicPr>
         <p:blipFill>
-          <a:blip r:embed="rId2"/>
+          <a:blip r:embed="rId3"/>
           <a:stretch>
             <a:fillRect/>
           </a:stretch>
@@ -15925,7 +16406,7 @@
 </p:sld>
 </file>
 
-<file path=ppt/slides/slide17.xml><?xml version="1.0" encoding="utf-8"?>
+<file path=ppt/slides/slide18.xml><?xml version="1.0" encoding="utf-8"?>
 <p:sld xmlns:a="http://schemas.openxmlformats.org/drawingml/2006/main" xmlns:r="http://schemas.openxmlformats.org/officeDocument/2006/relationships" xmlns:p="http://schemas.openxmlformats.org/presentationml/2006/main">
   <p:cSld>
     <p:spTree>
@@ -16110,7 +16591,7 @@
               <a:pPr>
                 <a:defRPr/>
               </a:pPr>
-              <a:t>17</a:t>
+              <a:t>18</a:t>
             </a:fld>
             <a:endParaRPr lang="en-US" dirty="0">
               <a:solidFill>
@@ -16142,7 +16623,7 @@
 </p:sld>
 </file>
 
-<file path=ppt/slides/slide18.xml><?xml version="1.0" encoding="utf-8"?>
+<file path=ppt/slides/slide19.xml><?xml version="1.0" encoding="utf-8"?>
 <p:sld xmlns:a="http://schemas.openxmlformats.org/drawingml/2006/main" xmlns:r="http://schemas.openxmlformats.org/officeDocument/2006/relationships" xmlns:p="http://schemas.openxmlformats.org/presentationml/2006/main">
   <p:cSld>
     <p:spTree>
@@ -16268,7 +16749,7 @@
           <a:p>
             <a:fld id="{521E745E-8DCD-4372-A04E-1A39D68E2162}" type="slidenum">
               <a:rPr lang="en-US" smtClean="0"/>
-              <a:t>18</a:t>
+              <a:t>19</a:t>
             </a:fld>
             <a:endParaRPr lang="en-US" dirty="0"/>
           </a:p>
@@ -16430,15 +16911,7 @@
             </a:pPr>
             <a:r>
               <a:rPr lang="en-US" sz="1800" dirty="0" smtClean="0"/>
-              <a:t>Generate the new rails </a:t>
-            </a:r>
-            <a:r>
-              <a:rPr lang="en-US" sz="1800" dirty="0" smtClean="0"/>
-              <a:t>application.  </a:t>
-            </a:r>
-            <a:r>
-              <a:rPr lang="en-US" sz="1800" dirty="0" smtClean="0"/>
-              <a:t/>
+              <a:t>Generate the new rails application.  </a:t>
             </a:r>
             <a:br>
               <a:rPr lang="en-US" sz="1800" dirty="0" smtClean="0"/>
@@ -16776,15 +17249,16 @@
               <a:t>that Rails generated for you …  </a:t>
             </a:r>
             <a:r>
-              <a:rPr lang="en-US" sz="1800" dirty="0">
+              <a:rPr lang="en-US" sz="1800" dirty="0" smtClean="0">
                 <a:hlinkClick r:id="rId2"/>
               </a:rPr>
-              <a:t>http://localhost/translate/index</a:t>
-            </a:r>
-            <a:r>
-              <a:rPr lang="en-US" sz="1800" dirty="0"/>
+              <a:t>http://localhost:3000/translate/index</a:t>
+            </a:r>
+            <a:r>
+              <a:rPr lang="en-US" sz="1800" dirty="0" smtClean="0"/>
               <a:t>  </a:t>
             </a:r>
+            <a:endParaRPr lang="en-US" sz="1800" dirty="0"/>
           </a:p>
           <a:p>
             <a:pPr>
@@ -16996,12 +17470,8 @@
           <a:lstStyle/>
           <a:p>
             <a:r>
-              <a:rPr lang="en-US" dirty="0"/>
-              <a:t>mdTranslator on Rails </a:t>
-            </a:r>
-            <a:r>
               <a:rPr lang="en-US" dirty="0" smtClean="0"/>
-              <a:t>3</a:t>
+              <a:t>or maybe not!</a:t>
             </a:r>
             <a:endParaRPr lang="en-US" dirty="0"/>
           </a:p>
@@ -17024,48 +17494,38 @@
           </a:bodyPr>
           <a:lstStyle/>
           <a:p>
-            <a:pPr>
-              <a:buFont typeface="+mj-lt"/>
-              <a:buAutoNum type="arabicPeriod" startAt="7"/>
-            </a:pPr>
+            <a:r>
+              <a:rPr lang="en-US" sz="1800" dirty="0"/>
+              <a:t>Found trouble </a:t>
+            </a:r>
             <a:r>
               <a:rPr lang="en-US" sz="1800" dirty="0" smtClean="0"/>
-              <a:t>Next set </a:t>
+              <a:t>on some </a:t>
             </a:r>
             <a:r>
               <a:rPr lang="en-US" sz="1800" dirty="0"/>
-              <a:t>the </a:t>
+              <a:t>Windows </a:t>
             </a:r>
             <a:r>
               <a:rPr lang="en-US" sz="1800" dirty="0" smtClean="0"/>
-              <a:t>‘index’ </a:t>
-            </a:r>
-            <a:r>
-              <a:rPr lang="en-US" sz="1800" dirty="0"/>
-              <a:t>page as the default page for </a:t>
-            </a:r>
+              <a:t>installations – not sure of cause</a:t>
+            </a:r>
+          </a:p>
+          <a:p>
             <a:r>
               <a:rPr lang="en-US" sz="1800" dirty="0" smtClean="0"/>
-              <a:t>the website</a:t>
-            </a:r>
-            <a:r>
-              <a:rPr lang="en-US" sz="1800" dirty="0"/>
-              <a:t>.  </a:t>
-            </a:r>
-            <a:r>
-              <a:rPr lang="en-US" sz="1800" dirty="0" smtClean="0"/>
-              <a:t/>
+              <a:t>In file</a:t>
             </a:r>
             <a:br>
               <a:rPr lang="en-US" sz="1800" dirty="0" smtClean="0"/>
             </a:br>
             <a:r>
-              <a:rPr lang="en-US" sz="1800" dirty="0" smtClean="0"/>
-              <a:t>In </a:t>
-            </a:r>
-            <a:r>
-              <a:rPr lang="en-US" sz="1800" dirty="0"/>
-              <a:t>the </a:t>
+              <a:rPr lang="en-US" sz="1800" i="1" dirty="0" smtClean="0"/>
+              <a:t>…/app/views/layouts/</a:t>
+            </a:r>
+            <a:r>
+              <a:rPr lang="en-US" sz="1800" i="1" dirty="0" err="1" smtClean="0"/>
+              <a:t>application.html.erb</a:t>
             </a:r>
             <a:r>
               <a:rPr lang="en-US" sz="1800" dirty="0" smtClean="0"/>
@@ -17075,48 +17535,46 @@
               <a:rPr lang="en-US" sz="1800" dirty="0" smtClean="0"/>
             </a:br>
             <a:r>
-              <a:rPr lang="en-US" sz="1800" i="1" dirty="0" smtClean="0"/>
-              <a:t>.../</a:t>
-            </a:r>
-            <a:r>
-              <a:rPr lang="en-US" sz="1800" i="1" dirty="0" err="1" smtClean="0"/>
-              <a:t>config</a:t>
-            </a:r>
-            <a:r>
-              <a:rPr lang="en-US" sz="1800" i="1" dirty="0" smtClean="0"/>
-              <a:t>/</a:t>
-            </a:r>
-            <a:r>
-              <a:rPr lang="en-US" sz="1800" i="1" dirty="0" err="1" smtClean="0"/>
-              <a:t>routes.rb</a:t>
-            </a:r>
-            <a:r>
-              <a:rPr lang="en-US" sz="1800" i="1" dirty="0" smtClean="0"/>
-              <a:t> </a:t>
-            </a:r>
-            <a:r>
               <a:rPr lang="en-US" sz="1800" dirty="0" smtClean="0"/>
-              <a:t/>
-            </a:r>
-            <a:br>
+              <a:t>comment out the line calling the </a:t>
+            </a:r>
+            <a:r>
+              <a:rPr lang="en-US" sz="1800" dirty="0" err="1" smtClean="0"/>
+              <a:t>javascript_include_tag</a:t>
+            </a:r>
+            <a:r>
               <a:rPr lang="en-US" sz="1800" dirty="0" smtClean="0"/>
-            </a:br>
+              <a:t> so it looks like this:</a:t>
+            </a:r>
+          </a:p>
+          <a:p>
+            <a:endParaRPr lang="en-US" sz="1800" dirty="0"/>
+          </a:p>
+          <a:p>
+            <a:endParaRPr lang="en-US" sz="1800" dirty="0" smtClean="0"/>
+          </a:p>
+          <a:p>
+            <a:endParaRPr lang="en-US" sz="1800" dirty="0"/>
+          </a:p>
+          <a:p>
+            <a:endParaRPr lang="en-US" sz="1800" dirty="0" smtClean="0"/>
+          </a:p>
+          <a:p>
+            <a:endParaRPr lang="en-US" sz="1800" dirty="0"/>
+          </a:p>
+          <a:p>
             <a:r>
               <a:rPr lang="en-US" sz="1800" dirty="0" smtClean="0"/>
-              <a:t>file set </a:t>
-            </a:r>
-            <a:r>
-              <a:rPr lang="en-US" sz="1800" dirty="0"/>
-              <a:t>the root to ‘</a:t>
-            </a:r>
-            <a:r>
-              <a:rPr lang="en-US" sz="1800" dirty="0" err="1"/>
-              <a:t>translate#index</a:t>
-            </a:r>
-            <a:r>
-              <a:rPr lang="en-US" sz="1800" dirty="0"/>
-              <a:t>’. </a:t>
-            </a:r>
+              <a:t>This feature preserves head JavaScript from page to page as a means of saving load and compile time.  Not need in this application anyway. </a:t>
+            </a:r>
+            <a:endParaRPr lang="en-US" sz="1800" dirty="0"/>
+          </a:p>
+          <a:p>
+            <a:pPr>
+              <a:buFont typeface="+mj-lt"/>
+              <a:buAutoNum type="alphaLcPeriod"/>
+            </a:pPr>
+            <a:endParaRPr lang="en-US" sz="1800" dirty="0"/>
           </a:p>
         </p:txBody>
       </p:sp>
@@ -17226,6 +17684,587 @@
                 <a:defRPr/>
               </a:pPr>
               <a:t>4</a:t>
+            </a:fld>
+            <a:endParaRPr lang="en-US" dirty="0">
+              <a:solidFill>
+                <a:srgbClr val="04617B">
+                  <a:shade val="90000"/>
+                </a:srgbClr>
+              </a:solidFill>
+            </a:endParaRPr>
+          </a:p>
+        </p:txBody>
+      </p:sp>
+      <p:sp>
+        <p:nvSpPr>
+          <p:cNvPr id="9" name="Rectangle 8"/>
+          <p:cNvSpPr/>
+          <p:nvPr/>
+        </p:nvSpPr>
+        <p:spPr>
+          <a:xfrm>
+            <a:off x="1371600" y="3013202"/>
+            <a:ext cx="6400800" cy="1253998"/>
+          </a:xfrm>
+          <a:prstGeom prst="rect">
+            <a:avLst/>
+          </a:prstGeom>
+        </p:spPr>
+        <p:style>
+          <a:lnRef idx="2">
+            <a:schemeClr val="dk1">
+              <a:shade val="50000"/>
+            </a:schemeClr>
+          </a:lnRef>
+          <a:fillRef idx="1">
+            <a:schemeClr val="dk1"/>
+          </a:fillRef>
+          <a:effectRef idx="0">
+            <a:schemeClr val="dk1"/>
+          </a:effectRef>
+          <a:fontRef idx="minor">
+            <a:schemeClr val="lt1"/>
+          </a:fontRef>
+        </p:style>
+        <p:txBody>
+          <a:bodyPr wrap="square">
+            <a:spAutoFit/>
+          </a:bodyPr>
+          <a:lstStyle/>
+          <a:p>
+            <a:pPr>
+              <a:lnSpc>
+                <a:spcPct val="115000"/>
+              </a:lnSpc>
+            </a:pPr>
+            <a:r>
+              <a:rPr lang="en-US" sz="1100" dirty="0">
+                <a:solidFill>
+                  <a:srgbClr val="E8BF6A"/>
+                </a:solidFill>
+              </a:rPr>
+              <a:t>&lt;head&gt;</a:t>
+            </a:r>
+            <a:br>
+              <a:rPr lang="en-US" sz="1100" dirty="0">
+                <a:solidFill>
+                  <a:srgbClr val="E8BF6A"/>
+                </a:solidFill>
+              </a:rPr>
+            </a:br>
+            <a:r>
+              <a:rPr lang="en-US" sz="1100" dirty="0">
+                <a:solidFill>
+                  <a:srgbClr val="E8BF6A"/>
+                </a:solidFill>
+              </a:rPr>
+              <a:t>  &lt;title&gt;</a:t>
+            </a:r>
+            <a:r>
+              <a:rPr lang="en-US" sz="1100" dirty="0"/>
+              <a:t>mdTranslator API</a:t>
+            </a:r>
+            <a:r>
+              <a:rPr lang="en-US" sz="1100" dirty="0">
+                <a:solidFill>
+                  <a:srgbClr val="E8BF6A"/>
+                </a:solidFill>
+              </a:rPr>
+              <a:t>&lt;/title&gt;</a:t>
+            </a:r>
+            <a:br>
+              <a:rPr lang="en-US" sz="1100" dirty="0">
+                <a:solidFill>
+                  <a:srgbClr val="E8BF6A"/>
+                </a:solidFill>
+              </a:rPr>
+            </a:br>
+            <a:r>
+              <a:rPr lang="en-US" sz="1100" dirty="0">
+                <a:solidFill>
+                  <a:srgbClr val="E8BF6A"/>
+                </a:solidFill>
+              </a:rPr>
+              <a:t>  </a:t>
+            </a:r>
+            <a:r>
+              <a:rPr lang="en-US" sz="1100" dirty="0"/>
+              <a:t>&lt;%= </a:t>
+            </a:r>
+            <a:r>
+              <a:rPr lang="en-US" sz="1100" i="1" dirty="0" err="1">
+                <a:solidFill>
+                  <a:srgbClr val="FFC66D"/>
+                </a:solidFill>
+              </a:rPr>
+              <a:t>stylesheet_link_tag</a:t>
+            </a:r>
+            <a:r>
+              <a:rPr lang="en-US" sz="1100" i="1" dirty="0">
+                <a:solidFill>
+                  <a:srgbClr val="FFC66D"/>
+                </a:solidFill>
+              </a:rPr>
+              <a:t>    </a:t>
+            </a:r>
+            <a:r>
+              <a:rPr lang="en-US" sz="1100" dirty="0">
+                <a:solidFill>
+                  <a:srgbClr val="A5C25C"/>
+                </a:solidFill>
+              </a:rPr>
+              <a:t>'application'</a:t>
+            </a:r>
+            <a:r>
+              <a:rPr lang="en-US" sz="1100" dirty="0">
+                <a:solidFill>
+                  <a:srgbClr val="CC7832"/>
+                </a:solidFill>
+              </a:rPr>
+              <a:t>, </a:t>
+            </a:r>
+            <a:r>
+              <a:rPr lang="en-US" sz="1100" dirty="0">
+                <a:solidFill>
+                  <a:srgbClr val="6E9CBE"/>
+                </a:solidFill>
+              </a:rPr>
+              <a:t>media</a:t>
+            </a:r>
+            <a:r>
+              <a:rPr lang="en-US" sz="1100" dirty="0"/>
+              <a:t>: </a:t>
+            </a:r>
+            <a:r>
+              <a:rPr lang="en-US" sz="1100" dirty="0">
+                <a:solidFill>
+                  <a:srgbClr val="A5C25C"/>
+                </a:solidFill>
+              </a:rPr>
+              <a:t>'all'</a:t>
+            </a:r>
+            <a:r>
+              <a:rPr lang="en-US" sz="1100" dirty="0">
+                <a:solidFill>
+                  <a:srgbClr val="CC7832"/>
+                </a:solidFill>
+              </a:rPr>
+              <a:t>, </a:t>
+            </a:r>
+            <a:r>
+              <a:rPr lang="en-US" sz="1100" dirty="0">
+                <a:solidFill>
+                  <a:srgbClr val="A5C25C"/>
+                </a:solidFill>
+              </a:rPr>
+              <a:t>'data-</a:t>
+            </a:r>
+            <a:r>
+              <a:rPr lang="en-US" sz="1100" dirty="0" err="1">
+                <a:solidFill>
+                  <a:srgbClr val="A5C25C"/>
+                </a:solidFill>
+              </a:rPr>
+              <a:t>turbolinks</a:t>
+            </a:r>
+            <a:r>
+              <a:rPr lang="en-US" sz="1100" dirty="0">
+                <a:solidFill>
+                  <a:srgbClr val="A5C25C"/>
+                </a:solidFill>
+              </a:rPr>
+              <a:t>-track' </a:t>
+            </a:r>
+            <a:r>
+              <a:rPr lang="en-US" sz="1100" i="1" dirty="0">
+                <a:solidFill>
+                  <a:srgbClr val="FFC66D"/>
+                </a:solidFill>
+              </a:rPr>
+              <a:t>=&gt; </a:t>
+            </a:r>
+            <a:r>
+              <a:rPr lang="en-US" sz="1100" dirty="0">
+                <a:solidFill>
+                  <a:srgbClr val="CC7833"/>
+                </a:solidFill>
+              </a:rPr>
+              <a:t>true </a:t>
+            </a:r>
+            <a:r>
+              <a:rPr lang="en-US" sz="1100" dirty="0"/>
+              <a:t>%&gt;</a:t>
+            </a:r>
+            <a:br>
+              <a:rPr lang="en-US" sz="1100" dirty="0"/>
+            </a:br>
+            <a:r>
+              <a:rPr lang="en-US" sz="1100" dirty="0"/>
+              <a:t>  </a:t>
+            </a:r>
+            <a:r>
+              <a:rPr lang="en-US" sz="1100" i="1" dirty="0">
+                <a:solidFill>
+                  <a:srgbClr val="BC9458"/>
+                </a:solidFill>
+              </a:rPr>
+              <a:t>&lt;!-- </a:t>
+            </a:r>
+            <a:r>
+              <a:rPr lang="en-US" sz="1100" i="1" dirty="0" err="1">
+                <a:solidFill>
+                  <a:srgbClr val="BC9458"/>
+                </a:solidFill>
+              </a:rPr>
+              <a:t>javascript_include_tag</a:t>
+            </a:r>
+            <a:r>
+              <a:rPr lang="en-US" sz="1100" i="1" dirty="0">
+                <a:solidFill>
+                  <a:srgbClr val="BC9458"/>
+                </a:solidFill>
+              </a:rPr>
+              <a:t> 'application', 'data-</a:t>
+            </a:r>
+            <a:r>
+              <a:rPr lang="en-US" sz="1100" i="1" dirty="0" err="1">
+                <a:solidFill>
+                  <a:srgbClr val="BC9458"/>
+                </a:solidFill>
+              </a:rPr>
+              <a:t>turbolinks</a:t>
+            </a:r>
+            <a:r>
+              <a:rPr lang="en-US" sz="1100" i="1" dirty="0">
+                <a:solidFill>
+                  <a:srgbClr val="BC9458"/>
+                </a:solidFill>
+              </a:rPr>
+              <a:t>-track' =&gt; true --&gt;</a:t>
+            </a:r>
+            <a:br>
+              <a:rPr lang="en-US" sz="1100" i="1" dirty="0">
+                <a:solidFill>
+                  <a:srgbClr val="BC9458"/>
+                </a:solidFill>
+              </a:rPr>
+            </a:br>
+            <a:r>
+              <a:rPr lang="en-US" sz="1100" i="1" dirty="0">
+                <a:solidFill>
+                  <a:srgbClr val="BC9458"/>
+                </a:solidFill>
+              </a:rPr>
+              <a:t>  </a:t>
+            </a:r>
+            <a:r>
+              <a:rPr lang="en-US" sz="1100" dirty="0"/>
+              <a:t>&lt;%= </a:t>
+            </a:r>
+            <a:r>
+              <a:rPr lang="en-US" sz="1100" dirty="0" err="1"/>
+              <a:t>csrf_meta_tags</a:t>
+            </a:r>
+            <a:r>
+              <a:rPr lang="en-US" sz="1100" dirty="0"/>
+              <a:t> %&gt;</a:t>
+            </a:r>
+            <a:br>
+              <a:rPr lang="en-US" sz="1100" dirty="0"/>
+            </a:br>
+            <a:r>
+              <a:rPr lang="en-US" sz="1100" dirty="0">
+                <a:solidFill>
+                  <a:srgbClr val="E8BF6A"/>
+                </a:solidFill>
+              </a:rPr>
+              <a:t>&lt;/head&gt;</a:t>
+            </a:r>
+            <a:endParaRPr lang="en-US" sz="1100" dirty="0">
+              <a:effectLst/>
+              <a:latin typeface="Calibri"/>
+              <a:ea typeface="Calibri"/>
+              <a:cs typeface="Times New Roman"/>
+            </a:endParaRPr>
+          </a:p>
+        </p:txBody>
+      </p:sp>
+    </p:spTree>
+    <p:extLst>
+      <p:ext uri="{BB962C8B-B14F-4D97-AF65-F5344CB8AC3E}">
+        <p14:creationId xmlns:p14="http://schemas.microsoft.com/office/powerpoint/2010/main" val="944663257"/>
+      </p:ext>
+    </p:extLst>
+  </p:cSld>
+  <p:clrMapOvr>
+    <a:masterClrMapping/>
+  </p:clrMapOvr>
+</p:sld>
+</file>
+
+<file path=ppt/slides/slide5.xml><?xml version="1.0" encoding="utf-8"?>
+<p:sld xmlns:a="http://schemas.openxmlformats.org/drawingml/2006/main" xmlns:r="http://schemas.openxmlformats.org/officeDocument/2006/relationships" xmlns:p="http://schemas.openxmlformats.org/presentationml/2006/main">
+  <p:cSld>
+    <p:spTree>
+      <p:nvGrpSpPr>
+        <p:cNvPr id="1" name=""/>
+        <p:cNvGrpSpPr/>
+        <p:nvPr/>
+      </p:nvGrpSpPr>
+      <p:grpSpPr>
+        <a:xfrm>
+          <a:off x="0" y="0"/>
+          <a:ext cx="0" cy="0"/>
+          <a:chOff x="0" y="0"/>
+          <a:chExt cx="0" cy="0"/>
+        </a:xfrm>
+      </p:grpSpPr>
+      <p:sp>
+        <p:nvSpPr>
+          <p:cNvPr id="2" name="Title 1"/>
+          <p:cNvSpPr>
+            <a:spLocks noGrp="1"/>
+          </p:cNvSpPr>
+          <p:nvPr>
+            <p:ph type="title"/>
+          </p:nvPr>
+        </p:nvSpPr>
+        <p:spPr/>
+        <p:txBody>
+          <a:bodyPr/>
+          <a:lstStyle/>
+          <a:p>
+            <a:r>
+              <a:rPr lang="en-US" dirty="0"/>
+              <a:t>mdTranslator on Rails </a:t>
+            </a:r>
+            <a:r>
+              <a:rPr lang="en-US" dirty="0" smtClean="0"/>
+              <a:t>3</a:t>
+            </a:r>
+            <a:endParaRPr lang="en-US" dirty="0"/>
+          </a:p>
+        </p:txBody>
+      </p:sp>
+      <p:sp>
+        <p:nvSpPr>
+          <p:cNvPr id="3" name="Content Placeholder 2"/>
+          <p:cNvSpPr>
+            <a:spLocks noGrp="1"/>
+          </p:cNvSpPr>
+          <p:nvPr>
+            <p:ph idx="1"/>
+          </p:nvPr>
+        </p:nvSpPr>
+        <p:spPr/>
+        <p:txBody>
+          <a:bodyPr vert="horz" lIns="91440" tIns="45720" rIns="91440" bIns="45720" rtlCol="0">
+            <a:normAutofit/>
+          </a:bodyPr>
+          <a:lstStyle/>
+          <a:p>
+            <a:pPr>
+              <a:buFont typeface="+mj-lt"/>
+              <a:buAutoNum type="arabicPeriod" startAt="7"/>
+            </a:pPr>
+            <a:r>
+              <a:rPr lang="en-US" sz="1800" dirty="0" smtClean="0"/>
+              <a:t>Next set </a:t>
+            </a:r>
+            <a:r>
+              <a:rPr lang="en-US" sz="1800" dirty="0"/>
+              <a:t>the </a:t>
+            </a:r>
+            <a:r>
+              <a:rPr lang="en-US" sz="1800" dirty="0" smtClean="0"/>
+              <a:t>‘index’ </a:t>
+            </a:r>
+            <a:r>
+              <a:rPr lang="en-US" sz="1800" dirty="0"/>
+              <a:t>page as the default page for </a:t>
+            </a:r>
+            <a:r>
+              <a:rPr lang="en-US" sz="1800" dirty="0" smtClean="0"/>
+              <a:t>the website</a:t>
+            </a:r>
+            <a:r>
+              <a:rPr lang="en-US" sz="1800" dirty="0"/>
+              <a:t>.  </a:t>
+            </a:r>
+            <a:r>
+              <a:rPr lang="en-US" sz="1800" dirty="0" smtClean="0"/>
+              <a:t/>
+            </a:r>
+            <a:br>
+              <a:rPr lang="en-US" sz="1800" dirty="0" smtClean="0"/>
+            </a:br>
+            <a:r>
+              <a:rPr lang="en-US" sz="1800" dirty="0" smtClean="0"/>
+              <a:t>In </a:t>
+            </a:r>
+            <a:r>
+              <a:rPr lang="en-US" sz="1800" dirty="0"/>
+              <a:t>the </a:t>
+            </a:r>
+            <a:r>
+              <a:rPr lang="en-US" sz="1800" dirty="0" smtClean="0"/>
+              <a:t/>
+            </a:r>
+            <a:br>
+              <a:rPr lang="en-US" sz="1800" dirty="0" smtClean="0"/>
+            </a:br>
+            <a:r>
+              <a:rPr lang="en-US" sz="1800" i="1" dirty="0" smtClean="0"/>
+              <a:t>.../</a:t>
+            </a:r>
+            <a:r>
+              <a:rPr lang="en-US" sz="1800" i="1" dirty="0" err="1" smtClean="0"/>
+              <a:t>config</a:t>
+            </a:r>
+            <a:r>
+              <a:rPr lang="en-US" sz="1800" i="1" dirty="0" smtClean="0"/>
+              <a:t>/</a:t>
+            </a:r>
+            <a:r>
+              <a:rPr lang="en-US" sz="1800" i="1" dirty="0" err="1" smtClean="0"/>
+              <a:t>routes.rb</a:t>
+            </a:r>
+            <a:r>
+              <a:rPr lang="en-US" sz="1800" i="1" dirty="0" smtClean="0"/>
+              <a:t> </a:t>
+            </a:r>
+            <a:r>
+              <a:rPr lang="en-US" sz="1800" dirty="0" smtClean="0"/>
+              <a:t/>
+            </a:r>
+            <a:br>
+              <a:rPr lang="en-US" sz="1800" dirty="0" smtClean="0"/>
+            </a:br>
+            <a:r>
+              <a:rPr lang="en-US" sz="1800" dirty="0" smtClean="0"/>
+              <a:t>file set </a:t>
+            </a:r>
+            <a:r>
+              <a:rPr lang="en-US" sz="1800" dirty="0"/>
+              <a:t>the root to ‘</a:t>
+            </a:r>
+            <a:r>
+              <a:rPr lang="en-US" sz="1800" dirty="0" err="1"/>
+              <a:t>translate#index</a:t>
+            </a:r>
+            <a:r>
+              <a:rPr lang="en-US" sz="1800" dirty="0"/>
+              <a:t>’. </a:t>
+            </a:r>
+          </a:p>
+        </p:txBody>
+      </p:sp>
+      <p:sp>
+        <p:nvSpPr>
+          <p:cNvPr id="4" name="Date Placeholder 3"/>
+          <p:cNvSpPr>
+            <a:spLocks noGrp="1"/>
+          </p:cNvSpPr>
+          <p:nvPr>
+            <p:ph type="dt" sz="half" idx="10"/>
+          </p:nvPr>
+        </p:nvSpPr>
+        <p:spPr/>
+        <p:txBody>
+          <a:bodyPr/>
+          <a:lstStyle/>
+          <a:p>
+            <a:pPr>
+              <a:defRPr/>
+            </a:pPr>
+            <a:fld id="{6C3DD7D0-7E54-4926-8269-92427B4182BC}" type="datetime1">
+              <a:rPr lang="en-US" smtClean="0">
+                <a:solidFill>
+                  <a:srgbClr val="04617B">
+                    <a:shade val="90000"/>
+                  </a:srgbClr>
+                </a:solidFill>
+              </a:rPr>
+              <a:t>5/8/2015</a:t>
+            </a:fld>
+            <a:endParaRPr lang="en-US" dirty="0">
+              <a:solidFill>
+                <a:srgbClr val="04617B">
+                  <a:shade val="90000"/>
+                </a:srgbClr>
+              </a:solidFill>
+            </a:endParaRPr>
+          </a:p>
+        </p:txBody>
+      </p:sp>
+      <p:sp>
+        <p:nvSpPr>
+          <p:cNvPr id="5" name="Footer Placeholder 4"/>
+          <p:cNvSpPr>
+            <a:spLocks noGrp="1"/>
+          </p:cNvSpPr>
+          <p:nvPr>
+            <p:ph type="ftr" sz="quarter" idx="11"/>
+          </p:nvPr>
+        </p:nvSpPr>
+        <p:spPr/>
+        <p:txBody>
+          <a:bodyPr/>
+          <a:lstStyle/>
+          <a:p>
+            <a:pPr>
+              <a:defRPr/>
+            </a:pPr>
+            <a:r>
+              <a:rPr lang="en-US" smtClean="0">
+                <a:solidFill>
+                  <a:srgbClr val="04617B">
+                    <a:shade val="90000"/>
+                  </a:srgbClr>
+                </a:solidFill>
+              </a:rPr>
+              <a:t>www.adiwg.org</a:t>
+            </a:r>
+            <a:endParaRPr lang="en-US" dirty="0" smtClean="0">
+              <a:solidFill>
+                <a:srgbClr val="04617B">
+                  <a:shade val="90000"/>
+                </a:srgbClr>
+              </a:solidFill>
+            </a:endParaRPr>
+          </a:p>
+        </p:txBody>
+      </p:sp>
+      <p:sp>
+        <p:nvSpPr>
+          <p:cNvPr id="6" name="Slide Number Placeholder 5"/>
+          <p:cNvSpPr>
+            <a:spLocks noGrp="1"/>
+          </p:cNvSpPr>
+          <p:nvPr>
+            <p:ph type="sldNum" sz="quarter" idx="12"/>
+          </p:nvPr>
+        </p:nvSpPr>
+        <p:spPr/>
+        <p:txBody>
+          <a:bodyPr/>
+          <a:lstStyle/>
+          <a:p>
+            <a:pPr>
+              <a:defRPr/>
+            </a:pPr>
+            <a:fld id="{D96B19B3-FA35-4262-952F-7D873B09162D}" type="slidenum">
+              <a:rPr lang="en-US" smtClean="0">
+                <a:solidFill>
+                  <a:srgbClr val="04617B">
+                    <a:shade val="90000"/>
+                  </a:srgbClr>
+                </a:solidFill>
+              </a:rPr>
+              <a:pPr>
+                <a:defRPr/>
+              </a:pPr>
+              <a:t>5</a:t>
             </a:fld>
             <a:endParaRPr lang="en-US" dirty="0">
               <a:solidFill>
@@ -17460,7 +18499,7 @@
 </p:sld>
 </file>
 
-<file path=ppt/slides/slide5.xml><?xml version="1.0" encoding="utf-8"?>
+<file path=ppt/slides/slide6.xml><?xml version="1.0" encoding="utf-8"?>
 <p:sld xmlns:a="http://schemas.openxmlformats.org/drawingml/2006/main" xmlns:r="http://schemas.openxmlformats.org/officeDocument/2006/relationships" xmlns:p="http://schemas.openxmlformats.org/presentationml/2006/main">
   <p:cSld>
     <p:spTree>
@@ -17649,7 +18688,7 @@
               <a:pPr>
                 <a:defRPr/>
               </a:pPr>
-              <a:t>5</a:t>
+              <a:t>6</a:t>
             </a:fld>
             <a:endParaRPr lang="en-US" dirty="0">
               <a:solidFill>
@@ -17712,253 +18751,6 @@
 </p:sld>
 </file>
 
-<file path=ppt/slides/slide6.xml><?xml version="1.0" encoding="utf-8"?>
-<p:sld xmlns:a="http://schemas.openxmlformats.org/drawingml/2006/main" xmlns:r="http://schemas.openxmlformats.org/officeDocument/2006/relationships" xmlns:p="http://schemas.openxmlformats.org/presentationml/2006/main">
-  <p:cSld>
-    <p:spTree>
-      <p:nvGrpSpPr>
-        <p:cNvPr id="1" name=""/>
-        <p:cNvGrpSpPr/>
-        <p:nvPr/>
-      </p:nvGrpSpPr>
-      <p:grpSpPr>
-        <a:xfrm>
-          <a:off x="0" y="0"/>
-          <a:ext cx="0" cy="0"/>
-          <a:chOff x="0" y="0"/>
-          <a:chExt cx="0" cy="0"/>
-        </a:xfrm>
-      </p:grpSpPr>
-      <p:sp>
-        <p:nvSpPr>
-          <p:cNvPr id="2" name="Title 1"/>
-          <p:cNvSpPr>
-            <a:spLocks noGrp="1"/>
-          </p:cNvSpPr>
-          <p:nvPr>
-            <p:ph type="title"/>
-          </p:nvPr>
-        </p:nvSpPr>
-        <p:spPr/>
-        <p:txBody>
-          <a:bodyPr/>
-          <a:lstStyle/>
-          <a:p>
-            <a:r>
-              <a:rPr lang="en-US" dirty="0"/>
-              <a:t>mdTranslator on Rails </a:t>
-            </a:r>
-            <a:r>
-              <a:rPr lang="en-US" dirty="0" smtClean="0"/>
-              <a:t>5</a:t>
-            </a:r>
-            <a:endParaRPr lang="en-US" dirty="0"/>
-          </a:p>
-        </p:txBody>
-      </p:sp>
-      <p:sp>
-        <p:nvSpPr>
-          <p:cNvPr id="3" name="Content Placeholder 2"/>
-          <p:cNvSpPr>
-            <a:spLocks noGrp="1"/>
-          </p:cNvSpPr>
-          <p:nvPr>
-            <p:ph idx="1"/>
-          </p:nvPr>
-        </p:nvSpPr>
-        <p:spPr/>
-        <p:txBody>
-          <a:bodyPr vert="horz" lIns="91440" tIns="45720" rIns="91440" bIns="45720" rtlCol="0">
-            <a:normAutofit/>
-          </a:bodyPr>
-          <a:lstStyle/>
-          <a:p>
-            <a:pPr>
-              <a:buFont typeface="+mj-lt"/>
-              <a:buAutoNum type="arabicPeriod" startAt="9"/>
-            </a:pPr>
-            <a:r>
-              <a:rPr lang="en-US" sz="1800" dirty="0" smtClean="0"/>
-              <a:t>Code a </a:t>
-            </a:r>
-            <a:r>
-              <a:rPr lang="en-US" sz="1800" dirty="0"/>
-              <a:t>simple HTML form </a:t>
-            </a:r>
-            <a:r>
-              <a:rPr lang="en-US" sz="1800" dirty="0" smtClean="0"/>
-              <a:t>in the file </a:t>
-            </a:r>
-            <a:br>
-              <a:rPr lang="en-US" sz="1800" dirty="0" smtClean="0"/>
-            </a:br>
-            <a:r>
-              <a:rPr lang="en-US" sz="1800" i="1" dirty="0" smtClean="0"/>
-              <a:t>…/app/views/translate/</a:t>
-            </a:r>
-            <a:r>
-              <a:rPr lang="en-US" sz="1800" i="1" dirty="0" err="1" smtClean="0"/>
-              <a:t>index.html.erb</a:t>
-            </a:r>
-            <a:r>
-              <a:rPr lang="en-US" sz="1800" i="1" dirty="0" smtClean="0"/>
-              <a:t> </a:t>
-            </a:r>
-            <a:r>
-              <a:rPr lang="en-US" sz="1800" dirty="0" smtClean="0"/>
-              <a:t/>
-            </a:r>
-            <a:br>
-              <a:rPr lang="en-US" sz="1800" dirty="0" smtClean="0"/>
-            </a:br>
-            <a:r>
-              <a:rPr lang="en-US" sz="1800" dirty="0" smtClean="0"/>
-              <a:t>replacing </a:t>
-            </a:r>
-            <a:r>
-              <a:rPr lang="en-US" sz="1800" dirty="0"/>
-              <a:t>all the Rails generated code. </a:t>
-            </a:r>
-          </a:p>
-        </p:txBody>
-      </p:sp>
-      <p:sp>
-        <p:nvSpPr>
-          <p:cNvPr id="4" name="Date Placeholder 3"/>
-          <p:cNvSpPr>
-            <a:spLocks noGrp="1"/>
-          </p:cNvSpPr>
-          <p:nvPr>
-            <p:ph type="dt" sz="half" idx="10"/>
-          </p:nvPr>
-        </p:nvSpPr>
-        <p:spPr/>
-        <p:txBody>
-          <a:bodyPr/>
-          <a:lstStyle/>
-          <a:p>
-            <a:pPr>
-              <a:defRPr/>
-            </a:pPr>
-            <a:fld id="{6C3DD7D0-7E54-4926-8269-92427B4182BC}" type="datetime1">
-              <a:rPr lang="en-US" smtClean="0">
-                <a:solidFill>
-                  <a:srgbClr val="04617B">
-                    <a:shade val="90000"/>
-                  </a:srgbClr>
-                </a:solidFill>
-              </a:rPr>
-              <a:t>5/8/2015</a:t>
-            </a:fld>
-            <a:endParaRPr lang="en-US" dirty="0">
-              <a:solidFill>
-                <a:srgbClr val="04617B">
-                  <a:shade val="90000"/>
-                </a:srgbClr>
-              </a:solidFill>
-            </a:endParaRPr>
-          </a:p>
-        </p:txBody>
-      </p:sp>
-      <p:sp>
-        <p:nvSpPr>
-          <p:cNvPr id="5" name="Footer Placeholder 4"/>
-          <p:cNvSpPr>
-            <a:spLocks noGrp="1"/>
-          </p:cNvSpPr>
-          <p:nvPr>
-            <p:ph type="ftr" sz="quarter" idx="11"/>
-          </p:nvPr>
-        </p:nvSpPr>
-        <p:spPr/>
-        <p:txBody>
-          <a:bodyPr/>
-          <a:lstStyle/>
-          <a:p>
-            <a:pPr>
-              <a:defRPr/>
-            </a:pPr>
-            <a:r>
-              <a:rPr lang="en-US" smtClean="0">
-                <a:solidFill>
-                  <a:srgbClr val="04617B">
-                    <a:shade val="90000"/>
-                  </a:srgbClr>
-                </a:solidFill>
-              </a:rPr>
-              <a:t>www.adiwg.org</a:t>
-            </a:r>
-            <a:endParaRPr lang="en-US" dirty="0" smtClean="0">
-              <a:solidFill>
-                <a:srgbClr val="04617B">
-                  <a:shade val="90000"/>
-                </a:srgbClr>
-              </a:solidFill>
-            </a:endParaRPr>
-          </a:p>
-        </p:txBody>
-      </p:sp>
-      <p:sp>
-        <p:nvSpPr>
-          <p:cNvPr id="6" name="Slide Number Placeholder 5"/>
-          <p:cNvSpPr>
-            <a:spLocks noGrp="1"/>
-          </p:cNvSpPr>
-          <p:nvPr>
-            <p:ph type="sldNum" sz="quarter" idx="12"/>
-          </p:nvPr>
-        </p:nvSpPr>
-        <p:spPr/>
-        <p:txBody>
-          <a:bodyPr/>
-          <a:lstStyle/>
-          <a:p>
-            <a:pPr>
-              <a:defRPr/>
-            </a:pPr>
-            <a:fld id="{D96B19B3-FA35-4262-952F-7D873B09162D}" type="slidenum">
-              <a:rPr lang="en-US" smtClean="0">
-                <a:solidFill>
-                  <a:srgbClr val="04617B">
-                    <a:shade val="90000"/>
-                  </a:srgbClr>
-                </a:solidFill>
-              </a:rPr>
-              <a:pPr>
-                <a:defRPr/>
-              </a:pPr>
-              <a:t>6</a:t>
-            </a:fld>
-            <a:endParaRPr lang="en-US" dirty="0">
-              <a:solidFill>
-                <a:srgbClr val="04617B">
-                  <a:shade val="90000"/>
-                </a:srgbClr>
-              </a:solidFill>
-            </a:endParaRPr>
-          </a:p>
-        </p:txBody>
-      </p:sp>
-    </p:spTree>
-    <p:extLst>
-      <p:ext uri="{BB962C8B-B14F-4D97-AF65-F5344CB8AC3E}">
-        <p14:creationId xmlns:p14="http://schemas.microsoft.com/office/powerpoint/2010/main" val="1134745834"/>
-      </p:ext>
-    </p:extLst>
-  </p:cSld>
-  <p:clrMapOvr>
-    <a:masterClrMapping/>
-  </p:clrMapOvr>
-  <p:timing>
-    <p:tnLst>
-      <p:par>
-        <p:cTn id="1" dur="indefinite" restart="never" nodeType="tmRoot"/>
-      </p:par>
-    </p:tnLst>
-  </p:timing>
-</p:sld>
-</file>
-
 <file path=ppt/slides/slide7.xml><?xml version="1.0" encoding="utf-8"?>
 <p:sld xmlns:a="http://schemas.openxmlformats.org/drawingml/2006/main" xmlns:r="http://schemas.openxmlformats.org/officeDocument/2006/relationships" xmlns:p="http://schemas.openxmlformats.org/presentationml/2006/main">
   <p:cSld>
@@ -17991,7 +18783,81 @@
           <a:bodyPr/>
           <a:lstStyle/>
           <a:p>
-            <a:endParaRPr lang="en-US"/>
+            <a:r>
+              <a:rPr lang="en-US" dirty="0"/>
+              <a:t>mdTranslator on Rails </a:t>
+            </a:r>
+            <a:r>
+              <a:rPr lang="en-US" dirty="0" smtClean="0"/>
+              <a:t>5</a:t>
+            </a:r>
+            <a:endParaRPr lang="en-US" dirty="0"/>
+          </a:p>
+        </p:txBody>
+      </p:sp>
+      <p:sp>
+        <p:nvSpPr>
+          <p:cNvPr id="3" name="Content Placeholder 2"/>
+          <p:cNvSpPr>
+            <a:spLocks noGrp="1"/>
+          </p:cNvSpPr>
+          <p:nvPr>
+            <p:ph idx="1"/>
+          </p:nvPr>
+        </p:nvSpPr>
+        <p:spPr/>
+        <p:txBody>
+          <a:bodyPr vert="horz" lIns="91440" tIns="45720" rIns="91440" bIns="45720" rtlCol="0">
+            <a:normAutofit/>
+          </a:bodyPr>
+          <a:lstStyle/>
+          <a:p>
+            <a:pPr>
+              <a:buFont typeface="+mj-lt"/>
+              <a:buAutoNum type="arabicPeriod" startAt="9"/>
+            </a:pPr>
+            <a:r>
+              <a:rPr lang="en-US" sz="1800" dirty="0" smtClean="0"/>
+              <a:t>Code a </a:t>
+            </a:r>
+            <a:r>
+              <a:rPr lang="en-US" sz="1800" dirty="0"/>
+              <a:t>simple HTML form </a:t>
+            </a:r>
+            <a:r>
+              <a:rPr lang="en-US" sz="1800" dirty="0" smtClean="0"/>
+              <a:t>in the file </a:t>
+            </a:r>
+            <a:br>
+              <a:rPr lang="en-US" sz="1800" dirty="0" smtClean="0"/>
+            </a:br>
+            <a:r>
+              <a:rPr lang="en-US" sz="1800" i="1" dirty="0" smtClean="0"/>
+              <a:t>…/app/views/translate/</a:t>
+            </a:r>
+            <a:r>
+              <a:rPr lang="en-US" sz="1800" i="1" dirty="0" err="1" smtClean="0"/>
+              <a:t>index.html.erb</a:t>
+            </a:r>
+            <a:r>
+              <a:rPr lang="en-US" sz="1800" i="1" dirty="0" smtClean="0"/>
+              <a:t> </a:t>
+            </a:r>
+            <a:r>
+              <a:rPr lang="en-US" sz="1800" dirty="0" smtClean="0"/>
+              <a:t/>
+            </a:r>
+            <a:br>
+              <a:rPr lang="en-US" sz="1800" dirty="0" smtClean="0"/>
+            </a:br>
+            <a:r>
+              <a:rPr lang="en-US" sz="1800" dirty="0" smtClean="0"/>
+              <a:t>replacing </a:t>
+            </a:r>
+            <a:r>
+              <a:rPr lang="en-US" sz="1800" dirty="0"/>
+              <a:t>all the Rails generated code. </a:t>
+            </a:r>
           </a:p>
         </p:txBody>
       </p:sp>
@@ -18052,7 +18918,7 @@
               <a:defRPr/>
             </a:pPr>
             <a:r>
-              <a:rPr lang="en-US" dirty="0" smtClean="0">
+              <a:rPr lang="en-US" smtClean="0">
                 <a:solidFill>
                   <a:srgbClr val="04617B">
                     <a:shade val="90000"/>
@@ -18061,6 +18927,13 @@
               </a:rPr>
               <a:t>www.adiwg.org</a:t>
             </a:r>
+            <a:endParaRPr lang="en-US" dirty="0" smtClean="0">
+              <a:solidFill>
+                <a:srgbClr val="04617B">
+                  <a:shade val="90000"/>
+                </a:srgbClr>
+              </a:solidFill>
+            </a:endParaRPr>
           </a:p>
         </p:txBody>
       </p:sp>
@@ -18105,1538 +18978,10 @@
           </a:p>
         </p:txBody>
       </p:sp>
-      <p:sp>
-        <p:nvSpPr>
-          <p:cNvPr id="8" name="Rectangle 7"/>
-          <p:cNvSpPr/>
-          <p:nvPr/>
-        </p:nvSpPr>
-        <p:spPr>
-          <a:xfrm>
-            <a:off x="1371600" y="228600"/>
-            <a:ext cx="6400800" cy="6070893"/>
-          </a:xfrm>
-          <a:prstGeom prst="rect">
-            <a:avLst/>
-          </a:prstGeom>
-        </p:spPr>
-        <p:style>
-          <a:lnRef idx="2">
-            <a:schemeClr val="dk1">
-              <a:shade val="50000"/>
-            </a:schemeClr>
-          </a:lnRef>
-          <a:fillRef idx="1">
-            <a:schemeClr val="dk1"/>
-          </a:fillRef>
-          <a:effectRef idx="0">
-            <a:schemeClr val="dk1"/>
-          </a:effectRef>
-          <a:fontRef idx="minor">
-            <a:schemeClr val="lt1"/>
-          </a:fontRef>
-        </p:style>
-        <p:txBody>
-          <a:bodyPr wrap="square">
-            <a:spAutoFit/>
-          </a:bodyPr>
-          <a:lstStyle/>
-          <a:p>
-            <a:r>
-              <a:rPr lang="en-US" sz="1050" i="1" dirty="0">
-                <a:solidFill>
-                  <a:srgbClr val="BC9458"/>
-                </a:solidFill>
-                <a:latin typeface="Lucida Console"/>
-                <a:ea typeface="Calibri"/>
-                <a:cs typeface="Courier New"/>
-              </a:rPr>
-              <a:t>&lt;!--</a:t>
-            </a:r>
-            <a:br>
-              <a:rPr lang="en-US" sz="1050" i="1" dirty="0">
-                <a:solidFill>
-                  <a:srgbClr val="BC9458"/>
-                </a:solidFill>
-                <a:latin typeface="Lucida Console"/>
-                <a:ea typeface="Calibri"/>
-                <a:cs typeface="Courier New"/>
-              </a:rPr>
-            </a:br>
-            <a:r>
-              <a:rPr lang="en-US" sz="1050" i="1" dirty="0">
-                <a:solidFill>
-                  <a:srgbClr val="BC9458"/>
-                </a:solidFill>
-                <a:latin typeface="Lucida Console"/>
-                <a:ea typeface="Calibri"/>
-                <a:cs typeface="Courier New"/>
-              </a:rPr>
-              <a:t># Alaska Data Integration working group - ADIwg</a:t>
-            </a:r>
-            <a:br>
-              <a:rPr lang="en-US" sz="1050" i="1" dirty="0">
-                <a:solidFill>
-                  <a:srgbClr val="BC9458"/>
-                </a:solidFill>
-                <a:latin typeface="Lucida Console"/>
-                <a:ea typeface="Calibri"/>
-                <a:cs typeface="Courier New"/>
-              </a:rPr>
-            </a:br>
-            <a:r>
-              <a:rPr lang="en-US" sz="1050" i="1" dirty="0">
-                <a:solidFill>
-                  <a:srgbClr val="BC9458"/>
-                </a:solidFill>
-                <a:latin typeface="Lucida Console"/>
-                <a:ea typeface="Calibri"/>
-                <a:cs typeface="Courier New"/>
-              </a:rPr>
-              <a:t/>
-            </a:r>
-            <a:br>
-              <a:rPr lang="en-US" sz="1050" i="1" dirty="0">
-                <a:solidFill>
-                  <a:srgbClr val="BC9458"/>
-                </a:solidFill>
-                <a:latin typeface="Lucida Console"/>
-                <a:ea typeface="Calibri"/>
-                <a:cs typeface="Courier New"/>
-              </a:rPr>
-            </a:br>
-            <a:r>
-              <a:rPr lang="en-US" sz="1050" i="1" dirty="0">
-                <a:solidFill>
-                  <a:srgbClr val="BC9458"/>
-                </a:solidFill>
-                <a:latin typeface="Lucida Console"/>
-                <a:ea typeface="Calibri"/>
-                <a:cs typeface="Courier New"/>
-              </a:rPr>
-              <a:t># REST endpoint controller for demonstration of mdTranslator</a:t>
-            </a:r>
-            <a:br>
-              <a:rPr lang="en-US" sz="1050" i="1" dirty="0">
-                <a:solidFill>
-                  <a:srgbClr val="BC9458"/>
-                </a:solidFill>
-                <a:latin typeface="Lucida Console"/>
-                <a:ea typeface="Calibri"/>
-                <a:cs typeface="Courier New"/>
-              </a:rPr>
-            </a:br>
-            <a:r>
-              <a:rPr lang="en-US" sz="1050" i="1" dirty="0">
-                <a:solidFill>
-                  <a:srgbClr val="BC9458"/>
-                </a:solidFill>
-                <a:latin typeface="Lucida Console"/>
-                <a:ea typeface="Calibri"/>
-                <a:cs typeface="Courier New"/>
-              </a:rPr>
-              <a:t>--&gt;</a:t>
-            </a:r>
-            <a:br>
-              <a:rPr lang="en-US" sz="1050" i="1" dirty="0">
-                <a:solidFill>
-                  <a:srgbClr val="BC9458"/>
-                </a:solidFill>
-                <a:latin typeface="Lucida Console"/>
-                <a:ea typeface="Calibri"/>
-                <a:cs typeface="Courier New"/>
-              </a:rPr>
-            </a:br>
-            <a:r>
-              <a:rPr lang="en-US" sz="1050" i="1" dirty="0">
-                <a:solidFill>
-                  <a:srgbClr val="BC9458"/>
-                </a:solidFill>
-                <a:latin typeface="Lucida Console"/>
-                <a:ea typeface="Calibri"/>
-                <a:cs typeface="Courier New"/>
-              </a:rPr>
-              <a:t/>
-            </a:r>
-            <a:br>
-              <a:rPr lang="en-US" sz="1050" i="1" dirty="0">
-                <a:solidFill>
-                  <a:srgbClr val="BC9458"/>
-                </a:solidFill>
-                <a:latin typeface="Lucida Console"/>
-                <a:ea typeface="Calibri"/>
-                <a:cs typeface="Courier New"/>
-              </a:rPr>
-            </a:br>
-            <a:r>
-              <a:rPr lang="en-US" sz="1050" dirty="0">
-                <a:solidFill>
-                  <a:srgbClr val="E8BF6A"/>
-                </a:solidFill>
-                <a:latin typeface="Lucida Console"/>
-                <a:ea typeface="Calibri"/>
-                <a:cs typeface="Courier New"/>
-              </a:rPr>
-              <a:t>&lt;h2&gt; </a:t>
-            </a:r>
-            <a:r>
-              <a:rPr lang="en-US" sz="1050" dirty="0">
-                <a:solidFill>
-                  <a:srgbClr val="A9B7C6"/>
-                </a:solidFill>
-                <a:latin typeface="Lucida Console"/>
-                <a:ea typeface="Calibri"/>
-                <a:cs typeface="Courier New"/>
-              </a:rPr>
-              <a:t>mdTranslator Rails example</a:t>
-            </a:r>
-            <a:r>
-              <a:rPr lang="en-US" sz="1050" dirty="0">
-                <a:solidFill>
-                  <a:srgbClr val="E8BF6A"/>
-                </a:solidFill>
-                <a:latin typeface="Lucida Console"/>
-                <a:ea typeface="Calibri"/>
-                <a:cs typeface="Courier New"/>
-              </a:rPr>
-              <a:t>&lt;/h2&gt;</a:t>
-            </a:r>
-            <a:br>
-              <a:rPr lang="en-US" sz="1050" dirty="0">
-                <a:solidFill>
-                  <a:srgbClr val="E8BF6A"/>
-                </a:solidFill>
-                <a:latin typeface="Lucida Console"/>
-                <a:ea typeface="Calibri"/>
-                <a:cs typeface="Courier New"/>
-              </a:rPr>
-            </a:br>
-            <a:r>
-              <a:rPr lang="en-US" sz="1050" dirty="0">
-                <a:solidFill>
-                  <a:srgbClr val="E8BF6A"/>
-                </a:solidFill>
-                <a:latin typeface="Lucida Console"/>
-                <a:ea typeface="Calibri"/>
-                <a:cs typeface="Courier New"/>
-              </a:rPr>
-              <a:t/>
-            </a:r>
-            <a:br>
-              <a:rPr lang="en-US" sz="1050" dirty="0">
-                <a:solidFill>
-                  <a:srgbClr val="E8BF6A"/>
-                </a:solidFill>
-                <a:latin typeface="Lucida Console"/>
-                <a:ea typeface="Calibri"/>
-                <a:cs typeface="Courier New"/>
-              </a:rPr>
-            </a:br>
-            <a:r>
-              <a:rPr lang="en-US" sz="1050" dirty="0">
-                <a:solidFill>
-                  <a:srgbClr val="E8BF6A"/>
-                </a:solidFill>
-                <a:latin typeface="Lucida Console"/>
-                <a:ea typeface="Calibri"/>
-                <a:cs typeface="Courier New"/>
-              </a:rPr>
-              <a:t>&lt;div id=</a:t>
-            </a:r>
-            <a:r>
-              <a:rPr lang="en-US" sz="1050" dirty="0">
-                <a:solidFill>
-                  <a:srgbClr val="A5C261"/>
-                </a:solidFill>
-                <a:latin typeface="Lucida Console"/>
-                <a:ea typeface="Calibri"/>
-                <a:cs typeface="Courier New"/>
-              </a:rPr>
-              <a:t>"</a:t>
-            </a:r>
-            <a:r>
-              <a:rPr lang="en-US" sz="1050" dirty="0" err="1">
-                <a:solidFill>
-                  <a:srgbClr val="A5C261"/>
-                </a:solidFill>
-                <a:latin typeface="Lucida Console"/>
-                <a:ea typeface="Calibri"/>
-                <a:cs typeface="Courier New"/>
-              </a:rPr>
-              <a:t>form_container</a:t>
-            </a:r>
-            <a:r>
-              <a:rPr lang="en-US" sz="1050" dirty="0">
-                <a:solidFill>
-                  <a:srgbClr val="A5C261"/>
-                </a:solidFill>
-                <a:latin typeface="Lucida Console"/>
-                <a:ea typeface="Calibri"/>
-                <a:cs typeface="Courier New"/>
-              </a:rPr>
-              <a:t>"</a:t>
-            </a:r>
-            <a:r>
-              <a:rPr lang="en-US" sz="1050" dirty="0">
-                <a:solidFill>
-                  <a:srgbClr val="E8BF6A"/>
-                </a:solidFill>
-                <a:latin typeface="Lucida Console"/>
-                <a:ea typeface="Calibri"/>
-                <a:cs typeface="Courier New"/>
-              </a:rPr>
-              <a:t>&gt;</a:t>
-            </a:r>
-            <a:br>
-              <a:rPr lang="en-US" sz="1050" dirty="0">
-                <a:solidFill>
-                  <a:srgbClr val="E8BF6A"/>
-                </a:solidFill>
-                <a:latin typeface="Lucida Console"/>
-                <a:ea typeface="Calibri"/>
-                <a:cs typeface="Courier New"/>
-              </a:rPr>
-            </a:br>
-            <a:r>
-              <a:rPr lang="en-US" sz="1050" dirty="0">
-                <a:solidFill>
-                  <a:srgbClr val="E8BF6A"/>
-                </a:solidFill>
-                <a:latin typeface="Lucida Console"/>
-                <a:ea typeface="Calibri"/>
-                <a:cs typeface="Courier New"/>
-              </a:rPr>
-              <a:t>   </a:t>
-            </a:r>
-            <a:r>
-              <a:rPr lang="en-US" sz="1050" dirty="0">
-                <a:solidFill>
-                  <a:srgbClr val="A9B7C6"/>
-                </a:solidFill>
-                <a:latin typeface="Lucida Console"/>
-                <a:ea typeface="Calibri"/>
-                <a:cs typeface="Courier New"/>
-              </a:rPr>
-              <a:t>&lt;%= </a:t>
-            </a:r>
-            <a:r>
-              <a:rPr lang="en-US" sz="1050" i="1" dirty="0" err="1">
-                <a:solidFill>
-                  <a:srgbClr val="FFC66D"/>
-                </a:solidFill>
-                <a:latin typeface="Lucida Console"/>
-                <a:ea typeface="Calibri"/>
-                <a:cs typeface="Courier New"/>
-              </a:rPr>
-              <a:t>form_tag</a:t>
-            </a:r>
-            <a:r>
-              <a:rPr lang="en-US" sz="1050" dirty="0">
-                <a:solidFill>
-                  <a:srgbClr val="A9B7C6"/>
-                </a:solidFill>
-                <a:latin typeface="Lucida Console"/>
-                <a:ea typeface="Calibri"/>
-                <a:cs typeface="Courier New"/>
-              </a:rPr>
-              <a:t>(</a:t>
-            </a:r>
-            <a:r>
-              <a:rPr lang="en-US" sz="1050" dirty="0">
-                <a:solidFill>
-                  <a:srgbClr val="A5C25C"/>
-                </a:solidFill>
-                <a:latin typeface="Lucida Console"/>
-                <a:ea typeface="Calibri"/>
-                <a:cs typeface="Courier New"/>
-              </a:rPr>
-              <a:t>'/translate'</a:t>
-            </a:r>
-            <a:r>
-              <a:rPr lang="en-US" sz="1050" dirty="0">
-                <a:solidFill>
-                  <a:srgbClr val="A9B7C6"/>
-                </a:solidFill>
-                <a:latin typeface="Lucida Console"/>
-                <a:ea typeface="Calibri"/>
-                <a:cs typeface="Courier New"/>
-              </a:rPr>
-              <a:t>) </a:t>
-            </a:r>
-            <a:r>
-              <a:rPr lang="en-US" sz="1050" dirty="0">
-                <a:solidFill>
-                  <a:srgbClr val="CC7833"/>
-                </a:solidFill>
-                <a:latin typeface="Lucida Console"/>
-                <a:ea typeface="Calibri"/>
-                <a:cs typeface="Courier New"/>
-              </a:rPr>
-              <a:t>do </a:t>
-            </a:r>
-            <a:r>
-              <a:rPr lang="en-US" sz="1050" dirty="0">
-                <a:solidFill>
-                  <a:srgbClr val="A9B7C6"/>
-                </a:solidFill>
-                <a:latin typeface="Lucida Console"/>
-                <a:ea typeface="Calibri"/>
-                <a:cs typeface="Courier New"/>
-              </a:rPr>
-              <a:t>%&gt;</a:t>
-            </a:r>
-            <a:br>
-              <a:rPr lang="en-US" sz="1050" dirty="0">
-                <a:solidFill>
-                  <a:srgbClr val="A9B7C6"/>
-                </a:solidFill>
-                <a:latin typeface="Lucida Console"/>
-                <a:ea typeface="Calibri"/>
-                <a:cs typeface="Courier New"/>
-              </a:rPr>
-            </a:br>
-            <a:r>
-              <a:rPr lang="en-US" sz="1050" dirty="0">
-                <a:solidFill>
-                  <a:srgbClr val="A9B7C6"/>
-                </a:solidFill>
-                <a:latin typeface="Lucida Console"/>
-                <a:ea typeface="Calibri"/>
-                <a:cs typeface="Courier New"/>
-              </a:rPr>
-              <a:t>      </a:t>
-            </a:r>
-            <a:r>
-              <a:rPr lang="en-US" sz="1050" dirty="0">
-                <a:solidFill>
-                  <a:srgbClr val="E8BF6A"/>
-                </a:solidFill>
-                <a:latin typeface="Lucida Console"/>
-                <a:ea typeface="Calibri"/>
-                <a:cs typeface="Courier New"/>
-              </a:rPr>
-              <a:t>&lt;div&gt;</a:t>
-            </a:r>
-            <a:br>
-              <a:rPr lang="en-US" sz="1050" dirty="0">
-                <a:solidFill>
-                  <a:srgbClr val="E8BF6A"/>
-                </a:solidFill>
-                <a:latin typeface="Lucida Console"/>
-                <a:ea typeface="Calibri"/>
-                <a:cs typeface="Courier New"/>
-              </a:rPr>
-            </a:br>
-            <a:r>
-              <a:rPr lang="en-US" sz="1050" dirty="0">
-                <a:solidFill>
-                  <a:srgbClr val="E8BF6A"/>
-                </a:solidFill>
-                <a:latin typeface="Lucida Console"/>
-                <a:ea typeface="Calibri"/>
-                <a:cs typeface="Courier New"/>
-              </a:rPr>
-              <a:t>         &lt;h3&gt;</a:t>
-            </a:r>
-            <a:r>
-              <a:rPr lang="en-US" sz="1050" dirty="0">
-                <a:solidFill>
-                  <a:srgbClr val="A9B7C6"/>
-                </a:solidFill>
-                <a:latin typeface="Lucida Console"/>
-                <a:ea typeface="Calibri"/>
-                <a:cs typeface="Courier New"/>
-              </a:rPr>
-              <a:t>Submit JSON</a:t>
-            </a:r>
-            <a:r>
-              <a:rPr lang="en-US" sz="1050" dirty="0">
-                <a:solidFill>
-                  <a:srgbClr val="E8BF6A"/>
-                </a:solidFill>
-                <a:latin typeface="Lucida Console"/>
-                <a:ea typeface="Calibri"/>
-                <a:cs typeface="Courier New"/>
-              </a:rPr>
-              <a:t>&lt;/h3&gt;</a:t>
-            </a:r>
-            <a:br>
-              <a:rPr lang="en-US" sz="1050" dirty="0">
-                <a:solidFill>
-                  <a:srgbClr val="E8BF6A"/>
-                </a:solidFill>
-                <a:latin typeface="Lucida Console"/>
-                <a:ea typeface="Calibri"/>
-                <a:cs typeface="Courier New"/>
-              </a:rPr>
-            </a:br>
-            <a:r>
-              <a:rPr lang="en-US" sz="1050" dirty="0">
-                <a:solidFill>
-                  <a:srgbClr val="E8BF6A"/>
-                </a:solidFill>
-                <a:latin typeface="Lucida Console"/>
-                <a:ea typeface="Calibri"/>
-                <a:cs typeface="Courier New"/>
-              </a:rPr>
-              <a:t>         &lt;p&gt;</a:t>
-            </a:r>
-            <a:br>
-              <a:rPr lang="en-US" sz="1050" dirty="0">
-                <a:solidFill>
-                  <a:srgbClr val="E8BF6A"/>
-                </a:solidFill>
-                <a:latin typeface="Lucida Console"/>
-                <a:ea typeface="Calibri"/>
-                <a:cs typeface="Courier New"/>
-              </a:rPr>
-            </a:br>
-            <a:r>
-              <a:rPr lang="en-US" sz="1050" dirty="0">
-                <a:solidFill>
-                  <a:srgbClr val="E8BF6A"/>
-                </a:solidFill>
-                <a:latin typeface="Lucida Console"/>
-                <a:ea typeface="Calibri"/>
-                <a:cs typeface="Courier New"/>
-              </a:rPr>
-              <a:t>            </a:t>
-            </a:r>
-            <a:r>
-              <a:rPr lang="en-US" sz="1050" dirty="0">
-                <a:solidFill>
-                  <a:srgbClr val="A9B7C6"/>
-                </a:solidFill>
-                <a:latin typeface="Lucida Console"/>
-                <a:ea typeface="Calibri"/>
-                <a:cs typeface="Courier New"/>
-              </a:rPr>
-              <a:t>Paste or type JSON, choose options, and click Submit.</a:t>
-            </a:r>
-            <a:br>
-              <a:rPr lang="en-US" sz="1050" dirty="0">
-                <a:solidFill>
-                  <a:srgbClr val="A9B7C6"/>
-                </a:solidFill>
-                <a:latin typeface="Lucida Console"/>
-                <a:ea typeface="Calibri"/>
-                <a:cs typeface="Courier New"/>
-              </a:rPr>
-            </a:br>
-            <a:r>
-              <a:rPr lang="en-US" sz="1050" dirty="0">
-                <a:solidFill>
-                  <a:srgbClr val="A9B7C6"/>
-                </a:solidFill>
-                <a:latin typeface="Lucida Console"/>
-                <a:ea typeface="Calibri"/>
-                <a:cs typeface="Courier New"/>
-              </a:rPr>
-              <a:t>            Valid ISO 19115-2 XML should be generated. </a:t>
-            </a:r>
-            <a:r>
-              <a:rPr lang="en-US" sz="1050" dirty="0">
-                <a:solidFill>
-                  <a:srgbClr val="E8BF6A"/>
-                </a:solidFill>
-                <a:latin typeface="Lucida Console"/>
-                <a:ea typeface="Calibri"/>
-                <a:cs typeface="Courier New"/>
-              </a:rPr>
-              <a:t>&lt;</a:t>
-            </a:r>
-            <a:r>
-              <a:rPr lang="en-US" sz="1050" dirty="0" err="1">
-                <a:solidFill>
-                  <a:srgbClr val="E8BF6A"/>
-                </a:solidFill>
-                <a:latin typeface="Lucida Console"/>
-                <a:ea typeface="Calibri"/>
-                <a:cs typeface="Courier New"/>
-              </a:rPr>
-              <a:t>br</a:t>
-            </a:r>
-            <a:r>
-              <a:rPr lang="en-US" sz="1050" dirty="0">
-                <a:solidFill>
-                  <a:srgbClr val="E8BF6A"/>
-                </a:solidFill>
-                <a:latin typeface="Lucida Console"/>
-                <a:ea typeface="Calibri"/>
-                <a:cs typeface="Courier New"/>
-              </a:rPr>
-              <a:t>&gt;</a:t>
-            </a:r>
-            <a:br>
-              <a:rPr lang="en-US" sz="1050" dirty="0">
-                <a:solidFill>
-                  <a:srgbClr val="E8BF6A"/>
-                </a:solidFill>
-                <a:latin typeface="Lucida Console"/>
-                <a:ea typeface="Calibri"/>
-                <a:cs typeface="Courier New"/>
-              </a:rPr>
-            </a:br>
-            <a:r>
-              <a:rPr lang="en-US" sz="1050" dirty="0">
-                <a:solidFill>
-                  <a:srgbClr val="E8BF6A"/>
-                </a:solidFill>
-                <a:latin typeface="Lucida Console"/>
-                <a:ea typeface="Calibri"/>
-                <a:cs typeface="Courier New"/>
-              </a:rPr>
-              <a:t>         &lt;/p&gt;</a:t>
-            </a:r>
-            <a:br>
-              <a:rPr lang="en-US" sz="1050" dirty="0">
-                <a:solidFill>
-                  <a:srgbClr val="E8BF6A"/>
-                </a:solidFill>
-                <a:latin typeface="Lucida Console"/>
-                <a:ea typeface="Calibri"/>
-                <a:cs typeface="Courier New"/>
-              </a:rPr>
-            </a:br>
-            <a:r>
-              <a:rPr lang="en-US" sz="1050" dirty="0">
-                <a:solidFill>
-                  <a:srgbClr val="E8BF6A"/>
-                </a:solidFill>
-                <a:latin typeface="Lucida Console"/>
-                <a:ea typeface="Calibri"/>
-                <a:cs typeface="Courier New"/>
-              </a:rPr>
-              <a:t/>
-            </a:r>
-            <a:br>
-              <a:rPr lang="en-US" sz="1050" dirty="0">
-                <a:solidFill>
-                  <a:srgbClr val="E8BF6A"/>
-                </a:solidFill>
-                <a:latin typeface="Lucida Console"/>
-                <a:ea typeface="Calibri"/>
-                <a:cs typeface="Courier New"/>
-              </a:rPr>
-            </a:br>
-            <a:r>
-              <a:rPr lang="en-US" sz="1050" dirty="0">
-                <a:solidFill>
-                  <a:srgbClr val="E8BF6A"/>
-                </a:solidFill>
-                <a:latin typeface="Lucida Console"/>
-                <a:ea typeface="Calibri"/>
-                <a:cs typeface="Courier New"/>
-              </a:rPr>
-              <a:t>         &lt;div&gt;</a:t>
-            </a:r>
-            <a:br>
-              <a:rPr lang="en-US" sz="1050" dirty="0">
-                <a:solidFill>
-                  <a:srgbClr val="E8BF6A"/>
-                </a:solidFill>
-                <a:latin typeface="Lucida Console"/>
-                <a:ea typeface="Calibri"/>
-                <a:cs typeface="Courier New"/>
-              </a:rPr>
-            </a:br>
-            <a:r>
-              <a:rPr lang="en-US" sz="1050" dirty="0">
-                <a:solidFill>
-                  <a:srgbClr val="E8BF6A"/>
-                </a:solidFill>
-                <a:latin typeface="Lucida Console"/>
-                <a:ea typeface="Calibri"/>
-                <a:cs typeface="Courier New"/>
-              </a:rPr>
-              <a:t>            &lt;</a:t>
-            </a:r>
-            <a:r>
-              <a:rPr lang="en-US" sz="1050" dirty="0" err="1">
-                <a:solidFill>
-                  <a:srgbClr val="E8BF6A"/>
-                </a:solidFill>
-                <a:latin typeface="Lucida Console"/>
-                <a:ea typeface="Calibri"/>
-                <a:cs typeface="Courier New"/>
-              </a:rPr>
-              <a:t>textarea</a:t>
-            </a:r>
-            <a:r>
-              <a:rPr lang="en-US" sz="1050" dirty="0">
-                <a:solidFill>
-                  <a:srgbClr val="E8BF6A"/>
-                </a:solidFill>
-                <a:latin typeface="Lucida Console"/>
-                <a:ea typeface="Calibri"/>
-                <a:cs typeface="Courier New"/>
-              </a:rPr>
-              <a:t> name=</a:t>
-            </a:r>
-            <a:r>
-              <a:rPr lang="en-US" sz="1050" dirty="0">
-                <a:solidFill>
-                  <a:srgbClr val="A5C261"/>
-                </a:solidFill>
-                <a:latin typeface="Lucida Console"/>
-                <a:ea typeface="Calibri"/>
-                <a:cs typeface="Courier New"/>
-              </a:rPr>
-              <a:t>"file"</a:t>
-            </a:r>
-            <a:r>
-              <a:rPr lang="en-US" sz="1050" dirty="0">
-                <a:solidFill>
-                  <a:srgbClr val="E8BF6A"/>
-                </a:solidFill>
-                <a:latin typeface="Lucida Console"/>
-                <a:ea typeface="Calibri"/>
-                <a:cs typeface="Courier New"/>
-              </a:rPr>
-              <a:t>&gt;</a:t>
-            </a:r>
-            <a:r>
-              <a:rPr lang="en-US" sz="1050" dirty="0">
-                <a:solidFill>
-                  <a:srgbClr val="A9B7C6"/>
-                </a:solidFill>
-                <a:latin typeface="Lucida Console"/>
-                <a:ea typeface="Calibri"/>
-                <a:cs typeface="Courier New"/>
-              </a:rPr>
-              <a:t>Place mdJson here</a:t>
-            </a:r>
-            <a:r>
-              <a:rPr lang="en-US" sz="1050" dirty="0">
-                <a:solidFill>
-                  <a:srgbClr val="E8BF6A"/>
-                </a:solidFill>
-                <a:latin typeface="Lucida Console"/>
-                <a:ea typeface="Calibri"/>
-                <a:cs typeface="Courier New"/>
-              </a:rPr>
-              <a:t>&lt;/</a:t>
-            </a:r>
-            <a:r>
-              <a:rPr lang="en-US" sz="1050" dirty="0" err="1">
-                <a:solidFill>
-                  <a:srgbClr val="E8BF6A"/>
-                </a:solidFill>
-                <a:latin typeface="Lucida Console"/>
-                <a:ea typeface="Calibri"/>
-                <a:cs typeface="Courier New"/>
-              </a:rPr>
-              <a:t>textarea</a:t>
-            </a:r>
-            <a:r>
-              <a:rPr lang="en-US" sz="1050" dirty="0">
-                <a:solidFill>
-                  <a:srgbClr val="E8BF6A"/>
-                </a:solidFill>
-                <a:latin typeface="Lucida Console"/>
-                <a:ea typeface="Calibri"/>
-                <a:cs typeface="Courier New"/>
-              </a:rPr>
-              <a:t>&gt;</a:t>
-            </a:r>
-            <a:br>
-              <a:rPr lang="en-US" sz="1050" dirty="0">
-                <a:solidFill>
-                  <a:srgbClr val="E8BF6A"/>
-                </a:solidFill>
-                <a:latin typeface="Lucida Console"/>
-                <a:ea typeface="Calibri"/>
-                <a:cs typeface="Courier New"/>
-              </a:rPr>
-            </a:br>
-            <a:r>
-              <a:rPr lang="en-US" sz="1050" dirty="0">
-                <a:solidFill>
-                  <a:srgbClr val="E8BF6A"/>
-                </a:solidFill>
-                <a:latin typeface="Lucida Console"/>
-                <a:ea typeface="Calibri"/>
-                <a:cs typeface="Courier New"/>
-              </a:rPr>
-              <a:t>         &lt;/div&gt;</a:t>
-            </a:r>
-            <a:br>
-              <a:rPr lang="en-US" sz="1050" dirty="0">
-                <a:solidFill>
-                  <a:srgbClr val="E8BF6A"/>
-                </a:solidFill>
-                <a:latin typeface="Lucida Console"/>
-                <a:ea typeface="Calibri"/>
-                <a:cs typeface="Courier New"/>
-              </a:rPr>
-            </a:br>
-            <a:r>
-              <a:rPr lang="en-US" sz="1050" dirty="0">
-                <a:solidFill>
-                  <a:srgbClr val="E8BF6A"/>
-                </a:solidFill>
-                <a:latin typeface="Lucida Console"/>
-                <a:ea typeface="Calibri"/>
-                <a:cs typeface="Courier New"/>
-              </a:rPr>
-              <a:t>      &lt;/div&gt;</a:t>
-            </a:r>
-            <a:br>
-              <a:rPr lang="en-US" sz="1050" dirty="0">
-                <a:solidFill>
-                  <a:srgbClr val="E8BF6A"/>
-                </a:solidFill>
-                <a:latin typeface="Lucida Console"/>
-                <a:ea typeface="Calibri"/>
-                <a:cs typeface="Courier New"/>
-              </a:rPr>
-            </a:br>
-            <a:r>
-              <a:rPr lang="en-US" sz="1050" dirty="0">
-                <a:solidFill>
-                  <a:srgbClr val="E8BF6A"/>
-                </a:solidFill>
-                <a:latin typeface="Lucida Console"/>
-                <a:ea typeface="Calibri"/>
-                <a:cs typeface="Courier New"/>
-              </a:rPr>
-              <a:t/>
-            </a:r>
-            <a:br>
-              <a:rPr lang="en-US" sz="1050" dirty="0">
-                <a:solidFill>
-                  <a:srgbClr val="E8BF6A"/>
-                </a:solidFill>
-                <a:latin typeface="Lucida Console"/>
-                <a:ea typeface="Calibri"/>
-                <a:cs typeface="Courier New"/>
-              </a:rPr>
-            </a:br>
-            <a:r>
-              <a:rPr lang="en-US" sz="1050" dirty="0">
-                <a:solidFill>
-                  <a:srgbClr val="E8BF6A"/>
-                </a:solidFill>
-                <a:latin typeface="Lucida Console"/>
-                <a:ea typeface="Calibri"/>
-                <a:cs typeface="Courier New"/>
-              </a:rPr>
-              <a:t>      &lt;div class=</a:t>
-            </a:r>
-            <a:r>
-              <a:rPr lang="en-US" sz="1050" dirty="0">
-                <a:solidFill>
-                  <a:srgbClr val="A5C261"/>
-                </a:solidFill>
-                <a:latin typeface="Lucida Console"/>
-                <a:ea typeface="Calibri"/>
-                <a:cs typeface="Courier New"/>
-              </a:rPr>
-              <a:t>"buttons"</a:t>
-            </a:r>
-            <a:r>
-              <a:rPr lang="en-US" sz="1050" dirty="0">
-                <a:solidFill>
-                  <a:srgbClr val="E8BF6A"/>
-                </a:solidFill>
-                <a:latin typeface="Lucida Console"/>
-                <a:ea typeface="Calibri"/>
-                <a:cs typeface="Courier New"/>
-              </a:rPr>
-              <a:t>&gt;</a:t>
-            </a:r>
-            <a:br>
-              <a:rPr lang="en-US" sz="1050" dirty="0">
-                <a:solidFill>
-                  <a:srgbClr val="E8BF6A"/>
-                </a:solidFill>
-                <a:latin typeface="Lucida Console"/>
-                <a:ea typeface="Calibri"/>
-                <a:cs typeface="Courier New"/>
-              </a:rPr>
-            </a:br>
-            <a:r>
-              <a:rPr lang="en-US" sz="1050" dirty="0">
-                <a:solidFill>
-                  <a:srgbClr val="E8BF6A"/>
-                </a:solidFill>
-                <a:latin typeface="Lucida Console"/>
-                <a:ea typeface="Calibri"/>
-                <a:cs typeface="Courier New"/>
-              </a:rPr>
-              <a:t>         &lt;input type=</a:t>
-            </a:r>
-            <a:r>
-              <a:rPr lang="en-US" sz="1050" dirty="0">
-                <a:solidFill>
-                  <a:srgbClr val="A5C261"/>
-                </a:solidFill>
-                <a:latin typeface="Lucida Console"/>
-                <a:ea typeface="Calibri"/>
-                <a:cs typeface="Courier New"/>
-              </a:rPr>
-              <a:t>"hidden" </a:t>
-            </a:r>
-            <a:r>
-              <a:rPr lang="en-US" sz="1050" dirty="0">
-                <a:solidFill>
-                  <a:srgbClr val="E8BF6A"/>
-                </a:solidFill>
-                <a:latin typeface="Lucida Console"/>
-                <a:ea typeface="Calibri"/>
-                <a:cs typeface="Courier New"/>
-              </a:rPr>
-              <a:t>name=</a:t>
-            </a:r>
-            <a:r>
-              <a:rPr lang="en-US" sz="1050" dirty="0">
-                <a:solidFill>
-                  <a:srgbClr val="A5C261"/>
-                </a:solidFill>
-                <a:latin typeface="Lucida Console"/>
-                <a:ea typeface="Calibri"/>
-                <a:cs typeface="Courier New"/>
-              </a:rPr>
-              <a:t>"</a:t>
-            </a:r>
-            <a:r>
-              <a:rPr lang="en-US" sz="1050" dirty="0" err="1">
-                <a:solidFill>
-                  <a:srgbClr val="A5C261"/>
-                </a:solidFill>
-                <a:latin typeface="Lucida Console"/>
-                <a:ea typeface="Calibri"/>
-                <a:cs typeface="Courier New"/>
-              </a:rPr>
-              <a:t>form_id</a:t>
-            </a:r>
-            <a:r>
-              <a:rPr lang="en-US" sz="1050" dirty="0">
-                <a:solidFill>
-                  <a:srgbClr val="A5C261"/>
-                </a:solidFill>
-                <a:latin typeface="Lucida Console"/>
-                <a:ea typeface="Calibri"/>
-                <a:cs typeface="Courier New"/>
-              </a:rPr>
-              <a:t>" </a:t>
-            </a:r>
-            <a:r>
-              <a:rPr lang="en-US" sz="1050" dirty="0">
-                <a:solidFill>
-                  <a:srgbClr val="E8BF6A"/>
-                </a:solidFill>
-                <a:latin typeface="Lucida Console"/>
-                <a:ea typeface="Calibri"/>
-                <a:cs typeface="Courier New"/>
-              </a:rPr>
-              <a:t>value=</a:t>
-            </a:r>
-            <a:r>
-              <a:rPr lang="en-US" sz="1050" dirty="0">
-                <a:solidFill>
-                  <a:srgbClr val="A5C261"/>
-                </a:solidFill>
-                <a:latin typeface="Lucida Console"/>
-                <a:ea typeface="Calibri"/>
-                <a:cs typeface="Courier New"/>
-              </a:rPr>
-              <a:t>"759352"</a:t>
-            </a:r>
-            <a:r>
-              <a:rPr lang="en-US" sz="1050" dirty="0">
-                <a:solidFill>
-                  <a:srgbClr val="E8BF6A"/>
-                </a:solidFill>
-                <a:latin typeface="Lucida Console"/>
-                <a:ea typeface="Calibri"/>
-                <a:cs typeface="Courier New"/>
-              </a:rPr>
-              <a:t>/&gt;</a:t>
-            </a:r>
-            <a:br>
-              <a:rPr lang="en-US" sz="1050" dirty="0">
-                <a:solidFill>
-                  <a:srgbClr val="E8BF6A"/>
-                </a:solidFill>
-                <a:latin typeface="Lucida Console"/>
-                <a:ea typeface="Calibri"/>
-                <a:cs typeface="Courier New"/>
-              </a:rPr>
-            </a:br>
-            <a:r>
-              <a:rPr lang="en-US" sz="1050" dirty="0">
-                <a:solidFill>
-                  <a:srgbClr val="E8BF6A"/>
-                </a:solidFill>
-                <a:latin typeface="Lucida Console"/>
-                <a:ea typeface="Calibri"/>
-                <a:cs typeface="Courier New"/>
-              </a:rPr>
-              <a:t>         &lt;input id=</a:t>
-            </a:r>
-            <a:r>
-              <a:rPr lang="en-US" sz="1050" dirty="0">
-                <a:solidFill>
-                  <a:srgbClr val="A5C261"/>
-                </a:solidFill>
-                <a:latin typeface="Lucida Console"/>
-                <a:ea typeface="Calibri"/>
-                <a:cs typeface="Courier New"/>
-              </a:rPr>
-              <a:t>"</a:t>
-            </a:r>
-            <a:r>
-              <a:rPr lang="en-US" sz="1050" dirty="0" err="1">
-                <a:solidFill>
-                  <a:srgbClr val="A5C261"/>
-                </a:solidFill>
-                <a:latin typeface="Lucida Console"/>
-                <a:ea typeface="Calibri"/>
-                <a:cs typeface="Courier New"/>
-              </a:rPr>
-              <a:t>saveForm</a:t>
-            </a:r>
-            <a:r>
-              <a:rPr lang="en-US" sz="1050" dirty="0">
-                <a:solidFill>
-                  <a:srgbClr val="A5C261"/>
-                </a:solidFill>
-                <a:latin typeface="Lucida Console"/>
-                <a:ea typeface="Calibri"/>
-                <a:cs typeface="Courier New"/>
-              </a:rPr>
-              <a:t>" </a:t>
-            </a:r>
-            <a:r>
-              <a:rPr lang="en-US" sz="1050" dirty="0">
-                <a:solidFill>
-                  <a:srgbClr val="E8BF6A"/>
-                </a:solidFill>
-                <a:latin typeface="Lucida Console"/>
-                <a:ea typeface="Calibri"/>
-                <a:cs typeface="Courier New"/>
-              </a:rPr>
-              <a:t>class=</a:t>
-            </a:r>
-            <a:r>
-              <a:rPr lang="en-US" sz="1050" dirty="0">
-                <a:solidFill>
-                  <a:srgbClr val="A5C261"/>
-                </a:solidFill>
-                <a:latin typeface="Lucida Console"/>
-                <a:ea typeface="Calibri"/>
-                <a:cs typeface="Courier New"/>
-              </a:rPr>
-              <a:t>"</a:t>
-            </a:r>
-            <a:r>
-              <a:rPr lang="en-US" sz="1050" dirty="0" err="1">
-                <a:solidFill>
-                  <a:srgbClr val="A5C261"/>
-                </a:solidFill>
-                <a:latin typeface="Lucida Console"/>
-                <a:ea typeface="Calibri"/>
-                <a:cs typeface="Courier New"/>
-              </a:rPr>
-              <a:t>button_text</a:t>
-            </a:r>
-            <a:r>
-              <a:rPr lang="en-US" sz="1050" dirty="0">
-                <a:solidFill>
-                  <a:srgbClr val="A5C261"/>
-                </a:solidFill>
-                <a:latin typeface="Lucida Console"/>
-                <a:ea typeface="Calibri"/>
-                <a:cs typeface="Courier New"/>
-              </a:rPr>
-              <a:t>" </a:t>
-            </a:r>
-            <a:r>
-              <a:rPr lang="en-US" sz="1050" dirty="0">
-                <a:solidFill>
-                  <a:srgbClr val="E8BF6A"/>
-                </a:solidFill>
-                <a:latin typeface="Lucida Console"/>
-                <a:ea typeface="Calibri"/>
-                <a:cs typeface="Courier New"/>
-              </a:rPr>
-              <a:t>type=</a:t>
-            </a:r>
-            <a:r>
-              <a:rPr lang="en-US" sz="1050" dirty="0">
-                <a:solidFill>
-                  <a:srgbClr val="A5C261"/>
-                </a:solidFill>
-                <a:latin typeface="Lucida Console"/>
-                <a:ea typeface="Calibri"/>
-                <a:cs typeface="Courier New"/>
-              </a:rPr>
-              <a:t>"submit" </a:t>
-            </a:r>
-            <a:br>
-              <a:rPr lang="en-US" sz="1050" dirty="0">
-                <a:solidFill>
-                  <a:srgbClr val="A5C261"/>
-                </a:solidFill>
-                <a:latin typeface="Lucida Console"/>
-                <a:ea typeface="Calibri"/>
-                <a:cs typeface="Courier New"/>
-              </a:rPr>
-            </a:br>
-            <a:r>
-              <a:rPr lang="en-US" sz="1050" dirty="0">
-                <a:solidFill>
-                  <a:srgbClr val="E8BF6A"/>
-                </a:solidFill>
-                <a:latin typeface="Lucida Console"/>
-                <a:ea typeface="Calibri"/>
-                <a:cs typeface="Courier New"/>
-              </a:rPr>
-              <a:t>            name=</a:t>
-            </a:r>
-            <a:r>
-              <a:rPr lang="en-US" sz="1050" dirty="0">
-                <a:solidFill>
-                  <a:srgbClr val="A5C261"/>
-                </a:solidFill>
-                <a:latin typeface="Lucida Console"/>
-                <a:ea typeface="Calibri"/>
-                <a:cs typeface="Courier New"/>
-              </a:rPr>
-              <a:t>"submit" </a:t>
-            </a:r>
-            <a:r>
-              <a:rPr lang="en-US" sz="1050" dirty="0">
-                <a:solidFill>
-                  <a:srgbClr val="E8BF6A"/>
-                </a:solidFill>
-                <a:latin typeface="Lucida Console"/>
-                <a:ea typeface="Calibri"/>
-                <a:cs typeface="Courier New"/>
-              </a:rPr>
-              <a:t>value=</a:t>
-            </a:r>
-            <a:r>
-              <a:rPr lang="en-US" sz="1050" dirty="0">
-                <a:solidFill>
-                  <a:srgbClr val="A5C261"/>
-                </a:solidFill>
-                <a:latin typeface="Lucida Console"/>
-                <a:ea typeface="Calibri"/>
-                <a:cs typeface="Courier New"/>
-              </a:rPr>
-              <a:t>"Submit"</a:t>
-            </a:r>
-            <a:r>
-              <a:rPr lang="en-US" sz="1050" dirty="0">
-                <a:solidFill>
-                  <a:srgbClr val="E8BF6A"/>
-                </a:solidFill>
-                <a:latin typeface="Lucida Console"/>
-                <a:ea typeface="Calibri"/>
-                <a:cs typeface="Courier New"/>
-              </a:rPr>
-              <a:t>/&gt;</a:t>
-            </a:r>
-            <a:br>
-              <a:rPr lang="en-US" sz="1050" dirty="0">
-                <a:solidFill>
-                  <a:srgbClr val="E8BF6A"/>
-                </a:solidFill>
-                <a:latin typeface="Lucida Console"/>
-                <a:ea typeface="Calibri"/>
-                <a:cs typeface="Courier New"/>
-              </a:rPr>
-            </a:br>
-            <a:r>
-              <a:rPr lang="en-US" sz="1050" dirty="0">
-                <a:solidFill>
-                  <a:srgbClr val="E8BF6A"/>
-                </a:solidFill>
-                <a:latin typeface="Lucida Console"/>
-                <a:ea typeface="Calibri"/>
-                <a:cs typeface="Courier New"/>
-              </a:rPr>
-              <a:t>      &lt;/div&gt;</a:t>
-            </a:r>
-            <a:br>
-              <a:rPr lang="en-US" sz="1050" dirty="0">
-                <a:solidFill>
-                  <a:srgbClr val="E8BF6A"/>
-                </a:solidFill>
-                <a:latin typeface="Lucida Console"/>
-                <a:ea typeface="Calibri"/>
-                <a:cs typeface="Courier New"/>
-              </a:rPr>
-            </a:br>
-            <a:r>
-              <a:rPr lang="en-US" sz="1050" dirty="0">
-                <a:solidFill>
-                  <a:srgbClr val="E8BF6A"/>
-                </a:solidFill>
-                <a:latin typeface="Lucida Console"/>
-                <a:ea typeface="Calibri"/>
-                <a:cs typeface="Courier New"/>
-              </a:rPr>
-              <a:t/>
-            </a:r>
-            <a:br>
-              <a:rPr lang="en-US" sz="1050" dirty="0">
-                <a:solidFill>
-                  <a:srgbClr val="E8BF6A"/>
-                </a:solidFill>
-                <a:latin typeface="Lucida Console"/>
-                <a:ea typeface="Calibri"/>
-                <a:cs typeface="Courier New"/>
-              </a:rPr>
-            </a:br>
-            <a:r>
-              <a:rPr lang="en-US" sz="1050" dirty="0">
-                <a:solidFill>
-                  <a:srgbClr val="E8BF6A"/>
-                </a:solidFill>
-                <a:latin typeface="Lucida Console"/>
-                <a:ea typeface="Calibri"/>
-                <a:cs typeface="Courier New"/>
-              </a:rPr>
-              <a:t>      &lt;div&gt;</a:t>
-            </a:r>
-            <a:br>
-              <a:rPr lang="en-US" sz="1050" dirty="0">
-                <a:solidFill>
-                  <a:srgbClr val="E8BF6A"/>
-                </a:solidFill>
-                <a:latin typeface="Lucida Console"/>
-                <a:ea typeface="Calibri"/>
-                <a:cs typeface="Courier New"/>
-              </a:rPr>
-            </a:br>
-            <a:r>
-              <a:rPr lang="en-US" sz="1050" dirty="0">
-                <a:solidFill>
-                  <a:srgbClr val="E8BF6A"/>
-                </a:solidFill>
-                <a:latin typeface="Lucida Console"/>
-                <a:ea typeface="Calibri"/>
-                <a:cs typeface="Courier New"/>
-              </a:rPr>
-              <a:t>         &lt;p&gt;</a:t>
-            </a:r>
-            <a:br>
-              <a:rPr lang="en-US" sz="1050" dirty="0">
-                <a:solidFill>
-                  <a:srgbClr val="E8BF6A"/>
-                </a:solidFill>
-                <a:latin typeface="Lucida Console"/>
-                <a:ea typeface="Calibri"/>
-                <a:cs typeface="Courier New"/>
-              </a:rPr>
-            </a:br>
-            <a:r>
-              <a:rPr lang="en-US" sz="1050" dirty="0">
-                <a:solidFill>
-                  <a:srgbClr val="E8BF6A"/>
-                </a:solidFill>
-                <a:latin typeface="Lucida Console"/>
-                <a:ea typeface="Calibri"/>
-                <a:cs typeface="Courier New"/>
-              </a:rPr>
-              <a:t>            </a:t>
-            </a:r>
-            <a:r>
-              <a:rPr lang="en-US" sz="1050" dirty="0">
-                <a:solidFill>
-                  <a:srgbClr val="A9B7C6"/>
-                </a:solidFill>
-                <a:latin typeface="Lucida Console"/>
-                <a:ea typeface="Calibri"/>
-                <a:cs typeface="Courier New"/>
-              </a:rPr>
-              <a:t>For more info visit the</a:t>
-            </a:r>
-            <a:br>
-              <a:rPr lang="en-US" sz="1050" dirty="0">
-                <a:solidFill>
-                  <a:srgbClr val="A9B7C6"/>
-                </a:solidFill>
-                <a:latin typeface="Lucida Console"/>
-                <a:ea typeface="Calibri"/>
-                <a:cs typeface="Courier New"/>
-              </a:rPr>
-            </a:br>
-            <a:r>
-              <a:rPr lang="en-US" sz="1050" dirty="0">
-                <a:solidFill>
-                  <a:srgbClr val="A9B7C6"/>
-                </a:solidFill>
-                <a:latin typeface="Lucida Console"/>
-                <a:ea typeface="Calibri"/>
-                <a:cs typeface="Courier New"/>
-              </a:rPr>
-              <a:t>            </a:t>
-            </a:r>
-            <a:r>
-              <a:rPr lang="en-US" sz="1050" dirty="0">
-                <a:solidFill>
-                  <a:srgbClr val="E8BF6A"/>
-                </a:solidFill>
-                <a:latin typeface="Lucida Console"/>
-                <a:ea typeface="Calibri"/>
-                <a:cs typeface="Courier New"/>
-              </a:rPr>
-              <a:t>&lt;a </a:t>
-            </a:r>
-            <a:r>
-              <a:rPr lang="en-US" sz="1050" dirty="0" err="1">
-                <a:solidFill>
-                  <a:srgbClr val="E8BF6A"/>
-                </a:solidFill>
-                <a:latin typeface="Lucida Console"/>
-                <a:ea typeface="Calibri"/>
-                <a:cs typeface="Courier New"/>
-              </a:rPr>
-              <a:t>href</a:t>
-            </a:r>
-            <a:r>
-              <a:rPr lang="en-US" sz="1050" dirty="0">
-                <a:solidFill>
-                  <a:srgbClr val="E8BF6A"/>
-                </a:solidFill>
-                <a:latin typeface="Lucida Console"/>
-                <a:ea typeface="Calibri"/>
-                <a:cs typeface="Courier New"/>
-              </a:rPr>
-              <a:t>=</a:t>
-            </a:r>
-            <a:r>
-              <a:rPr lang="en-US" sz="1050" dirty="0">
-                <a:solidFill>
-                  <a:srgbClr val="A5C261"/>
-                </a:solidFill>
-                <a:latin typeface="Lucida Console"/>
-                <a:ea typeface="Calibri"/>
-                <a:cs typeface="Courier New"/>
-              </a:rPr>
-              <a:t>"http://www.adiwg.org/mdTranslator"</a:t>
-            </a:r>
-            <a:r>
-              <a:rPr lang="en-US" sz="1050" dirty="0">
-                <a:solidFill>
-                  <a:srgbClr val="E8BF6A"/>
-                </a:solidFill>
-                <a:latin typeface="Lucida Console"/>
-                <a:ea typeface="Calibri"/>
-                <a:cs typeface="Courier New"/>
-              </a:rPr>
-              <a:t>&gt;</a:t>
-            </a:r>
-            <a:r>
-              <a:rPr lang="en-US" sz="1050" dirty="0">
-                <a:solidFill>
-                  <a:srgbClr val="A9B7C6"/>
-                </a:solidFill>
-                <a:latin typeface="Lucida Console"/>
-                <a:ea typeface="Calibri"/>
-                <a:cs typeface="Courier New"/>
-              </a:rPr>
-              <a:t>mdTranslator </a:t>
-            </a:r>
-            <a:br>
-              <a:rPr lang="en-US" sz="1050" dirty="0">
-                <a:solidFill>
-                  <a:srgbClr val="A9B7C6"/>
-                </a:solidFill>
-                <a:latin typeface="Lucida Console"/>
-                <a:ea typeface="Calibri"/>
-                <a:cs typeface="Courier New"/>
-              </a:rPr>
-            </a:br>
-            <a:r>
-              <a:rPr lang="en-US" sz="1050" dirty="0">
-                <a:solidFill>
-                  <a:srgbClr val="A9B7C6"/>
-                </a:solidFill>
-                <a:latin typeface="Lucida Console"/>
-                <a:ea typeface="Calibri"/>
-                <a:cs typeface="Courier New"/>
-              </a:rPr>
-              <a:t>               website</a:t>
-            </a:r>
-            <a:r>
-              <a:rPr lang="en-US" sz="1050" dirty="0">
-                <a:solidFill>
-                  <a:srgbClr val="E8BF6A"/>
-                </a:solidFill>
-                <a:latin typeface="Lucida Console"/>
-                <a:ea typeface="Calibri"/>
-                <a:cs typeface="Courier New"/>
-              </a:rPr>
-              <a:t>&lt;/a&gt;</a:t>
-            </a:r>
-            <a:r>
-              <a:rPr lang="en-US" sz="1050" dirty="0">
-                <a:solidFill>
-                  <a:srgbClr val="A9B7C6"/>
-                </a:solidFill>
-                <a:latin typeface="Lucida Console"/>
-                <a:ea typeface="Calibri"/>
-                <a:cs typeface="Courier New"/>
-              </a:rPr>
-              <a:t>.</a:t>
-            </a:r>
-            <a:br>
-              <a:rPr lang="en-US" sz="1050" dirty="0">
-                <a:solidFill>
-                  <a:srgbClr val="A9B7C6"/>
-                </a:solidFill>
-                <a:latin typeface="Lucida Console"/>
-                <a:ea typeface="Calibri"/>
-                <a:cs typeface="Courier New"/>
-              </a:rPr>
-            </a:br>
-            <a:r>
-              <a:rPr lang="en-US" sz="1050" dirty="0">
-                <a:solidFill>
-                  <a:srgbClr val="A9B7C6"/>
-                </a:solidFill>
-                <a:latin typeface="Lucida Console"/>
-                <a:ea typeface="Calibri"/>
-                <a:cs typeface="Courier New"/>
-              </a:rPr>
-              <a:t>         </a:t>
-            </a:r>
-            <a:r>
-              <a:rPr lang="en-US" sz="1050" dirty="0">
-                <a:solidFill>
-                  <a:srgbClr val="E8BF6A"/>
-                </a:solidFill>
-                <a:latin typeface="Lucida Console"/>
-                <a:ea typeface="Calibri"/>
-                <a:cs typeface="Courier New"/>
-              </a:rPr>
-              <a:t>&lt;/p&gt;</a:t>
-            </a:r>
-            <a:br>
-              <a:rPr lang="en-US" sz="1050" dirty="0">
-                <a:solidFill>
-                  <a:srgbClr val="E8BF6A"/>
-                </a:solidFill>
-                <a:latin typeface="Lucida Console"/>
-                <a:ea typeface="Calibri"/>
-                <a:cs typeface="Courier New"/>
-              </a:rPr>
-            </a:br>
-            <a:r>
-              <a:rPr lang="en-US" sz="1050" dirty="0">
-                <a:solidFill>
-                  <a:srgbClr val="E8BF6A"/>
-                </a:solidFill>
-                <a:latin typeface="Lucida Console"/>
-                <a:ea typeface="Calibri"/>
-                <a:cs typeface="Courier New"/>
-              </a:rPr>
-              <a:t>      &lt;/div&gt;</a:t>
-            </a:r>
-            <a:br>
-              <a:rPr lang="en-US" sz="1050" dirty="0">
-                <a:solidFill>
-                  <a:srgbClr val="E8BF6A"/>
-                </a:solidFill>
-                <a:latin typeface="Lucida Console"/>
-                <a:ea typeface="Calibri"/>
-                <a:cs typeface="Courier New"/>
-              </a:rPr>
-            </a:br>
-            <a:r>
-              <a:rPr lang="en-US" sz="1050" dirty="0">
-                <a:solidFill>
-                  <a:srgbClr val="E8BF6A"/>
-                </a:solidFill>
-                <a:latin typeface="Lucida Console"/>
-                <a:ea typeface="Calibri"/>
-                <a:cs typeface="Courier New"/>
-              </a:rPr>
-              <a:t>   </a:t>
-            </a:r>
-            <a:r>
-              <a:rPr lang="en-US" sz="1050" b="1" dirty="0">
-                <a:solidFill>
-                  <a:srgbClr val="A9B7C6"/>
-                </a:solidFill>
-                <a:latin typeface="Lucida Console"/>
-                <a:ea typeface="Calibri"/>
-                <a:cs typeface="Courier New"/>
-              </a:rPr>
-              <a:t>&lt;% </a:t>
-            </a:r>
-            <a:r>
-              <a:rPr lang="en-US" sz="1050" dirty="0">
-                <a:solidFill>
-                  <a:srgbClr val="CC7833"/>
-                </a:solidFill>
-                <a:latin typeface="Lucida Console"/>
-                <a:ea typeface="Calibri"/>
-                <a:cs typeface="Courier New"/>
-              </a:rPr>
-              <a:t>end </a:t>
-            </a:r>
-            <a:r>
-              <a:rPr lang="en-US" sz="1050" dirty="0">
-                <a:solidFill>
-                  <a:srgbClr val="A9B7C6"/>
-                </a:solidFill>
-                <a:latin typeface="Lucida Console"/>
-                <a:ea typeface="Calibri"/>
-                <a:cs typeface="Courier New"/>
-              </a:rPr>
-              <a:t>%&gt;</a:t>
-            </a:r>
-            <a:br>
-              <a:rPr lang="en-US" sz="1050" dirty="0">
-                <a:solidFill>
-                  <a:srgbClr val="A9B7C6"/>
-                </a:solidFill>
-                <a:latin typeface="Lucida Console"/>
-                <a:ea typeface="Calibri"/>
-                <a:cs typeface="Courier New"/>
-              </a:rPr>
-            </a:br>
-            <a:r>
-              <a:rPr lang="en-US" sz="1050" dirty="0">
-                <a:solidFill>
-                  <a:srgbClr val="E8BF6A"/>
-                </a:solidFill>
-                <a:latin typeface="Lucida Console"/>
-                <a:ea typeface="Calibri"/>
-                <a:cs typeface="Courier New"/>
-              </a:rPr>
-              <a:t>&lt;/div</a:t>
-            </a:r>
-            <a:r>
-              <a:rPr lang="en-US" sz="1050" dirty="0" smtClean="0">
-                <a:solidFill>
-                  <a:srgbClr val="E8BF6A"/>
-                </a:solidFill>
-                <a:latin typeface="Lucida Console"/>
-                <a:ea typeface="Calibri"/>
-                <a:cs typeface="Courier New"/>
-              </a:rPr>
-              <a:t>&gt;</a:t>
-            </a:r>
-            <a:endParaRPr lang="en-US" sz="1050" dirty="0">
-              <a:effectLst/>
-              <a:latin typeface="Calibri"/>
-              <a:ea typeface="Calibri"/>
-              <a:cs typeface="Times New Roman"/>
-            </a:endParaRPr>
-          </a:p>
-        </p:txBody>
-      </p:sp>
     </p:spTree>
     <p:extLst>
       <p:ext uri="{BB962C8B-B14F-4D97-AF65-F5344CB8AC3E}">
-        <p14:creationId xmlns:p14="http://schemas.microsoft.com/office/powerpoint/2010/main" val="214524616"/>
+        <p14:creationId xmlns:p14="http://schemas.microsoft.com/office/powerpoint/2010/main" val="1134745834"/>
       </p:ext>
     </p:extLst>
   </p:cSld>
@@ -19685,63 +19030,7 @@
           <a:bodyPr/>
           <a:lstStyle/>
           <a:p>
-            <a:r>
-              <a:rPr lang="en-US" dirty="0"/>
-              <a:t>mdTranslator on Rails </a:t>
-            </a:r>
-            <a:r>
-              <a:rPr lang="en-US" dirty="0" smtClean="0"/>
-              <a:t>6</a:t>
-            </a:r>
-            <a:endParaRPr lang="en-US" dirty="0"/>
-          </a:p>
-        </p:txBody>
-      </p:sp>
-      <p:sp>
-        <p:nvSpPr>
-          <p:cNvPr id="3" name="Content Placeholder 2"/>
-          <p:cNvSpPr>
-            <a:spLocks noGrp="1"/>
-          </p:cNvSpPr>
-          <p:nvPr>
-            <p:ph idx="1"/>
-          </p:nvPr>
-        </p:nvSpPr>
-        <p:spPr/>
-        <p:txBody>
-          <a:bodyPr vert="horz" lIns="91440" tIns="45720" rIns="91440" bIns="45720" rtlCol="0">
-            <a:normAutofit/>
-          </a:bodyPr>
-          <a:lstStyle/>
-          <a:p>
-            <a:pPr marL="457200" indent="-457200">
-              <a:buFont typeface="+mj-lt"/>
-              <a:buAutoNum type="arabicPeriod" startAt="10"/>
-            </a:pPr>
-            <a:r>
-              <a:rPr lang="en-US" sz="1800" dirty="0"/>
-              <a:t>The updated index </a:t>
-            </a:r>
-            <a:r>
-              <a:rPr lang="en-US" sz="1800" dirty="0" smtClean="0"/>
-              <a:t>page now looks </a:t>
-            </a:r>
-            <a:r>
-              <a:rPr lang="en-US" sz="1800" dirty="0"/>
-              <a:t>like </a:t>
-            </a:r>
-            <a:r>
-              <a:rPr lang="en-US" sz="1800" dirty="0" smtClean="0"/>
-              <a:t>this …</a:t>
-            </a:r>
-            <a:endParaRPr lang="en-US" sz="1800" dirty="0"/>
-          </a:p>
-          <a:p>
-            <a:pPr marL="457200" indent="-457200">
-              <a:buFont typeface="+mj-lt"/>
-              <a:buAutoNum type="arabicPeriod" startAt="10"/>
-            </a:pPr>
-            <a:endParaRPr lang="en-US" sz="1800" dirty="0"/>
+            <a:endParaRPr lang="en-US"/>
           </a:p>
         </p:txBody>
       </p:sp>
@@ -19802,6 +19091,1756 @@
               <a:defRPr/>
             </a:pPr>
             <a:r>
+              <a:rPr lang="en-US" dirty="0" smtClean="0">
+                <a:solidFill>
+                  <a:srgbClr val="04617B">
+                    <a:shade val="90000"/>
+                  </a:srgbClr>
+                </a:solidFill>
+              </a:rPr>
+              <a:t>www.adiwg.org</a:t>
+            </a:r>
+          </a:p>
+        </p:txBody>
+      </p:sp>
+      <p:sp>
+        <p:nvSpPr>
+          <p:cNvPr id="6" name="Slide Number Placeholder 5"/>
+          <p:cNvSpPr>
+            <a:spLocks noGrp="1"/>
+          </p:cNvSpPr>
+          <p:nvPr>
+            <p:ph type="sldNum" sz="quarter" idx="12"/>
+          </p:nvPr>
+        </p:nvSpPr>
+        <p:spPr/>
+        <p:txBody>
+          <a:bodyPr/>
+          <a:lstStyle/>
+          <a:p>
+            <a:pPr>
+              <a:defRPr/>
+            </a:pPr>
+            <a:fld id="{D96B19B3-FA35-4262-952F-7D873B09162D}" type="slidenum">
+              <a:rPr lang="en-US" smtClean="0">
+                <a:solidFill>
+                  <a:srgbClr val="04617B">
+                    <a:shade val="90000"/>
+                  </a:srgbClr>
+                </a:solidFill>
+              </a:rPr>
+              <a:pPr>
+                <a:defRPr/>
+              </a:pPr>
+              <a:t>8</a:t>
+            </a:fld>
+            <a:endParaRPr lang="en-US" dirty="0">
+              <a:solidFill>
+                <a:srgbClr val="04617B">
+                  <a:shade val="90000"/>
+                </a:srgbClr>
+              </a:solidFill>
+            </a:endParaRPr>
+          </a:p>
+        </p:txBody>
+      </p:sp>
+      <p:sp>
+        <p:nvSpPr>
+          <p:cNvPr id="8" name="Rectangle 7"/>
+          <p:cNvSpPr/>
+          <p:nvPr/>
+        </p:nvSpPr>
+        <p:spPr>
+          <a:xfrm>
+            <a:off x="1371600" y="228600"/>
+            <a:ext cx="6400800" cy="6070893"/>
+          </a:xfrm>
+          <a:prstGeom prst="rect">
+            <a:avLst/>
+          </a:prstGeom>
+        </p:spPr>
+        <p:style>
+          <a:lnRef idx="2">
+            <a:schemeClr val="dk1">
+              <a:shade val="50000"/>
+            </a:schemeClr>
+          </a:lnRef>
+          <a:fillRef idx="1">
+            <a:schemeClr val="dk1"/>
+          </a:fillRef>
+          <a:effectRef idx="0">
+            <a:schemeClr val="dk1"/>
+          </a:effectRef>
+          <a:fontRef idx="minor">
+            <a:schemeClr val="lt1"/>
+          </a:fontRef>
+        </p:style>
+        <p:txBody>
+          <a:bodyPr wrap="square">
+            <a:spAutoFit/>
+          </a:bodyPr>
+          <a:lstStyle/>
+          <a:p>
+            <a:r>
+              <a:rPr lang="en-US" sz="1050" i="1" dirty="0">
+                <a:solidFill>
+                  <a:srgbClr val="BC9458"/>
+                </a:solidFill>
+                <a:latin typeface="Lucida Console"/>
+                <a:ea typeface="Calibri"/>
+                <a:cs typeface="Courier New"/>
+              </a:rPr>
+              <a:t>&lt;!--</a:t>
+            </a:r>
+            <a:br>
+              <a:rPr lang="en-US" sz="1050" i="1" dirty="0">
+                <a:solidFill>
+                  <a:srgbClr val="BC9458"/>
+                </a:solidFill>
+                <a:latin typeface="Lucida Console"/>
+                <a:ea typeface="Calibri"/>
+                <a:cs typeface="Courier New"/>
+              </a:rPr>
+            </a:br>
+            <a:r>
+              <a:rPr lang="en-US" sz="1050" i="1" dirty="0">
+                <a:solidFill>
+                  <a:srgbClr val="BC9458"/>
+                </a:solidFill>
+                <a:latin typeface="Lucida Console"/>
+                <a:ea typeface="Calibri"/>
+                <a:cs typeface="Courier New"/>
+              </a:rPr>
+              <a:t># Alaska Data Integration working group - ADIwg</a:t>
+            </a:r>
+            <a:br>
+              <a:rPr lang="en-US" sz="1050" i="1" dirty="0">
+                <a:solidFill>
+                  <a:srgbClr val="BC9458"/>
+                </a:solidFill>
+                <a:latin typeface="Lucida Console"/>
+                <a:ea typeface="Calibri"/>
+                <a:cs typeface="Courier New"/>
+              </a:rPr>
+            </a:br>
+            <a:r>
+              <a:rPr lang="en-US" sz="1050" i="1" dirty="0">
+                <a:solidFill>
+                  <a:srgbClr val="BC9458"/>
+                </a:solidFill>
+                <a:latin typeface="Lucida Console"/>
+                <a:ea typeface="Calibri"/>
+                <a:cs typeface="Courier New"/>
+              </a:rPr>
+              <a:t/>
+            </a:r>
+            <a:br>
+              <a:rPr lang="en-US" sz="1050" i="1" dirty="0">
+                <a:solidFill>
+                  <a:srgbClr val="BC9458"/>
+                </a:solidFill>
+                <a:latin typeface="Lucida Console"/>
+                <a:ea typeface="Calibri"/>
+                <a:cs typeface="Courier New"/>
+              </a:rPr>
+            </a:br>
+            <a:r>
+              <a:rPr lang="en-US" sz="1050" i="1" dirty="0">
+                <a:solidFill>
+                  <a:srgbClr val="BC9458"/>
+                </a:solidFill>
+                <a:latin typeface="Lucida Console"/>
+                <a:ea typeface="Calibri"/>
+                <a:cs typeface="Courier New"/>
+              </a:rPr>
+              <a:t># REST endpoint controller for demonstration of mdTranslator</a:t>
+            </a:r>
+            <a:br>
+              <a:rPr lang="en-US" sz="1050" i="1" dirty="0">
+                <a:solidFill>
+                  <a:srgbClr val="BC9458"/>
+                </a:solidFill>
+                <a:latin typeface="Lucida Console"/>
+                <a:ea typeface="Calibri"/>
+                <a:cs typeface="Courier New"/>
+              </a:rPr>
+            </a:br>
+            <a:r>
+              <a:rPr lang="en-US" sz="1050" i="1" dirty="0">
+                <a:solidFill>
+                  <a:srgbClr val="BC9458"/>
+                </a:solidFill>
+                <a:latin typeface="Lucida Console"/>
+                <a:ea typeface="Calibri"/>
+                <a:cs typeface="Courier New"/>
+              </a:rPr>
+              <a:t>--&gt;</a:t>
+            </a:r>
+            <a:br>
+              <a:rPr lang="en-US" sz="1050" i="1" dirty="0">
+                <a:solidFill>
+                  <a:srgbClr val="BC9458"/>
+                </a:solidFill>
+                <a:latin typeface="Lucida Console"/>
+                <a:ea typeface="Calibri"/>
+                <a:cs typeface="Courier New"/>
+              </a:rPr>
+            </a:br>
+            <a:r>
+              <a:rPr lang="en-US" sz="1050" i="1" dirty="0">
+                <a:solidFill>
+                  <a:srgbClr val="BC9458"/>
+                </a:solidFill>
+                <a:latin typeface="Lucida Console"/>
+                <a:ea typeface="Calibri"/>
+                <a:cs typeface="Courier New"/>
+              </a:rPr>
+              <a:t/>
+            </a:r>
+            <a:br>
+              <a:rPr lang="en-US" sz="1050" i="1" dirty="0">
+                <a:solidFill>
+                  <a:srgbClr val="BC9458"/>
+                </a:solidFill>
+                <a:latin typeface="Lucida Console"/>
+                <a:ea typeface="Calibri"/>
+                <a:cs typeface="Courier New"/>
+              </a:rPr>
+            </a:br>
+            <a:r>
+              <a:rPr lang="en-US" sz="1050" dirty="0">
+                <a:solidFill>
+                  <a:srgbClr val="E8BF6A"/>
+                </a:solidFill>
+                <a:latin typeface="Lucida Console"/>
+                <a:ea typeface="Calibri"/>
+                <a:cs typeface="Courier New"/>
+              </a:rPr>
+              <a:t>&lt;h2&gt; </a:t>
+            </a:r>
+            <a:r>
+              <a:rPr lang="en-US" sz="1050" dirty="0">
+                <a:solidFill>
+                  <a:srgbClr val="A9B7C6"/>
+                </a:solidFill>
+                <a:latin typeface="Lucida Console"/>
+                <a:ea typeface="Calibri"/>
+                <a:cs typeface="Courier New"/>
+              </a:rPr>
+              <a:t>mdTranslator Rails example</a:t>
+            </a:r>
+            <a:r>
+              <a:rPr lang="en-US" sz="1050" dirty="0">
+                <a:solidFill>
+                  <a:srgbClr val="E8BF6A"/>
+                </a:solidFill>
+                <a:latin typeface="Lucida Console"/>
+                <a:ea typeface="Calibri"/>
+                <a:cs typeface="Courier New"/>
+              </a:rPr>
+              <a:t>&lt;/h2&gt;</a:t>
+            </a:r>
+            <a:br>
+              <a:rPr lang="en-US" sz="1050" dirty="0">
+                <a:solidFill>
+                  <a:srgbClr val="E8BF6A"/>
+                </a:solidFill>
+                <a:latin typeface="Lucida Console"/>
+                <a:ea typeface="Calibri"/>
+                <a:cs typeface="Courier New"/>
+              </a:rPr>
+            </a:br>
+            <a:r>
+              <a:rPr lang="en-US" sz="1050" dirty="0">
+                <a:solidFill>
+                  <a:srgbClr val="E8BF6A"/>
+                </a:solidFill>
+                <a:latin typeface="Lucida Console"/>
+                <a:ea typeface="Calibri"/>
+                <a:cs typeface="Courier New"/>
+              </a:rPr>
+              <a:t/>
+            </a:r>
+            <a:br>
+              <a:rPr lang="en-US" sz="1050" dirty="0">
+                <a:solidFill>
+                  <a:srgbClr val="E8BF6A"/>
+                </a:solidFill>
+                <a:latin typeface="Lucida Console"/>
+                <a:ea typeface="Calibri"/>
+                <a:cs typeface="Courier New"/>
+              </a:rPr>
+            </a:br>
+            <a:r>
+              <a:rPr lang="en-US" sz="1050" dirty="0">
+                <a:solidFill>
+                  <a:srgbClr val="E8BF6A"/>
+                </a:solidFill>
+                <a:latin typeface="Lucida Console"/>
+                <a:ea typeface="Calibri"/>
+                <a:cs typeface="Courier New"/>
+              </a:rPr>
+              <a:t>&lt;div id=</a:t>
+            </a:r>
+            <a:r>
+              <a:rPr lang="en-US" sz="1050" dirty="0">
+                <a:solidFill>
+                  <a:srgbClr val="A5C261"/>
+                </a:solidFill>
+                <a:latin typeface="Lucida Console"/>
+                <a:ea typeface="Calibri"/>
+                <a:cs typeface="Courier New"/>
+              </a:rPr>
+              <a:t>"</a:t>
+            </a:r>
+            <a:r>
+              <a:rPr lang="en-US" sz="1050" dirty="0" err="1">
+                <a:solidFill>
+                  <a:srgbClr val="A5C261"/>
+                </a:solidFill>
+                <a:latin typeface="Lucida Console"/>
+                <a:ea typeface="Calibri"/>
+                <a:cs typeface="Courier New"/>
+              </a:rPr>
+              <a:t>form_container</a:t>
+            </a:r>
+            <a:r>
+              <a:rPr lang="en-US" sz="1050" dirty="0">
+                <a:solidFill>
+                  <a:srgbClr val="A5C261"/>
+                </a:solidFill>
+                <a:latin typeface="Lucida Console"/>
+                <a:ea typeface="Calibri"/>
+                <a:cs typeface="Courier New"/>
+              </a:rPr>
+              <a:t>"</a:t>
+            </a:r>
+            <a:r>
+              <a:rPr lang="en-US" sz="1050" dirty="0">
+                <a:solidFill>
+                  <a:srgbClr val="E8BF6A"/>
+                </a:solidFill>
+                <a:latin typeface="Lucida Console"/>
+                <a:ea typeface="Calibri"/>
+                <a:cs typeface="Courier New"/>
+              </a:rPr>
+              <a:t>&gt;</a:t>
+            </a:r>
+            <a:br>
+              <a:rPr lang="en-US" sz="1050" dirty="0">
+                <a:solidFill>
+                  <a:srgbClr val="E8BF6A"/>
+                </a:solidFill>
+                <a:latin typeface="Lucida Console"/>
+                <a:ea typeface="Calibri"/>
+                <a:cs typeface="Courier New"/>
+              </a:rPr>
+            </a:br>
+            <a:r>
+              <a:rPr lang="en-US" sz="1050" dirty="0">
+                <a:solidFill>
+                  <a:srgbClr val="E8BF6A"/>
+                </a:solidFill>
+                <a:latin typeface="Lucida Console"/>
+                <a:ea typeface="Calibri"/>
+                <a:cs typeface="Courier New"/>
+              </a:rPr>
+              <a:t>   </a:t>
+            </a:r>
+            <a:r>
+              <a:rPr lang="en-US" sz="1050" dirty="0">
+                <a:solidFill>
+                  <a:srgbClr val="A9B7C6"/>
+                </a:solidFill>
+                <a:latin typeface="Lucida Console"/>
+                <a:ea typeface="Calibri"/>
+                <a:cs typeface="Courier New"/>
+              </a:rPr>
+              <a:t>&lt;%= </a:t>
+            </a:r>
+            <a:r>
+              <a:rPr lang="en-US" sz="1050" i="1" dirty="0" err="1">
+                <a:solidFill>
+                  <a:srgbClr val="FFC66D"/>
+                </a:solidFill>
+                <a:latin typeface="Lucida Console"/>
+                <a:ea typeface="Calibri"/>
+                <a:cs typeface="Courier New"/>
+              </a:rPr>
+              <a:t>form_tag</a:t>
+            </a:r>
+            <a:r>
+              <a:rPr lang="en-US" sz="1050" dirty="0">
+                <a:solidFill>
+                  <a:srgbClr val="A9B7C6"/>
+                </a:solidFill>
+                <a:latin typeface="Lucida Console"/>
+                <a:ea typeface="Calibri"/>
+                <a:cs typeface="Courier New"/>
+              </a:rPr>
+              <a:t>(</a:t>
+            </a:r>
+            <a:r>
+              <a:rPr lang="en-US" sz="1050" dirty="0">
+                <a:solidFill>
+                  <a:srgbClr val="A5C25C"/>
+                </a:solidFill>
+                <a:latin typeface="Lucida Console"/>
+                <a:ea typeface="Calibri"/>
+                <a:cs typeface="Courier New"/>
+              </a:rPr>
+              <a:t>'/translate'</a:t>
+            </a:r>
+            <a:r>
+              <a:rPr lang="en-US" sz="1050" dirty="0">
+                <a:solidFill>
+                  <a:srgbClr val="A9B7C6"/>
+                </a:solidFill>
+                <a:latin typeface="Lucida Console"/>
+                <a:ea typeface="Calibri"/>
+                <a:cs typeface="Courier New"/>
+              </a:rPr>
+              <a:t>) </a:t>
+            </a:r>
+            <a:r>
+              <a:rPr lang="en-US" sz="1050" dirty="0">
+                <a:solidFill>
+                  <a:srgbClr val="CC7833"/>
+                </a:solidFill>
+                <a:latin typeface="Lucida Console"/>
+                <a:ea typeface="Calibri"/>
+                <a:cs typeface="Courier New"/>
+              </a:rPr>
+              <a:t>do </a:t>
+            </a:r>
+            <a:r>
+              <a:rPr lang="en-US" sz="1050" dirty="0">
+                <a:solidFill>
+                  <a:srgbClr val="A9B7C6"/>
+                </a:solidFill>
+                <a:latin typeface="Lucida Console"/>
+                <a:ea typeface="Calibri"/>
+                <a:cs typeface="Courier New"/>
+              </a:rPr>
+              <a:t>%&gt;</a:t>
+            </a:r>
+            <a:br>
+              <a:rPr lang="en-US" sz="1050" dirty="0">
+                <a:solidFill>
+                  <a:srgbClr val="A9B7C6"/>
+                </a:solidFill>
+                <a:latin typeface="Lucida Console"/>
+                <a:ea typeface="Calibri"/>
+                <a:cs typeface="Courier New"/>
+              </a:rPr>
+            </a:br>
+            <a:r>
+              <a:rPr lang="en-US" sz="1050" dirty="0">
+                <a:solidFill>
+                  <a:srgbClr val="A9B7C6"/>
+                </a:solidFill>
+                <a:latin typeface="Lucida Console"/>
+                <a:ea typeface="Calibri"/>
+                <a:cs typeface="Courier New"/>
+              </a:rPr>
+              <a:t>      </a:t>
+            </a:r>
+            <a:r>
+              <a:rPr lang="en-US" sz="1050" dirty="0">
+                <a:solidFill>
+                  <a:srgbClr val="E8BF6A"/>
+                </a:solidFill>
+                <a:latin typeface="Lucida Console"/>
+                <a:ea typeface="Calibri"/>
+                <a:cs typeface="Courier New"/>
+              </a:rPr>
+              <a:t>&lt;div&gt;</a:t>
+            </a:r>
+            <a:br>
+              <a:rPr lang="en-US" sz="1050" dirty="0">
+                <a:solidFill>
+                  <a:srgbClr val="E8BF6A"/>
+                </a:solidFill>
+                <a:latin typeface="Lucida Console"/>
+                <a:ea typeface="Calibri"/>
+                <a:cs typeface="Courier New"/>
+              </a:rPr>
+            </a:br>
+            <a:r>
+              <a:rPr lang="en-US" sz="1050" dirty="0">
+                <a:solidFill>
+                  <a:srgbClr val="E8BF6A"/>
+                </a:solidFill>
+                <a:latin typeface="Lucida Console"/>
+                <a:ea typeface="Calibri"/>
+                <a:cs typeface="Courier New"/>
+              </a:rPr>
+              <a:t>         &lt;h3&gt;</a:t>
+            </a:r>
+            <a:r>
+              <a:rPr lang="en-US" sz="1050" dirty="0">
+                <a:solidFill>
+                  <a:srgbClr val="A9B7C6"/>
+                </a:solidFill>
+                <a:latin typeface="Lucida Console"/>
+                <a:ea typeface="Calibri"/>
+                <a:cs typeface="Courier New"/>
+              </a:rPr>
+              <a:t>Submit JSON</a:t>
+            </a:r>
+            <a:r>
+              <a:rPr lang="en-US" sz="1050" dirty="0">
+                <a:solidFill>
+                  <a:srgbClr val="E8BF6A"/>
+                </a:solidFill>
+                <a:latin typeface="Lucida Console"/>
+                <a:ea typeface="Calibri"/>
+                <a:cs typeface="Courier New"/>
+              </a:rPr>
+              <a:t>&lt;/h3&gt;</a:t>
+            </a:r>
+            <a:br>
+              <a:rPr lang="en-US" sz="1050" dirty="0">
+                <a:solidFill>
+                  <a:srgbClr val="E8BF6A"/>
+                </a:solidFill>
+                <a:latin typeface="Lucida Console"/>
+                <a:ea typeface="Calibri"/>
+                <a:cs typeface="Courier New"/>
+              </a:rPr>
+            </a:br>
+            <a:r>
+              <a:rPr lang="en-US" sz="1050" dirty="0">
+                <a:solidFill>
+                  <a:srgbClr val="E8BF6A"/>
+                </a:solidFill>
+                <a:latin typeface="Lucida Console"/>
+                <a:ea typeface="Calibri"/>
+                <a:cs typeface="Courier New"/>
+              </a:rPr>
+              <a:t>         &lt;p&gt;</a:t>
+            </a:r>
+            <a:br>
+              <a:rPr lang="en-US" sz="1050" dirty="0">
+                <a:solidFill>
+                  <a:srgbClr val="E8BF6A"/>
+                </a:solidFill>
+                <a:latin typeface="Lucida Console"/>
+                <a:ea typeface="Calibri"/>
+                <a:cs typeface="Courier New"/>
+              </a:rPr>
+            </a:br>
+            <a:r>
+              <a:rPr lang="en-US" sz="1050" dirty="0">
+                <a:solidFill>
+                  <a:srgbClr val="E8BF6A"/>
+                </a:solidFill>
+                <a:latin typeface="Lucida Console"/>
+                <a:ea typeface="Calibri"/>
+                <a:cs typeface="Courier New"/>
+              </a:rPr>
+              <a:t>            </a:t>
+            </a:r>
+            <a:r>
+              <a:rPr lang="en-US" sz="1050" dirty="0">
+                <a:solidFill>
+                  <a:srgbClr val="A9B7C6"/>
+                </a:solidFill>
+                <a:latin typeface="Lucida Console"/>
+                <a:ea typeface="Calibri"/>
+                <a:cs typeface="Courier New"/>
+              </a:rPr>
+              <a:t>Paste or type JSON, choose options, and click Submit.</a:t>
+            </a:r>
+            <a:br>
+              <a:rPr lang="en-US" sz="1050" dirty="0">
+                <a:solidFill>
+                  <a:srgbClr val="A9B7C6"/>
+                </a:solidFill>
+                <a:latin typeface="Lucida Console"/>
+                <a:ea typeface="Calibri"/>
+                <a:cs typeface="Courier New"/>
+              </a:rPr>
+            </a:br>
+            <a:r>
+              <a:rPr lang="en-US" sz="1050" dirty="0">
+                <a:solidFill>
+                  <a:srgbClr val="A9B7C6"/>
+                </a:solidFill>
+                <a:latin typeface="Lucida Console"/>
+                <a:ea typeface="Calibri"/>
+                <a:cs typeface="Courier New"/>
+              </a:rPr>
+              <a:t>            Valid ISO 19115-2 XML should be generated. </a:t>
+            </a:r>
+            <a:r>
+              <a:rPr lang="en-US" sz="1050" dirty="0">
+                <a:solidFill>
+                  <a:srgbClr val="E8BF6A"/>
+                </a:solidFill>
+                <a:latin typeface="Lucida Console"/>
+                <a:ea typeface="Calibri"/>
+                <a:cs typeface="Courier New"/>
+              </a:rPr>
+              <a:t>&lt;</a:t>
+            </a:r>
+            <a:r>
+              <a:rPr lang="en-US" sz="1050" dirty="0" err="1">
+                <a:solidFill>
+                  <a:srgbClr val="E8BF6A"/>
+                </a:solidFill>
+                <a:latin typeface="Lucida Console"/>
+                <a:ea typeface="Calibri"/>
+                <a:cs typeface="Courier New"/>
+              </a:rPr>
+              <a:t>br</a:t>
+            </a:r>
+            <a:r>
+              <a:rPr lang="en-US" sz="1050" dirty="0">
+                <a:solidFill>
+                  <a:srgbClr val="E8BF6A"/>
+                </a:solidFill>
+                <a:latin typeface="Lucida Console"/>
+                <a:ea typeface="Calibri"/>
+                <a:cs typeface="Courier New"/>
+              </a:rPr>
+              <a:t>&gt;</a:t>
+            </a:r>
+            <a:br>
+              <a:rPr lang="en-US" sz="1050" dirty="0">
+                <a:solidFill>
+                  <a:srgbClr val="E8BF6A"/>
+                </a:solidFill>
+                <a:latin typeface="Lucida Console"/>
+                <a:ea typeface="Calibri"/>
+                <a:cs typeface="Courier New"/>
+              </a:rPr>
+            </a:br>
+            <a:r>
+              <a:rPr lang="en-US" sz="1050" dirty="0">
+                <a:solidFill>
+                  <a:srgbClr val="E8BF6A"/>
+                </a:solidFill>
+                <a:latin typeface="Lucida Console"/>
+                <a:ea typeface="Calibri"/>
+                <a:cs typeface="Courier New"/>
+              </a:rPr>
+              <a:t>         &lt;/p&gt;</a:t>
+            </a:r>
+            <a:br>
+              <a:rPr lang="en-US" sz="1050" dirty="0">
+                <a:solidFill>
+                  <a:srgbClr val="E8BF6A"/>
+                </a:solidFill>
+                <a:latin typeface="Lucida Console"/>
+                <a:ea typeface="Calibri"/>
+                <a:cs typeface="Courier New"/>
+              </a:rPr>
+            </a:br>
+            <a:r>
+              <a:rPr lang="en-US" sz="1050" dirty="0">
+                <a:solidFill>
+                  <a:srgbClr val="E8BF6A"/>
+                </a:solidFill>
+                <a:latin typeface="Lucida Console"/>
+                <a:ea typeface="Calibri"/>
+                <a:cs typeface="Courier New"/>
+              </a:rPr>
+              <a:t/>
+            </a:r>
+            <a:br>
+              <a:rPr lang="en-US" sz="1050" dirty="0">
+                <a:solidFill>
+                  <a:srgbClr val="E8BF6A"/>
+                </a:solidFill>
+                <a:latin typeface="Lucida Console"/>
+                <a:ea typeface="Calibri"/>
+                <a:cs typeface="Courier New"/>
+              </a:rPr>
+            </a:br>
+            <a:r>
+              <a:rPr lang="en-US" sz="1050" dirty="0">
+                <a:solidFill>
+                  <a:srgbClr val="E8BF6A"/>
+                </a:solidFill>
+                <a:latin typeface="Lucida Console"/>
+                <a:ea typeface="Calibri"/>
+                <a:cs typeface="Courier New"/>
+              </a:rPr>
+              <a:t>         &lt;div&gt;</a:t>
+            </a:r>
+            <a:br>
+              <a:rPr lang="en-US" sz="1050" dirty="0">
+                <a:solidFill>
+                  <a:srgbClr val="E8BF6A"/>
+                </a:solidFill>
+                <a:latin typeface="Lucida Console"/>
+                <a:ea typeface="Calibri"/>
+                <a:cs typeface="Courier New"/>
+              </a:rPr>
+            </a:br>
+            <a:r>
+              <a:rPr lang="en-US" sz="1050" dirty="0">
+                <a:solidFill>
+                  <a:srgbClr val="E8BF6A"/>
+                </a:solidFill>
+                <a:latin typeface="Lucida Console"/>
+                <a:ea typeface="Calibri"/>
+                <a:cs typeface="Courier New"/>
+              </a:rPr>
+              <a:t>            &lt;</a:t>
+            </a:r>
+            <a:r>
+              <a:rPr lang="en-US" sz="1050" dirty="0" err="1">
+                <a:solidFill>
+                  <a:srgbClr val="E8BF6A"/>
+                </a:solidFill>
+                <a:latin typeface="Lucida Console"/>
+                <a:ea typeface="Calibri"/>
+                <a:cs typeface="Courier New"/>
+              </a:rPr>
+              <a:t>textarea</a:t>
+            </a:r>
+            <a:r>
+              <a:rPr lang="en-US" sz="1050" dirty="0">
+                <a:solidFill>
+                  <a:srgbClr val="E8BF6A"/>
+                </a:solidFill>
+                <a:latin typeface="Lucida Console"/>
+                <a:ea typeface="Calibri"/>
+                <a:cs typeface="Courier New"/>
+              </a:rPr>
+              <a:t> name=</a:t>
+            </a:r>
+            <a:r>
+              <a:rPr lang="en-US" sz="1050" dirty="0">
+                <a:solidFill>
+                  <a:srgbClr val="A5C261"/>
+                </a:solidFill>
+                <a:latin typeface="Lucida Console"/>
+                <a:ea typeface="Calibri"/>
+                <a:cs typeface="Courier New"/>
+              </a:rPr>
+              <a:t>"file"</a:t>
+            </a:r>
+            <a:r>
+              <a:rPr lang="en-US" sz="1050" dirty="0">
+                <a:solidFill>
+                  <a:srgbClr val="E8BF6A"/>
+                </a:solidFill>
+                <a:latin typeface="Lucida Console"/>
+                <a:ea typeface="Calibri"/>
+                <a:cs typeface="Courier New"/>
+              </a:rPr>
+              <a:t>&gt;</a:t>
+            </a:r>
+            <a:r>
+              <a:rPr lang="en-US" sz="1050" dirty="0">
+                <a:solidFill>
+                  <a:srgbClr val="A9B7C6"/>
+                </a:solidFill>
+                <a:latin typeface="Lucida Console"/>
+                <a:ea typeface="Calibri"/>
+                <a:cs typeface="Courier New"/>
+              </a:rPr>
+              <a:t>Place mdJson here</a:t>
+            </a:r>
+            <a:r>
+              <a:rPr lang="en-US" sz="1050" dirty="0">
+                <a:solidFill>
+                  <a:srgbClr val="E8BF6A"/>
+                </a:solidFill>
+                <a:latin typeface="Lucida Console"/>
+                <a:ea typeface="Calibri"/>
+                <a:cs typeface="Courier New"/>
+              </a:rPr>
+              <a:t>&lt;/</a:t>
+            </a:r>
+            <a:r>
+              <a:rPr lang="en-US" sz="1050" dirty="0" err="1">
+                <a:solidFill>
+                  <a:srgbClr val="E8BF6A"/>
+                </a:solidFill>
+                <a:latin typeface="Lucida Console"/>
+                <a:ea typeface="Calibri"/>
+                <a:cs typeface="Courier New"/>
+              </a:rPr>
+              <a:t>textarea</a:t>
+            </a:r>
+            <a:r>
+              <a:rPr lang="en-US" sz="1050" dirty="0">
+                <a:solidFill>
+                  <a:srgbClr val="E8BF6A"/>
+                </a:solidFill>
+                <a:latin typeface="Lucida Console"/>
+                <a:ea typeface="Calibri"/>
+                <a:cs typeface="Courier New"/>
+              </a:rPr>
+              <a:t>&gt;</a:t>
+            </a:r>
+            <a:br>
+              <a:rPr lang="en-US" sz="1050" dirty="0">
+                <a:solidFill>
+                  <a:srgbClr val="E8BF6A"/>
+                </a:solidFill>
+                <a:latin typeface="Lucida Console"/>
+                <a:ea typeface="Calibri"/>
+                <a:cs typeface="Courier New"/>
+              </a:rPr>
+            </a:br>
+            <a:r>
+              <a:rPr lang="en-US" sz="1050" dirty="0">
+                <a:solidFill>
+                  <a:srgbClr val="E8BF6A"/>
+                </a:solidFill>
+                <a:latin typeface="Lucida Console"/>
+                <a:ea typeface="Calibri"/>
+                <a:cs typeface="Courier New"/>
+              </a:rPr>
+              <a:t>         &lt;/div&gt;</a:t>
+            </a:r>
+            <a:br>
+              <a:rPr lang="en-US" sz="1050" dirty="0">
+                <a:solidFill>
+                  <a:srgbClr val="E8BF6A"/>
+                </a:solidFill>
+                <a:latin typeface="Lucida Console"/>
+                <a:ea typeface="Calibri"/>
+                <a:cs typeface="Courier New"/>
+              </a:rPr>
+            </a:br>
+            <a:r>
+              <a:rPr lang="en-US" sz="1050" dirty="0">
+                <a:solidFill>
+                  <a:srgbClr val="E8BF6A"/>
+                </a:solidFill>
+                <a:latin typeface="Lucida Console"/>
+                <a:ea typeface="Calibri"/>
+                <a:cs typeface="Courier New"/>
+              </a:rPr>
+              <a:t>      &lt;/div&gt;</a:t>
+            </a:r>
+            <a:br>
+              <a:rPr lang="en-US" sz="1050" dirty="0">
+                <a:solidFill>
+                  <a:srgbClr val="E8BF6A"/>
+                </a:solidFill>
+                <a:latin typeface="Lucida Console"/>
+                <a:ea typeface="Calibri"/>
+                <a:cs typeface="Courier New"/>
+              </a:rPr>
+            </a:br>
+            <a:r>
+              <a:rPr lang="en-US" sz="1050" dirty="0">
+                <a:solidFill>
+                  <a:srgbClr val="E8BF6A"/>
+                </a:solidFill>
+                <a:latin typeface="Lucida Console"/>
+                <a:ea typeface="Calibri"/>
+                <a:cs typeface="Courier New"/>
+              </a:rPr>
+              <a:t/>
+            </a:r>
+            <a:br>
+              <a:rPr lang="en-US" sz="1050" dirty="0">
+                <a:solidFill>
+                  <a:srgbClr val="E8BF6A"/>
+                </a:solidFill>
+                <a:latin typeface="Lucida Console"/>
+                <a:ea typeface="Calibri"/>
+                <a:cs typeface="Courier New"/>
+              </a:rPr>
+            </a:br>
+            <a:r>
+              <a:rPr lang="en-US" sz="1050" dirty="0">
+                <a:solidFill>
+                  <a:srgbClr val="E8BF6A"/>
+                </a:solidFill>
+                <a:latin typeface="Lucida Console"/>
+                <a:ea typeface="Calibri"/>
+                <a:cs typeface="Courier New"/>
+              </a:rPr>
+              <a:t>      &lt;div class=</a:t>
+            </a:r>
+            <a:r>
+              <a:rPr lang="en-US" sz="1050" dirty="0">
+                <a:solidFill>
+                  <a:srgbClr val="A5C261"/>
+                </a:solidFill>
+                <a:latin typeface="Lucida Console"/>
+                <a:ea typeface="Calibri"/>
+                <a:cs typeface="Courier New"/>
+              </a:rPr>
+              <a:t>"buttons"</a:t>
+            </a:r>
+            <a:r>
+              <a:rPr lang="en-US" sz="1050" dirty="0">
+                <a:solidFill>
+                  <a:srgbClr val="E8BF6A"/>
+                </a:solidFill>
+                <a:latin typeface="Lucida Console"/>
+                <a:ea typeface="Calibri"/>
+                <a:cs typeface="Courier New"/>
+              </a:rPr>
+              <a:t>&gt;</a:t>
+            </a:r>
+            <a:br>
+              <a:rPr lang="en-US" sz="1050" dirty="0">
+                <a:solidFill>
+                  <a:srgbClr val="E8BF6A"/>
+                </a:solidFill>
+                <a:latin typeface="Lucida Console"/>
+                <a:ea typeface="Calibri"/>
+                <a:cs typeface="Courier New"/>
+              </a:rPr>
+            </a:br>
+            <a:r>
+              <a:rPr lang="en-US" sz="1050" dirty="0">
+                <a:solidFill>
+                  <a:srgbClr val="E8BF6A"/>
+                </a:solidFill>
+                <a:latin typeface="Lucida Console"/>
+                <a:ea typeface="Calibri"/>
+                <a:cs typeface="Courier New"/>
+              </a:rPr>
+              <a:t>         &lt;input type=</a:t>
+            </a:r>
+            <a:r>
+              <a:rPr lang="en-US" sz="1050" dirty="0">
+                <a:solidFill>
+                  <a:srgbClr val="A5C261"/>
+                </a:solidFill>
+                <a:latin typeface="Lucida Console"/>
+                <a:ea typeface="Calibri"/>
+                <a:cs typeface="Courier New"/>
+              </a:rPr>
+              <a:t>"hidden" </a:t>
+            </a:r>
+            <a:r>
+              <a:rPr lang="en-US" sz="1050" dirty="0">
+                <a:solidFill>
+                  <a:srgbClr val="E8BF6A"/>
+                </a:solidFill>
+                <a:latin typeface="Lucida Console"/>
+                <a:ea typeface="Calibri"/>
+                <a:cs typeface="Courier New"/>
+              </a:rPr>
+              <a:t>name=</a:t>
+            </a:r>
+            <a:r>
+              <a:rPr lang="en-US" sz="1050" dirty="0">
+                <a:solidFill>
+                  <a:srgbClr val="A5C261"/>
+                </a:solidFill>
+                <a:latin typeface="Lucida Console"/>
+                <a:ea typeface="Calibri"/>
+                <a:cs typeface="Courier New"/>
+              </a:rPr>
+              <a:t>"</a:t>
+            </a:r>
+            <a:r>
+              <a:rPr lang="en-US" sz="1050" dirty="0" err="1">
+                <a:solidFill>
+                  <a:srgbClr val="A5C261"/>
+                </a:solidFill>
+                <a:latin typeface="Lucida Console"/>
+                <a:ea typeface="Calibri"/>
+                <a:cs typeface="Courier New"/>
+              </a:rPr>
+              <a:t>form_id</a:t>
+            </a:r>
+            <a:r>
+              <a:rPr lang="en-US" sz="1050" dirty="0">
+                <a:solidFill>
+                  <a:srgbClr val="A5C261"/>
+                </a:solidFill>
+                <a:latin typeface="Lucida Console"/>
+                <a:ea typeface="Calibri"/>
+                <a:cs typeface="Courier New"/>
+              </a:rPr>
+              <a:t>" </a:t>
+            </a:r>
+            <a:r>
+              <a:rPr lang="en-US" sz="1050" dirty="0">
+                <a:solidFill>
+                  <a:srgbClr val="E8BF6A"/>
+                </a:solidFill>
+                <a:latin typeface="Lucida Console"/>
+                <a:ea typeface="Calibri"/>
+                <a:cs typeface="Courier New"/>
+              </a:rPr>
+              <a:t>value=</a:t>
+            </a:r>
+            <a:r>
+              <a:rPr lang="en-US" sz="1050" dirty="0">
+                <a:solidFill>
+                  <a:srgbClr val="A5C261"/>
+                </a:solidFill>
+                <a:latin typeface="Lucida Console"/>
+                <a:ea typeface="Calibri"/>
+                <a:cs typeface="Courier New"/>
+              </a:rPr>
+              <a:t>"759352"</a:t>
+            </a:r>
+            <a:r>
+              <a:rPr lang="en-US" sz="1050" dirty="0">
+                <a:solidFill>
+                  <a:srgbClr val="E8BF6A"/>
+                </a:solidFill>
+                <a:latin typeface="Lucida Console"/>
+                <a:ea typeface="Calibri"/>
+                <a:cs typeface="Courier New"/>
+              </a:rPr>
+              <a:t>/&gt;</a:t>
+            </a:r>
+            <a:br>
+              <a:rPr lang="en-US" sz="1050" dirty="0">
+                <a:solidFill>
+                  <a:srgbClr val="E8BF6A"/>
+                </a:solidFill>
+                <a:latin typeface="Lucida Console"/>
+                <a:ea typeface="Calibri"/>
+                <a:cs typeface="Courier New"/>
+              </a:rPr>
+            </a:br>
+            <a:r>
+              <a:rPr lang="en-US" sz="1050" dirty="0">
+                <a:solidFill>
+                  <a:srgbClr val="E8BF6A"/>
+                </a:solidFill>
+                <a:latin typeface="Lucida Console"/>
+                <a:ea typeface="Calibri"/>
+                <a:cs typeface="Courier New"/>
+              </a:rPr>
+              <a:t>         &lt;input id=</a:t>
+            </a:r>
+            <a:r>
+              <a:rPr lang="en-US" sz="1050" dirty="0">
+                <a:solidFill>
+                  <a:srgbClr val="A5C261"/>
+                </a:solidFill>
+                <a:latin typeface="Lucida Console"/>
+                <a:ea typeface="Calibri"/>
+                <a:cs typeface="Courier New"/>
+              </a:rPr>
+              <a:t>"</a:t>
+            </a:r>
+            <a:r>
+              <a:rPr lang="en-US" sz="1050" dirty="0" err="1">
+                <a:solidFill>
+                  <a:srgbClr val="A5C261"/>
+                </a:solidFill>
+                <a:latin typeface="Lucida Console"/>
+                <a:ea typeface="Calibri"/>
+                <a:cs typeface="Courier New"/>
+              </a:rPr>
+              <a:t>saveForm</a:t>
+            </a:r>
+            <a:r>
+              <a:rPr lang="en-US" sz="1050" dirty="0">
+                <a:solidFill>
+                  <a:srgbClr val="A5C261"/>
+                </a:solidFill>
+                <a:latin typeface="Lucida Console"/>
+                <a:ea typeface="Calibri"/>
+                <a:cs typeface="Courier New"/>
+              </a:rPr>
+              <a:t>" </a:t>
+            </a:r>
+            <a:r>
+              <a:rPr lang="en-US" sz="1050" dirty="0">
+                <a:solidFill>
+                  <a:srgbClr val="E8BF6A"/>
+                </a:solidFill>
+                <a:latin typeface="Lucida Console"/>
+                <a:ea typeface="Calibri"/>
+                <a:cs typeface="Courier New"/>
+              </a:rPr>
+              <a:t>class=</a:t>
+            </a:r>
+            <a:r>
+              <a:rPr lang="en-US" sz="1050" dirty="0">
+                <a:solidFill>
+                  <a:srgbClr val="A5C261"/>
+                </a:solidFill>
+                <a:latin typeface="Lucida Console"/>
+                <a:ea typeface="Calibri"/>
+                <a:cs typeface="Courier New"/>
+              </a:rPr>
+              <a:t>"</a:t>
+            </a:r>
+            <a:r>
+              <a:rPr lang="en-US" sz="1050" dirty="0" err="1">
+                <a:solidFill>
+                  <a:srgbClr val="A5C261"/>
+                </a:solidFill>
+                <a:latin typeface="Lucida Console"/>
+                <a:ea typeface="Calibri"/>
+                <a:cs typeface="Courier New"/>
+              </a:rPr>
+              <a:t>button_text</a:t>
+            </a:r>
+            <a:r>
+              <a:rPr lang="en-US" sz="1050" dirty="0">
+                <a:solidFill>
+                  <a:srgbClr val="A5C261"/>
+                </a:solidFill>
+                <a:latin typeface="Lucida Console"/>
+                <a:ea typeface="Calibri"/>
+                <a:cs typeface="Courier New"/>
+              </a:rPr>
+              <a:t>" </a:t>
+            </a:r>
+            <a:r>
+              <a:rPr lang="en-US" sz="1050" dirty="0">
+                <a:solidFill>
+                  <a:srgbClr val="E8BF6A"/>
+                </a:solidFill>
+                <a:latin typeface="Lucida Console"/>
+                <a:ea typeface="Calibri"/>
+                <a:cs typeface="Courier New"/>
+              </a:rPr>
+              <a:t>type=</a:t>
+            </a:r>
+            <a:r>
+              <a:rPr lang="en-US" sz="1050" dirty="0">
+                <a:solidFill>
+                  <a:srgbClr val="A5C261"/>
+                </a:solidFill>
+                <a:latin typeface="Lucida Console"/>
+                <a:ea typeface="Calibri"/>
+                <a:cs typeface="Courier New"/>
+              </a:rPr>
+              <a:t>"submit" </a:t>
+            </a:r>
+            <a:br>
+              <a:rPr lang="en-US" sz="1050" dirty="0">
+                <a:solidFill>
+                  <a:srgbClr val="A5C261"/>
+                </a:solidFill>
+                <a:latin typeface="Lucida Console"/>
+                <a:ea typeface="Calibri"/>
+                <a:cs typeface="Courier New"/>
+              </a:rPr>
+            </a:br>
+            <a:r>
+              <a:rPr lang="en-US" sz="1050" dirty="0">
+                <a:solidFill>
+                  <a:srgbClr val="E8BF6A"/>
+                </a:solidFill>
+                <a:latin typeface="Lucida Console"/>
+                <a:ea typeface="Calibri"/>
+                <a:cs typeface="Courier New"/>
+              </a:rPr>
+              <a:t>            name=</a:t>
+            </a:r>
+            <a:r>
+              <a:rPr lang="en-US" sz="1050" dirty="0">
+                <a:solidFill>
+                  <a:srgbClr val="A5C261"/>
+                </a:solidFill>
+                <a:latin typeface="Lucida Console"/>
+                <a:ea typeface="Calibri"/>
+                <a:cs typeface="Courier New"/>
+              </a:rPr>
+              <a:t>"submit" </a:t>
+            </a:r>
+            <a:r>
+              <a:rPr lang="en-US" sz="1050" dirty="0">
+                <a:solidFill>
+                  <a:srgbClr val="E8BF6A"/>
+                </a:solidFill>
+                <a:latin typeface="Lucida Console"/>
+                <a:ea typeface="Calibri"/>
+                <a:cs typeface="Courier New"/>
+              </a:rPr>
+              <a:t>value=</a:t>
+            </a:r>
+            <a:r>
+              <a:rPr lang="en-US" sz="1050" dirty="0">
+                <a:solidFill>
+                  <a:srgbClr val="A5C261"/>
+                </a:solidFill>
+                <a:latin typeface="Lucida Console"/>
+                <a:ea typeface="Calibri"/>
+                <a:cs typeface="Courier New"/>
+              </a:rPr>
+              <a:t>"Submit"</a:t>
+            </a:r>
+            <a:r>
+              <a:rPr lang="en-US" sz="1050" dirty="0">
+                <a:solidFill>
+                  <a:srgbClr val="E8BF6A"/>
+                </a:solidFill>
+                <a:latin typeface="Lucida Console"/>
+                <a:ea typeface="Calibri"/>
+                <a:cs typeface="Courier New"/>
+              </a:rPr>
+              <a:t>/&gt;</a:t>
+            </a:r>
+            <a:br>
+              <a:rPr lang="en-US" sz="1050" dirty="0">
+                <a:solidFill>
+                  <a:srgbClr val="E8BF6A"/>
+                </a:solidFill>
+                <a:latin typeface="Lucida Console"/>
+                <a:ea typeface="Calibri"/>
+                <a:cs typeface="Courier New"/>
+              </a:rPr>
+            </a:br>
+            <a:r>
+              <a:rPr lang="en-US" sz="1050" dirty="0">
+                <a:solidFill>
+                  <a:srgbClr val="E8BF6A"/>
+                </a:solidFill>
+                <a:latin typeface="Lucida Console"/>
+                <a:ea typeface="Calibri"/>
+                <a:cs typeface="Courier New"/>
+              </a:rPr>
+              <a:t>      &lt;/div&gt;</a:t>
+            </a:r>
+            <a:br>
+              <a:rPr lang="en-US" sz="1050" dirty="0">
+                <a:solidFill>
+                  <a:srgbClr val="E8BF6A"/>
+                </a:solidFill>
+                <a:latin typeface="Lucida Console"/>
+                <a:ea typeface="Calibri"/>
+                <a:cs typeface="Courier New"/>
+              </a:rPr>
+            </a:br>
+            <a:r>
+              <a:rPr lang="en-US" sz="1050" dirty="0">
+                <a:solidFill>
+                  <a:srgbClr val="E8BF6A"/>
+                </a:solidFill>
+                <a:latin typeface="Lucida Console"/>
+                <a:ea typeface="Calibri"/>
+                <a:cs typeface="Courier New"/>
+              </a:rPr>
+              <a:t/>
+            </a:r>
+            <a:br>
+              <a:rPr lang="en-US" sz="1050" dirty="0">
+                <a:solidFill>
+                  <a:srgbClr val="E8BF6A"/>
+                </a:solidFill>
+                <a:latin typeface="Lucida Console"/>
+                <a:ea typeface="Calibri"/>
+                <a:cs typeface="Courier New"/>
+              </a:rPr>
+            </a:br>
+            <a:r>
+              <a:rPr lang="en-US" sz="1050" dirty="0">
+                <a:solidFill>
+                  <a:srgbClr val="E8BF6A"/>
+                </a:solidFill>
+                <a:latin typeface="Lucida Console"/>
+                <a:ea typeface="Calibri"/>
+                <a:cs typeface="Courier New"/>
+              </a:rPr>
+              <a:t>      &lt;div&gt;</a:t>
+            </a:r>
+            <a:br>
+              <a:rPr lang="en-US" sz="1050" dirty="0">
+                <a:solidFill>
+                  <a:srgbClr val="E8BF6A"/>
+                </a:solidFill>
+                <a:latin typeface="Lucida Console"/>
+                <a:ea typeface="Calibri"/>
+                <a:cs typeface="Courier New"/>
+              </a:rPr>
+            </a:br>
+            <a:r>
+              <a:rPr lang="en-US" sz="1050" dirty="0">
+                <a:solidFill>
+                  <a:srgbClr val="E8BF6A"/>
+                </a:solidFill>
+                <a:latin typeface="Lucida Console"/>
+                <a:ea typeface="Calibri"/>
+                <a:cs typeface="Courier New"/>
+              </a:rPr>
+              <a:t>         &lt;p&gt;</a:t>
+            </a:r>
+            <a:br>
+              <a:rPr lang="en-US" sz="1050" dirty="0">
+                <a:solidFill>
+                  <a:srgbClr val="E8BF6A"/>
+                </a:solidFill>
+                <a:latin typeface="Lucida Console"/>
+                <a:ea typeface="Calibri"/>
+                <a:cs typeface="Courier New"/>
+              </a:rPr>
+            </a:br>
+            <a:r>
+              <a:rPr lang="en-US" sz="1050" dirty="0">
+                <a:solidFill>
+                  <a:srgbClr val="E8BF6A"/>
+                </a:solidFill>
+                <a:latin typeface="Lucida Console"/>
+                <a:ea typeface="Calibri"/>
+                <a:cs typeface="Courier New"/>
+              </a:rPr>
+              <a:t>            </a:t>
+            </a:r>
+            <a:r>
+              <a:rPr lang="en-US" sz="1050" dirty="0">
+                <a:solidFill>
+                  <a:srgbClr val="A9B7C6"/>
+                </a:solidFill>
+                <a:latin typeface="Lucida Console"/>
+                <a:ea typeface="Calibri"/>
+                <a:cs typeface="Courier New"/>
+              </a:rPr>
+              <a:t>For more info visit the</a:t>
+            </a:r>
+            <a:br>
+              <a:rPr lang="en-US" sz="1050" dirty="0">
+                <a:solidFill>
+                  <a:srgbClr val="A9B7C6"/>
+                </a:solidFill>
+                <a:latin typeface="Lucida Console"/>
+                <a:ea typeface="Calibri"/>
+                <a:cs typeface="Courier New"/>
+              </a:rPr>
+            </a:br>
+            <a:r>
+              <a:rPr lang="en-US" sz="1050" dirty="0">
+                <a:solidFill>
+                  <a:srgbClr val="A9B7C6"/>
+                </a:solidFill>
+                <a:latin typeface="Lucida Console"/>
+                <a:ea typeface="Calibri"/>
+                <a:cs typeface="Courier New"/>
+              </a:rPr>
+              <a:t>            </a:t>
+            </a:r>
+            <a:r>
+              <a:rPr lang="en-US" sz="1050" dirty="0">
+                <a:solidFill>
+                  <a:srgbClr val="E8BF6A"/>
+                </a:solidFill>
+                <a:latin typeface="Lucida Console"/>
+                <a:ea typeface="Calibri"/>
+                <a:cs typeface="Courier New"/>
+              </a:rPr>
+              <a:t>&lt;a </a:t>
+            </a:r>
+            <a:r>
+              <a:rPr lang="en-US" sz="1050" dirty="0" err="1">
+                <a:solidFill>
+                  <a:srgbClr val="E8BF6A"/>
+                </a:solidFill>
+                <a:latin typeface="Lucida Console"/>
+                <a:ea typeface="Calibri"/>
+                <a:cs typeface="Courier New"/>
+              </a:rPr>
+              <a:t>href</a:t>
+            </a:r>
+            <a:r>
+              <a:rPr lang="en-US" sz="1050" dirty="0">
+                <a:solidFill>
+                  <a:srgbClr val="E8BF6A"/>
+                </a:solidFill>
+                <a:latin typeface="Lucida Console"/>
+                <a:ea typeface="Calibri"/>
+                <a:cs typeface="Courier New"/>
+              </a:rPr>
+              <a:t>=</a:t>
+            </a:r>
+            <a:r>
+              <a:rPr lang="en-US" sz="1050" dirty="0">
+                <a:solidFill>
+                  <a:srgbClr val="A5C261"/>
+                </a:solidFill>
+                <a:latin typeface="Lucida Console"/>
+                <a:ea typeface="Calibri"/>
+                <a:cs typeface="Courier New"/>
+              </a:rPr>
+              <a:t>"http://www.adiwg.org/mdTranslator"</a:t>
+            </a:r>
+            <a:r>
+              <a:rPr lang="en-US" sz="1050" dirty="0">
+                <a:solidFill>
+                  <a:srgbClr val="E8BF6A"/>
+                </a:solidFill>
+                <a:latin typeface="Lucida Console"/>
+                <a:ea typeface="Calibri"/>
+                <a:cs typeface="Courier New"/>
+              </a:rPr>
+              <a:t>&gt;</a:t>
+            </a:r>
+            <a:r>
+              <a:rPr lang="en-US" sz="1050" dirty="0">
+                <a:solidFill>
+                  <a:srgbClr val="A9B7C6"/>
+                </a:solidFill>
+                <a:latin typeface="Lucida Console"/>
+                <a:ea typeface="Calibri"/>
+                <a:cs typeface="Courier New"/>
+              </a:rPr>
+              <a:t>mdTranslator </a:t>
+            </a:r>
+            <a:br>
+              <a:rPr lang="en-US" sz="1050" dirty="0">
+                <a:solidFill>
+                  <a:srgbClr val="A9B7C6"/>
+                </a:solidFill>
+                <a:latin typeface="Lucida Console"/>
+                <a:ea typeface="Calibri"/>
+                <a:cs typeface="Courier New"/>
+              </a:rPr>
+            </a:br>
+            <a:r>
+              <a:rPr lang="en-US" sz="1050" dirty="0">
+                <a:solidFill>
+                  <a:srgbClr val="A9B7C6"/>
+                </a:solidFill>
+                <a:latin typeface="Lucida Console"/>
+                <a:ea typeface="Calibri"/>
+                <a:cs typeface="Courier New"/>
+              </a:rPr>
+              <a:t>               website</a:t>
+            </a:r>
+            <a:r>
+              <a:rPr lang="en-US" sz="1050" dirty="0">
+                <a:solidFill>
+                  <a:srgbClr val="E8BF6A"/>
+                </a:solidFill>
+                <a:latin typeface="Lucida Console"/>
+                <a:ea typeface="Calibri"/>
+                <a:cs typeface="Courier New"/>
+              </a:rPr>
+              <a:t>&lt;/a&gt;</a:t>
+            </a:r>
+            <a:r>
+              <a:rPr lang="en-US" sz="1050" dirty="0">
+                <a:solidFill>
+                  <a:srgbClr val="A9B7C6"/>
+                </a:solidFill>
+                <a:latin typeface="Lucida Console"/>
+                <a:ea typeface="Calibri"/>
+                <a:cs typeface="Courier New"/>
+              </a:rPr>
+              <a:t>.</a:t>
+            </a:r>
+            <a:br>
+              <a:rPr lang="en-US" sz="1050" dirty="0">
+                <a:solidFill>
+                  <a:srgbClr val="A9B7C6"/>
+                </a:solidFill>
+                <a:latin typeface="Lucida Console"/>
+                <a:ea typeface="Calibri"/>
+                <a:cs typeface="Courier New"/>
+              </a:rPr>
+            </a:br>
+            <a:r>
+              <a:rPr lang="en-US" sz="1050" dirty="0">
+                <a:solidFill>
+                  <a:srgbClr val="A9B7C6"/>
+                </a:solidFill>
+                <a:latin typeface="Lucida Console"/>
+                <a:ea typeface="Calibri"/>
+                <a:cs typeface="Courier New"/>
+              </a:rPr>
+              <a:t>         </a:t>
+            </a:r>
+            <a:r>
+              <a:rPr lang="en-US" sz="1050" dirty="0">
+                <a:solidFill>
+                  <a:srgbClr val="E8BF6A"/>
+                </a:solidFill>
+                <a:latin typeface="Lucida Console"/>
+                <a:ea typeface="Calibri"/>
+                <a:cs typeface="Courier New"/>
+              </a:rPr>
+              <a:t>&lt;/p&gt;</a:t>
+            </a:r>
+            <a:br>
+              <a:rPr lang="en-US" sz="1050" dirty="0">
+                <a:solidFill>
+                  <a:srgbClr val="E8BF6A"/>
+                </a:solidFill>
+                <a:latin typeface="Lucida Console"/>
+                <a:ea typeface="Calibri"/>
+                <a:cs typeface="Courier New"/>
+              </a:rPr>
+            </a:br>
+            <a:r>
+              <a:rPr lang="en-US" sz="1050" dirty="0">
+                <a:solidFill>
+                  <a:srgbClr val="E8BF6A"/>
+                </a:solidFill>
+                <a:latin typeface="Lucida Console"/>
+                <a:ea typeface="Calibri"/>
+                <a:cs typeface="Courier New"/>
+              </a:rPr>
+              <a:t>      &lt;/div&gt;</a:t>
+            </a:r>
+            <a:br>
+              <a:rPr lang="en-US" sz="1050" dirty="0">
+                <a:solidFill>
+                  <a:srgbClr val="E8BF6A"/>
+                </a:solidFill>
+                <a:latin typeface="Lucida Console"/>
+                <a:ea typeface="Calibri"/>
+                <a:cs typeface="Courier New"/>
+              </a:rPr>
+            </a:br>
+            <a:r>
+              <a:rPr lang="en-US" sz="1050" dirty="0">
+                <a:solidFill>
+                  <a:srgbClr val="E8BF6A"/>
+                </a:solidFill>
+                <a:latin typeface="Lucida Console"/>
+                <a:ea typeface="Calibri"/>
+                <a:cs typeface="Courier New"/>
+              </a:rPr>
+              <a:t>   </a:t>
+            </a:r>
+            <a:r>
+              <a:rPr lang="en-US" sz="1050" b="1" dirty="0">
+                <a:solidFill>
+                  <a:srgbClr val="A9B7C6"/>
+                </a:solidFill>
+                <a:latin typeface="Lucida Console"/>
+                <a:ea typeface="Calibri"/>
+                <a:cs typeface="Courier New"/>
+              </a:rPr>
+              <a:t>&lt;% </a:t>
+            </a:r>
+            <a:r>
+              <a:rPr lang="en-US" sz="1050" dirty="0">
+                <a:solidFill>
+                  <a:srgbClr val="CC7833"/>
+                </a:solidFill>
+                <a:latin typeface="Lucida Console"/>
+                <a:ea typeface="Calibri"/>
+                <a:cs typeface="Courier New"/>
+              </a:rPr>
+              <a:t>end </a:t>
+            </a:r>
+            <a:r>
+              <a:rPr lang="en-US" sz="1050" dirty="0">
+                <a:solidFill>
+                  <a:srgbClr val="A9B7C6"/>
+                </a:solidFill>
+                <a:latin typeface="Lucida Console"/>
+                <a:ea typeface="Calibri"/>
+                <a:cs typeface="Courier New"/>
+              </a:rPr>
+              <a:t>%&gt;</a:t>
+            </a:r>
+            <a:br>
+              <a:rPr lang="en-US" sz="1050" dirty="0">
+                <a:solidFill>
+                  <a:srgbClr val="A9B7C6"/>
+                </a:solidFill>
+                <a:latin typeface="Lucida Console"/>
+                <a:ea typeface="Calibri"/>
+                <a:cs typeface="Courier New"/>
+              </a:rPr>
+            </a:br>
+            <a:r>
+              <a:rPr lang="en-US" sz="1050" dirty="0">
+                <a:solidFill>
+                  <a:srgbClr val="E8BF6A"/>
+                </a:solidFill>
+                <a:latin typeface="Lucida Console"/>
+                <a:ea typeface="Calibri"/>
+                <a:cs typeface="Courier New"/>
+              </a:rPr>
+              <a:t>&lt;/div</a:t>
+            </a:r>
+            <a:r>
+              <a:rPr lang="en-US" sz="1050" dirty="0" smtClean="0">
+                <a:solidFill>
+                  <a:srgbClr val="E8BF6A"/>
+                </a:solidFill>
+                <a:latin typeface="Lucida Console"/>
+                <a:ea typeface="Calibri"/>
+                <a:cs typeface="Courier New"/>
+              </a:rPr>
+              <a:t>&gt;</a:t>
+            </a:r>
+            <a:endParaRPr lang="en-US" sz="1050" dirty="0">
+              <a:effectLst/>
+              <a:latin typeface="Calibri"/>
+              <a:ea typeface="Calibri"/>
+              <a:cs typeface="Times New Roman"/>
+            </a:endParaRPr>
+          </a:p>
+        </p:txBody>
+      </p:sp>
+    </p:spTree>
+    <p:extLst>
+      <p:ext uri="{BB962C8B-B14F-4D97-AF65-F5344CB8AC3E}">
+        <p14:creationId xmlns:p14="http://schemas.microsoft.com/office/powerpoint/2010/main" val="214524616"/>
+      </p:ext>
+    </p:extLst>
+  </p:cSld>
+  <p:clrMapOvr>
+    <a:masterClrMapping/>
+  </p:clrMapOvr>
+  <p:timing>
+    <p:tnLst>
+      <p:par>
+        <p:cTn id="1" dur="indefinite" restart="never" nodeType="tmRoot"/>
+      </p:par>
+    </p:tnLst>
+  </p:timing>
+</p:sld>
+</file>
+
+<file path=ppt/slides/slide9.xml><?xml version="1.0" encoding="utf-8"?>
+<p:sld xmlns:a="http://schemas.openxmlformats.org/drawingml/2006/main" xmlns:r="http://schemas.openxmlformats.org/officeDocument/2006/relationships" xmlns:p="http://schemas.openxmlformats.org/presentationml/2006/main">
+  <p:cSld>
+    <p:spTree>
+      <p:nvGrpSpPr>
+        <p:cNvPr id="1" name=""/>
+        <p:cNvGrpSpPr/>
+        <p:nvPr/>
+      </p:nvGrpSpPr>
+      <p:grpSpPr>
+        <a:xfrm>
+          <a:off x="0" y="0"/>
+          <a:ext cx="0" cy="0"/>
+          <a:chOff x="0" y="0"/>
+          <a:chExt cx="0" cy="0"/>
+        </a:xfrm>
+      </p:grpSpPr>
+      <p:sp>
+        <p:nvSpPr>
+          <p:cNvPr id="2" name="Title 1"/>
+          <p:cNvSpPr>
+            <a:spLocks noGrp="1"/>
+          </p:cNvSpPr>
+          <p:nvPr>
+            <p:ph type="title"/>
+          </p:nvPr>
+        </p:nvSpPr>
+        <p:spPr/>
+        <p:txBody>
+          <a:bodyPr/>
+          <a:lstStyle/>
+          <a:p>
+            <a:r>
+              <a:rPr lang="en-US" dirty="0"/>
+              <a:t>mdTranslator on Rails </a:t>
+            </a:r>
+            <a:r>
+              <a:rPr lang="en-US" dirty="0" smtClean="0"/>
+              <a:t>6</a:t>
+            </a:r>
+            <a:endParaRPr lang="en-US" dirty="0"/>
+          </a:p>
+        </p:txBody>
+      </p:sp>
+      <p:sp>
+        <p:nvSpPr>
+          <p:cNvPr id="3" name="Content Placeholder 2"/>
+          <p:cNvSpPr>
+            <a:spLocks noGrp="1"/>
+          </p:cNvSpPr>
+          <p:nvPr>
+            <p:ph idx="1"/>
+          </p:nvPr>
+        </p:nvSpPr>
+        <p:spPr/>
+        <p:txBody>
+          <a:bodyPr vert="horz" lIns="91440" tIns="45720" rIns="91440" bIns="45720" rtlCol="0">
+            <a:normAutofit/>
+          </a:bodyPr>
+          <a:lstStyle/>
+          <a:p>
+            <a:pPr marL="457200" indent="-457200">
+              <a:buFont typeface="+mj-lt"/>
+              <a:buAutoNum type="arabicPeriod" startAt="10"/>
+            </a:pPr>
+            <a:r>
+              <a:rPr lang="en-US" sz="1800" dirty="0"/>
+              <a:t>The updated index </a:t>
+            </a:r>
+            <a:r>
+              <a:rPr lang="en-US" sz="1800" dirty="0" smtClean="0"/>
+              <a:t>page now looks </a:t>
+            </a:r>
+            <a:r>
+              <a:rPr lang="en-US" sz="1800" dirty="0"/>
+              <a:t>like </a:t>
+            </a:r>
+            <a:r>
+              <a:rPr lang="en-US" sz="1800" dirty="0" smtClean="0"/>
+              <a:t>this …</a:t>
+            </a:r>
+            <a:endParaRPr lang="en-US" sz="1800" dirty="0"/>
+          </a:p>
+          <a:p>
+            <a:pPr marL="457200" indent="-457200">
+              <a:buFont typeface="+mj-lt"/>
+              <a:buAutoNum type="arabicPeriod" startAt="10"/>
+            </a:pPr>
+            <a:endParaRPr lang="en-US" sz="1800" dirty="0"/>
+          </a:p>
+        </p:txBody>
+      </p:sp>
+      <p:sp>
+        <p:nvSpPr>
+          <p:cNvPr id="4" name="Date Placeholder 3"/>
+          <p:cNvSpPr>
+            <a:spLocks noGrp="1"/>
+          </p:cNvSpPr>
+          <p:nvPr>
+            <p:ph type="dt" sz="half" idx="10"/>
+          </p:nvPr>
+        </p:nvSpPr>
+        <p:spPr/>
+        <p:txBody>
+          <a:bodyPr/>
+          <a:lstStyle/>
+          <a:p>
+            <a:pPr>
+              <a:defRPr/>
+            </a:pPr>
+            <a:fld id="{6C3DD7D0-7E54-4926-8269-92427B4182BC}" type="datetime1">
+              <a:rPr lang="en-US" smtClean="0">
+                <a:solidFill>
+                  <a:srgbClr val="04617B">
+                    <a:shade val="90000"/>
+                  </a:srgbClr>
+                </a:solidFill>
+              </a:rPr>
+              <a:t>5/8/2015</a:t>
+            </a:fld>
+            <a:endParaRPr lang="en-US" dirty="0">
+              <a:solidFill>
+                <a:srgbClr val="04617B">
+                  <a:shade val="90000"/>
+                </a:srgbClr>
+              </a:solidFill>
+            </a:endParaRPr>
+          </a:p>
+        </p:txBody>
+      </p:sp>
+      <p:sp>
+        <p:nvSpPr>
+          <p:cNvPr id="5" name="Footer Placeholder 4"/>
+          <p:cNvSpPr>
+            <a:spLocks noGrp="1"/>
+          </p:cNvSpPr>
+          <p:nvPr>
+            <p:ph type="ftr" sz="quarter" idx="11"/>
+          </p:nvPr>
+        </p:nvSpPr>
+        <p:spPr/>
+        <p:txBody>
+          <a:bodyPr/>
+          <a:lstStyle/>
+          <a:p>
+            <a:pPr>
+              <a:defRPr/>
+            </a:pPr>
+            <a:r>
               <a:rPr lang="en-US" smtClean="0">
                 <a:solidFill>
                   <a:srgbClr val="04617B">
@@ -19850,7 +20889,7 @@
               <a:pPr>
                 <a:defRPr/>
               </a:pPr>
-              <a:t>8</a:t>
+              <a:t>9</a:t>
             </a:fld>
             <a:endParaRPr lang="en-US" dirty="0">
               <a:solidFill>
@@ -19897,247 +20936,6 @@
     <p:extLst>
       <p:ext uri="{BB962C8B-B14F-4D97-AF65-F5344CB8AC3E}">
         <p14:creationId xmlns:p14="http://schemas.microsoft.com/office/powerpoint/2010/main" val="3807752325"/>
-      </p:ext>
-    </p:extLst>
-  </p:cSld>
-  <p:clrMapOvr>
-    <a:masterClrMapping/>
-  </p:clrMapOvr>
-  <p:timing>
-    <p:tnLst>
-      <p:par>
-        <p:cTn id="1" dur="indefinite" restart="never" nodeType="tmRoot"/>
-      </p:par>
-    </p:tnLst>
-  </p:timing>
-</p:sld>
-</file>
-
-<file path=ppt/slides/slide9.xml><?xml version="1.0" encoding="utf-8"?>
-<p:sld xmlns:a="http://schemas.openxmlformats.org/drawingml/2006/main" xmlns:r="http://schemas.openxmlformats.org/officeDocument/2006/relationships" xmlns:p="http://schemas.openxmlformats.org/presentationml/2006/main">
-  <p:cSld>
-    <p:spTree>
-      <p:nvGrpSpPr>
-        <p:cNvPr id="1" name=""/>
-        <p:cNvGrpSpPr/>
-        <p:nvPr/>
-      </p:nvGrpSpPr>
-      <p:grpSpPr>
-        <a:xfrm>
-          <a:off x="0" y="0"/>
-          <a:ext cx="0" cy="0"/>
-          <a:chOff x="0" y="0"/>
-          <a:chExt cx="0" cy="0"/>
-        </a:xfrm>
-      </p:grpSpPr>
-      <p:sp>
-        <p:nvSpPr>
-          <p:cNvPr id="2" name="Title 1"/>
-          <p:cNvSpPr>
-            <a:spLocks noGrp="1"/>
-          </p:cNvSpPr>
-          <p:nvPr>
-            <p:ph type="title"/>
-          </p:nvPr>
-        </p:nvSpPr>
-        <p:spPr/>
-        <p:txBody>
-          <a:bodyPr/>
-          <a:lstStyle/>
-          <a:p>
-            <a:r>
-              <a:rPr lang="en-US" dirty="0"/>
-              <a:t>mdTranslator on Rails </a:t>
-            </a:r>
-            <a:r>
-              <a:rPr lang="en-US" dirty="0" smtClean="0"/>
-              <a:t>7</a:t>
-            </a:r>
-            <a:endParaRPr lang="en-US" dirty="0"/>
-          </a:p>
-        </p:txBody>
-      </p:sp>
-      <p:sp>
-        <p:nvSpPr>
-          <p:cNvPr id="3" name="Content Placeholder 2"/>
-          <p:cNvSpPr>
-            <a:spLocks noGrp="1"/>
-          </p:cNvSpPr>
-          <p:nvPr>
-            <p:ph idx="1"/>
-          </p:nvPr>
-        </p:nvSpPr>
-        <p:spPr/>
-        <p:txBody>
-          <a:bodyPr vert="horz" lIns="91440" tIns="45720" rIns="91440" bIns="45720" rtlCol="0">
-            <a:normAutofit/>
-          </a:bodyPr>
-          <a:lstStyle/>
-          <a:p>
-            <a:pPr marL="457200" indent="-457200">
-              <a:buFont typeface="+mj-lt"/>
-              <a:buAutoNum type="arabicPeriod" startAt="11"/>
-            </a:pPr>
-            <a:r>
-              <a:rPr lang="en-US" sz="1800" dirty="0"/>
-              <a:t>Click ‘Submit’ and Rails shows a ‘Routing Error’.  We have not handled the HTTP POST in our routing or controller.  </a:t>
-            </a:r>
-          </a:p>
-        </p:txBody>
-      </p:sp>
-      <p:sp>
-        <p:nvSpPr>
-          <p:cNvPr id="4" name="Date Placeholder 3"/>
-          <p:cNvSpPr>
-            <a:spLocks noGrp="1"/>
-          </p:cNvSpPr>
-          <p:nvPr>
-            <p:ph type="dt" sz="half" idx="10"/>
-          </p:nvPr>
-        </p:nvSpPr>
-        <p:spPr/>
-        <p:txBody>
-          <a:bodyPr/>
-          <a:lstStyle/>
-          <a:p>
-            <a:pPr>
-              <a:defRPr/>
-            </a:pPr>
-            <a:fld id="{6C3DD7D0-7E54-4926-8269-92427B4182BC}" type="datetime1">
-              <a:rPr lang="en-US" smtClean="0">
-                <a:solidFill>
-                  <a:srgbClr val="04617B">
-                    <a:shade val="90000"/>
-                  </a:srgbClr>
-                </a:solidFill>
-              </a:rPr>
-              <a:t>5/8/2015</a:t>
-            </a:fld>
-            <a:endParaRPr lang="en-US" dirty="0">
-              <a:solidFill>
-                <a:srgbClr val="04617B">
-                  <a:shade val="90000"/>
-                </a:srgbClr>
-              </a:solidFill>
-            </a:endParaRPr>
-          </a:p>
-        </p:txBody>
-      </p:sp>
-      <p:sp>
-        <p:nvSpPr>
-          <p:cNvPr id="5" name="Footer Placeholder 4"/>
-          <p:cNvSpPr>
-            <a:spLocks noGrp="1"/>
-          </p:cNvSpPr>
-          <p:nvPr>
-            <p:ph type="ftr" sz="quarter" idx="11"/>
-          </p:nvPr>
-        </p:nvSpPr>
-        <p:spPr/>
-        <p:txBody>
-          <a:bodyPr/>
-          <a:lstStyle/>
-          <a:p>
-            <a:pPr>
-              <a:defRPr/>
-            </a:pPr>
-            <a:r>
-              <a:rPr lang="en-US" smtClean="0">
-                <a:solidFill>
-                  <a:srgbClr val="04617B">
-                    <a:shade val="90000"/>
-                  </a:srgbClr>
-                </a:solidFill>
-              </a:rPr>
-              <a:t>www.adiwg.org</a:t>
-            </a:r>
-            <a:endParaRPr lang="en-US" dirty="0" smtClean="0">
-              <a:solidFill>
-                <a:srgbClr val="04617B">
-                  <a:shade val="90000"/>
-                </a:srgbClr>
-              </a:solidFill>
-            </a:endParaRPr>
-          </a:p>
-        </p:txBody>
-      </p:sp>
-      <p:sp>
-        <p:nvSpPr>
-          <p:cNvPr id="6" name="Slide Number Placeholder 5"/>
-          <p:cNvSpPr>
-            <a:spLocks noGrp="1"/>
-          </p:cNvSpPr>
-          <p:nvPr>
-            <p:ph type="sldNum" sz="quarter" idx="12"/>
-          </p:nvPr>
-        </p:nvSpPr>
-        <p:spPr/>
-        <p:txBody>
-          <a:bodyPr/>
-          <a:lstStyle/>
-          <a:p>
-            <a:pPr>
-              <a:defRPr/>
-            </a:pPr>
-            <a:fld id="{D96B19B3-FA35-4262-952F-7D873B09162D}" type="slidenum">
-              <a:rPr lang="en-US" smtClean="0">
-                <a:solidFill>
-                  <a:srgbClr val="04617B">
-                    <a:shade val="90000"/>
-                  </a:srgbClr>
-                </a:solidFill>
-              </a:rPr>
-              <a:pPr>
-                <a:defRPr/>
-              </a:pPr>
-              <a:t>9</a:t>
-            </a:fld>
-            <a:endParaRPr lang="en-US" dirty="0">
-              <a:solidFill>
-                <a:srgbClr val="04617B">
-                  <a:shade val="90000"/>
-                </a:srgbClr>
-              </a:solidFill>
-            </a:endParaRPr>
-          </a:p>
-        </p:txBody>
-      </p:sp>
-      <p:pic>
-        <p:nvPicPr>
-          <p:cNvPr id="7" name="Picture 6"/>
-          <p:cNvPicPr/>
-          <p:nvPr/>
-        </p:nvPicPr>
-        <p:blipFill>
-          <a:blip r:embed="rId3"/>
-          <a:stretch>
-            <a:fillRect/>
-          </a:stretch>
-        </p:blipFill>
-        <p:spPr>
-          <a:xfrm>
-            <a:off x="3581400" y="2362200"/>
-            <a:ext cx="4724400" cy="3691695"/>
-          </a:xfrm>
-          <a:prstGeom prst="rect">
-            <a:avLst/>
-          </a:prstGeom>
-          <a:ln>
-            <a:noFill/>
-          </a:ln>
-          <a:effectLst>
-            <a:outerShdw blurRad="292100" dist="139700" dir="2700000" algn="tl" rotWithShape="0">
-              <a:srgbClr val="333333">
-                <a:alpha val="65000"/>
-              </a:srgbClr>
-            </a:outerShdw>
-          </a:effectLst>
-        </p:spPr>
-      </p:pic>
-    </p:spTree>
-    <p:extLst>
-      <p:ext uri="{BB962C8B-B14F-4D97-AF65-F5344CB8AC3E}">
-        <p14:creationId xmlns:p14="http://schemas.microsoft.com/office/powerpoint/2010/main" val="949293451"/>
       </p:ext>
     </p:extLst>
   </p:cSld>
